--- a/ppt/http.pptx
+++ b/ppt/http.pptx
@@ -5,10 +5,10 @@
     <p:sldMasterId id="2147483648" r:id="rId2"/>
   </p:sldMasterIdLst>
   <p:notesMasterIdLst>
-    <p:notesMasterId r:id="rId31"/>
+    <p:notesMasterId r:id="rId17"/>
   </p:notesMasterIdLst>
   <p:handoutMasterIdLst>
-    <p:handoutMasterId r:id="rId32"/>
+    <p:handoutMasterId r:id="rId18"/>
   </p:handoutMasterIdLst>
   <p:sldIdLst>
     <p:sldId id="257" r:id="rId3"/>
@@ -24,21 +24,7 @@
     <p:sldId id="271" r:id="rId13"/>
     <p:sldId id="281" r:id="rId14"/>
     <p:sldId id="273" r:id="rId15"/>
-    <p:sldId id="274" r:id="rId16"/>
-    <p:sldId id="275" r:id="rId17"/>
-    <p:sldId id="276" r:id="rId18"/>
-    <p:sldId id="277" r:id="rId19"/>
-    <p:sldId id="278" r:id="rId20"/>
-    <p:sldId id="282" r:id="rId21"/>
-    <p:sldId id="284" r:id="rId22"/>
-    <p:sldId id="283" r:id="rId23"/>
-    <p:sldId id="285" r:id="rId24"/>
-    <p:sldId id="286" r:id="rId25"/>
-    <p:sldId id="288" r:id="rId26"/>
-    <p:sldId id="289" r:id="rId27"/>
-    <p:sldId id="290" r:id="rId28"/>
-    <p:sldId id="291" r:id="rId29"/>
-    <p:sldId id="263" r:id="rId30"/>
+    <p:sldId id="263" r:id="rId16"/>
   </p:sldIdLst>
   <p:sldSz cx="12192000" cy="6858000"/>
   <p:notesSz cx="6858000" cy="9144000"/>
@@ -241,7 +227,7 @@
           <a:p>
             <a:fld id="{D63D5444-F62C-42C3-A75A-D9DBA807730F}" type="datetimeFigureOut">
               <a:rPr lang="en-US" altLang="zh-CN" smtClean="0"/>
-              <a:t>12/22/2016</a:t>
+              <a:t>12/24/2016</a:t>
             </a:fld>
             <a:endParaRPr lang="zh-CN"/>
           </a:p>
@@ -405,7 +391,7 @@
           </a:lstStyle>
           <a:p>
             <a:fld id="{12CAA1FA-7B6A-47D2-8D61-F225D71B51FF}" type="datetimeFigureOut">
-              <a:t>2016/12/22</a:t>
+              <a:t>2016/12/24</a:t>
             </a:fld>
             <a:endParaRPr lang="zh-CN"/>
           </a:p>
@@ -1243,7 +1229,7 @@
           <a:lstStyle/>
           <a:p>
             <a:fld id="{A79A3335-6331-4872-A8B7-ECD55539F4D0}" type="datetimeFigureOut">
-              <a:t>2016/12/22</a:t>
+              <a:t>2016/12/24</a:t>
             </a:fld>
             <a:endParaRPr lang="zh-CN"/>
           </a:p>
@@ -1500,7 +1486,7 @@
           <a:lstStyle/>
           <a:p>
             <a:fld id="{A79A3335-6331-4872-A8B7-ECD55539F4D0}" type="datetimeFigureOut">
-              <a:t>2016/12/22</a:t>
+              <a:t>2016/12/24</a:t>
             </a:fld>
             <a:endParaRPr lang="zh-CN"/>
           </a:p>
@@ -2026,7 +2012,7 @@
           <a:lstStyle/>
           <a:p>
             <a:fld id="{A79A3335-6331-4872-A8B7-ECD55539F4D0}" type="datetimeFigureOut">
-              <a:t>2016/12/22</a:t>
+              <a:t>2016/12/24</a:t>
             </a:fld>
             <a:endParaRPr lang="zh-CN"/>
           </a:p>
@@ -2356,7 +2342,7 @@
           <a:lstStyle/>
           <a:p>
             <a:fld id="{A79A3335-6331-4872-A8B7-ECD55539F4D0}" type="datetimeFigureOut">
-              <a:t>2016/12/22</a:t>
+              <a:t>2016/12/24</a:t>
             </a:fld>
             <a:endParaRPr lang="zh-CN"/>
           </a:p>
@@ -2536,7 +2522,7 @@
           <a:lstStyle/>
           <a:p>
             <a:fld id="{A79A3335-6331-4872-A8B7-ECD55539F4D0}" type="datetimeFigureOut">
-              <a:t>2016/12/22</a:t>
+              <a:t>2016/12/24</a:t>
             </a:fld>
             <a:endParaRPr lang="zh-CN"/>
           </a:p>
@@ -3766,7 +3752,7 @@
           <a:lstStyle/>
           <a:p>
             <a:fld id="{A79A3335-6331-4872-A8B7-ECD55539F4D0}" type="datetimeFigureOut">
-              <a:t>2016/12/22</a:t>
+              <a:t>2016/12/24</a:t>
             </a:fld>
             <a:endParaRPr lang="zh-CN"/>
           </a:p>
@@ -4080,7 +4066,7 @@
           <a:lstStyle/>
           <a:p>
             <a:fld id="{A79A3335-6331-4872-A8B7-ECD55539F4D0}" type="datetimeFigureOut">
-              <a:t>2016/12/22</a:t>
+              <a:t>2016/12/24</a:t>
             </a:fld>
             <a:endParaRPr lang="zh-CN"/>
           </a:p>
@@ -4275,7 +4261,7 @@
           <a:lstStyle/>
           <a:p>
             <a:fld id="{A79A3335-6331-4872-A8B7-ECD55539F4D0}" type="datetimeFigureOut">
-              <a:t>2016/12/22</a:t>
+              <a:t>2016/12/24</a:t>
             </a:fld>
             <a:endParaRPr lang="zh-CN"/>
           </a:p>
@@ -4380,7 +4366,7 @@
           <a:lstStyle/>
           <a:p>
             <a:fld id="{A79A3335-6331-4872-A8B7-ECD55539F4D0}" type="datetimeFigureOut">
-              <a:t>2016/12/22</a:t>
+              <a:t>2016/12/24</a:t>
             </a:fld>
             <a:endParaRPr lang="zh-CN"/>
           </a:p>
@@ -4669,7 +4655,7 @@
           <a:lstStyle/>
           <a:p>
             <a:fld id="{A79A3335-6331-4872-A8B7-ECD55539F4D0}" type="datetimeFigureOut">
-              <a:t>2016/12/22</a:t>
+              <a:t>2016/12/24</a:t>
             </a:fld>
             <a:endParaRPr lang="zh-CN"/>
           </a:p>
@@ -5041,7 +5027,7 @@
             <a:fld id="{A79A3335-6331-4872-A8B7-ECD55539F4D0}" type="datetimeFigureOut">
               <a:rPr lang="en-US" altLang="zh-CN" smtClean="0"/>
               <a:pPr/>
-              <a:t>12/22/2016</a:t>
+              <a:t>12/24/2016</a:t>
             </a:fld>
             <a:endParaRPr lang="zh-CN" altLang="en-US"/>
           </a:p>
@@ -5903,11 +5889,11 @@
               <a:t>4. </a:t>
             </a:r>
             <a:r>
-              <a:rPr lang="zh-CN" altLang="en-US" dirty="0">
+              <a:rPr lang="en-US" altLang="zh-CN" dirty="0" smtClean="0">
                 <a:latin typeface="Microsoft YaHei UI" panose="020B0503020204020204" pitchFamily="34" charset="-122"/>
                 <a:ea typeface="Microsoft YaHei UI" panose="020B0503020204020204" pitchFamily="34" charset="-122"/>
               </a:rPr>
-              <a:t>属性</a:t>
+              <a:t>response</a:t>
             </a:r>
             <a:endParaRPr lang="zh-CN" dirty="0">
               <a:latin typeface="Microsoft YaHei UI" panose="020B0503020204020204" pitchFamily="34" charset="-122"/>
@@ -6233,24 +6219,23 @@
         </p:nvSpPr>
         <p:spPr/>
         <p:txBody>
-          <a:bodyPr/>
-          <a:lstStyle/>
-          <a:p>
-            <a:r>
-              <a:rPr lang="en-US" altLang="zh-CN" dirty="0">
-                <a:latin typeface="Microsoft YaHei UI" panose="020B0503020204020204" pitchFamily="34" charset="-122"/>
-                <a:ea typeface="Microsoft YaHei UI" panose="020B0503020204020204" pitchFamily="34" charset="-122"/>
-              </a:rPr>
-              <a:t>4. </a:t>
-            </a:r>
-            <a:r>
-              <a:rPr lang="zh-CN" altLang="en-US" dirty="0">
-                <a:latin typeface="Microsoft YaHei UI" panose="020B0503020204020204" pitchFamily="34" charset="-122"/>
-                <a:ea typeface="Microsoft YaHei UI" panose="020B0503020204020204" pitchFamily="34" charset="-122"/>
-              </a:rPr>
-              <a:t>属性</a:t>
-            </a:r>
-            <a:endParaRPr lang="zh-CN" dirty="0">
+          <a:bodyPr>
+            <a:normAutofit/>
+          </a:bodyPr>
+          <a:lstStyle/>
+          <a:p>
+            <a:r>
+              <a:rPr lang="zh-CN" altLang="en-US" sz="2800" dirty="0"/>
+              <a:t>综合练习：</a:t>
+            </a:r>
+            <a:r>
+              <a:rPr lang="en-US" altLang="zh-CN" sz="2800" dirty="0"/>
+              <a:t/>
+            </a:r>
+            <a:br>
+              <a:rPr lang="en-US" altLang="zh-CN" sz="2800" dirty="0"/>
+            </a:br>
+            <a:endParaRPr lang="en-US" sz="2800" dirty="0">
               <a:latin typeface="Microsoft YaHei UI" panose="020B0503020204020204" pitchFamily="34" charset="-122"/>
               <a:ea typeface="Microsoft YaHei UI" panose="020B0503020204020204" pitchFamily="34" charset="-122"/>
             </a:endParaRPr>
@@ -6264,7 +6249,7 @@
             <a:spLocks noGrp="1"/>
           </p:cNvSpPr>
           <p:nvPr>
-            <p:ph sz="half" idx="1"/>
+            <p:ph idx="1"/>
           </p:nvPr>
         </p:nvSpPr>
         <p:spPr/>
@@ -6273,1606 +6258,20 @@
           <a:lstStyle/>
           <a:p>
             <a:r>
-              <a:rPr lang="zh-CN" altLang="en-US" dirty="0">
-                <a:latin typeface="Microsoft YaHei UI" panose="020B0503020204020204" pitchFamily="34" charset="-122"/>
-                <a:ea typeface="Microsoft YaHei UI" panose="020B0503020204020204" pitchFamily="34" charset="-122"/>
-              </a:rPr>
-              <a:t>获取和设置</a:t>
-            </a:r>
-            <a:r>
-              <a:rPr lang="en-US" altLang="zh-CN" dirty="0">
-                <a:latin typeface="Microsoft YaHei UI" panose="020B0503020204020204" pitchFamily="34" charset="-122"/>
-                <a:ea typeface="Microsoft YaHei UI" panose="020B0503020204020204" pitchFamily="34" charset="-122"/>
-              </a:rPr>
-              <a:t>CSS</a:t>
-            </a:r>
-            <a:r>
-              <a:rPr lang="zh-CN" altLang="en-US" dirty="0">
-                <a:latin typeface="Microsoft YaHei UI" panose="020B0503020204020204" pitchFamily="34" charset="-122"/>
-                <a:ea typeface="Microsoft YaHei UI" panose="020B0503020204020204" pitchFamily="34" charset="-122"/>
-              </a:rPr>
-              <a:t>属性</a:t>
-            </a:r>
-            <a:endParaRPr lang="en-US" altLang="zh-CN" dirty="0">
-              <a:latin typeface="Microsoft YaHei UI" panose="020B0503020204020204" pitchFamily="34" charset="-122"/>
-              <a:ea typeface="Microsoft YaHei UI" panose="020B0503020204020204" pitchFamily="34" charset="-122"/>
-            </a:endParaRPr>
-          </a:p>
-          <a:p>
-            <a:pPr marL="274320" lvl="1" indent="0">
-              <a:buNone/>
-            </a:pPr>
-            <a:r>
-              <a:rPr lang="en-US" altLang="zh-CN" dirty="0" err="1"/>
-              <a:t>css</a:t>
-            </a:r>
-            <a:r>
               <a:rPr lang="en-US" altLang="zh-CN" dirty="0"/>
-              <a:t>()</a:t>
-            </a:r>
-            <a:r>
-              <a:rPr lang="zh-CN" altLang="en-US" dirty="0"/>
-              <a:t>方法作用于元素的</a:t>
-            </a:r>
-            <a:r>
+              <a:t/>
+            </a:r>
+            <a:br>
               <a:rPr lang="en-US" altLang="zh-CN" dirty="0"/>
-              <a:t>CSS</a:t>
-            </a:r>
-            <a:r>
-              <a:rPr lang="zh-CN" altLang="en-US" dirty="0"/>
-              <a:t>样式，而不是元素的</a:t>
-            </a:r>
-            <a:r>
-              <a:rPr lang="en-US" altLang="zh-CN" dirty="0"/>
-              <a:t>HTML</a:t>
-            </a:r>
-            <a:r>
-              <a:rPr lang="zh-CN" altLang="en-US" dirty="0"/>
-              <a:t>属性，在获取样式值时，</a:t>
-            </a:r>
-            <a:r>
-              <a:rPr lang="en-US" altLang="zh-CN" dirty="0" err="1"/>
-              <a:t>css</a:t>
-            </a:r>
-            <a:r>
-              <a:rPr lang="en-US" altLang="zh-CN" dirty="0"/>
-              <a:t>()</a:t>
-            </a:r>
-            <a:r>
-              <a:rPr lang="zh-CN" altLang="en-US" dirty="0"/>
-              <a:t>返回的是元素的当前样式，返回值可能来自</a:t>
-            </a:r>
-            <a:r>
-              <a:rPr lang="en-US" altLang="zh-CN" dirty="0"/>
-              <a:t>style</a:t>
-            </a:r>
-            <a:r>
-              <a:rPr lang="zh-CN" altLang="en-US" dirty="0"/>
-              <a:t>属性也可能来自样式表。</a:t>
-            </a:r>
-            <a:endParaRPr lang="en-US" altLang="zh-CN" dirty="0"/>
-          </a:p>
-          <a:p>
-            <a:pPr marL="274320" lvl="1" indent="0">
-              <a:buNone/>
-            </a:pPr>
-            <a:endParaRPr lang="en-US" altLang="zh-CN" dirty="0"/>
-          </a:p>
-          <a:p>
-            <a:pPr marL="274320" lvl="1" indent="0">
-              <a:buNone/>
-            </a:pPr>
-            <a:r>
-              <a:rPr lang="en-US" altLang="zh-CN" dirty="0"/>
-              <a:t>$(</a:t>
-            </a:r>
-            <a:r>
-              <a:rPr lang="zh-CN" altLang="en-US" dirty="0"/>
-              <a:t>“</a:t>
-            </a:r>
-            <a:r>
-              <a:rPr lang="en-US" altLang="zh-CN" dirty="0"/>
-              <a:t>h1</a:t>
-            </a:r>
-            <a:r>
-              <a:rPr lang="zh-CN" altLang="en-US" dirty="0"/>
-              <a:t>”</a:t>
-            </a:r>
-            <a:r>
-              <a:rPr lang="en-US" altLang="zh-CN" dirty="0"/>
-              <a:t>).</a:t>
-            </a:r>
-            <a:r>
-              <a:rPr lang="en-US" altLang="zh-CN" dirty="0" err="1"/>
-              <a:t>css</a:t>
-            </a:r>
-            <a:r>
-              <a:rPr lang="en-US" altLang="zh-CN" dirty="0"/>
-              <a:t>(“font-weight”);                    //</a:t>
-            </a:r>
-            <a:r>
-              <a:rPr lang="zh-CN" altLang="en-US" dirty="0"/>
-              <a:t>获取第一个</a:t>
-            </a:r>
-            <a:r>
-              <a:rPr lang="en-US" altLang="zh-CN" dirty="0"/>
-              <a:t>h1</a:t>
-            </a:r>
-            <a:r>
-              <a:rPr lang="zh-CN" altLang="en-US" dirty="0"/>
-              <a:t>的字体重量</a:t>
-            </a:r>
-            <a:endParaRPr lang="en-US" altLang="zh-CN" dirty="0"/>
-          </a:p>
-          <a:p>
-            <a:pPr marL="274320" lvl="1" indent="0">
-              <a:buNone/>
-            </a:pPr>
-            <a:r>
-              <a:rPr lang="en-US" altLang="zh-CN" dirty="0"/>
-              <a:t>$(“h1”).</a:t>
-            </a:r>
-            <a:r>
-              <a:rPr lang="en-US" altLang="zh-CN" dirty="0" err="1"/>
-              <a:t>css</a:t>
-            </a:r>
-            <a:r>
-              <a:rPr lang="en-US" altLang="zh-CN" dirty="0"/>
-              <a:t>(“border”, ”solid 1px red”);       </a:t>
-            </a:r>
-          </a:p>
-          <a:p>
-            <a:pPr marL="274320" lvl="1" indent="0">
-              <a:buNone/>
-            </a:pPr>
-            <a:r>
-              <a:rPr lang="en-US" altLang="zh-CN" dirty="0"/>
-              <a:t>$(“h1”).</a:t>
-            </a:r>
-            <a:r>
-              <a:rPr lang="en-US" altLang="zh-CN" dirty="0" err="1"/>
-              <a:t>css</a:t>
-            </a:r>
-            <a:r>
-              <a:rPr lang="en-US" altLang="zh-CN" dirty="0"/>
-              <a:t>({</a:t>
-            </a:r>
-            <a:r>
-              <a:rPr lang="en-US" altLang="zh-CN" dirty="0" err="1"/>
-              <a:t>backgroudColor</a:t>
-            </a:r>
-            <a:r>
-              <a:rPr lang="en-US" altLang="zh-CN" dirty="0"/>
-              <a:t>: “black”,</a:t>
-            </a:r>
-          </a:p>
-          <a:p>
-            <a:pPr marL="274320" lvl="1" indent="0">
-              <a:buNone/>
-            </a:pPr>
-            <a:r>
-              <a:rPr lang="en-US" altLang="zh-CN" dirty="0"/>
-              <a:t>                   </a:t>
-            </a:r>
-            <a:r>
-              <a:rPr lang="en-US" altLang="zh-CN" dirty="0" err="1"/>
-              <a:t>textColor</a:t>
-            </a:r>
-            <a:r>
-              <a:rPr lang="en-US" altLang="zh-CN" dirty="0"/>
-              <a:t>: “white”,</a:t>
-            </a:r>
-          </a:p>
-          <a:p>
-            <a:pPr marL="274320" lvl="1" indent="0">
-              <a:buNone/>
-            </a:pPr>
-            <a:r>
-              <a:rPr lang="en-US" altLang="zh-CN" dirty="0"/>
-              <a:t>                   width: 720, </a:t>
-            </a:r>
-          </a:p>
-          <a:p>
-            <a:pPr marL="274320" lvl="1" indent="0">
-              <a:buNone/>
-            </a:pPr>
-            <a:r>
-              <a:rPr lang="en-US" altLang="zh-CN" dirty="0"/>
-              <a:t>                   height: 64});                     //</a:t>
-            </a:r>
-            <a:r>
-              <a:rPr lang="zh-CN" altLang="en-US" dirty="0"/>
-              <a:t>一次性设置</a:t>
-            </a:r>
-            <a:r>
-              <a:rPr lang="en-US" altLang="zh-CN" dirty="0"/>
-              <a:t>4</a:t>
-            </a:r>
-            <a:r>
-              <a:rPr lang="zh-CN" altLang="en-US" dirty="0"/>
-              <a:t>个</a:t>
-            </a:r>
-            <a:r>
-              <a:rPr lang="en-US" altLang="zh-CN" dirty="0" err="1"/>
-              <a:t>css</a:t>
-            </a:r>
-            <a:r>
-              <a:rPr lang="zh-CN" altLang="en-US" dirty="0"/>
-              <a:t>样式</a:t>
-            </a:r>
-            <a:endParaRPr lang="en-US" altLang="zh-CN" dirty="0"/>
-          </a:p>
-          <a:p>
-            <a:pPr marL="274320" lvl="1" indent="0">
-              <a:buNone/>
-            </a:pPr>
-            <a:endParaRPr lang="en-US" altLang="zh-CN" dirty="0"/>
-          </a:p>
-          <a:p>
-            <a:pPr marL="0" indent="0">
-              <a:buNone/>
-            </a:pPr>
-            <a:endParaRPr lang="en-US" altLang="zh-CN" dirty="0">
-              <a:latin typeface="Microsoft YaHei UI" panose="020B0503020204020204" pitchFamily="34" charset="-122"/>
-              <a:ea typeface="Microsoft YaHei UI" panose="020B0503020204020204" pitchFamily="34" charset="-122"/>
-            </a:endParaRPr>
+            </a:br>
+            <a:endParaRPr lang="zh-CN" altLang="en-US" dirty="0"/>
           </a:p>
         </p:txBody>
       </p:sp>
     </p:spTree>
     <p:extLst>
       <p:ext uri="{BB962C8B-B14F-4D97-AF65-F5344CB8AC3E}">
-        <p14:creationId xmlns:p14="http://schemas.microsoft.com/office/powerpoint/2010/main" val="2077843365"/>
-      </p:ext>
-    </p:extLst>
-  </p:cSld>
-  <p:clrMapOvr>
-    <a:masterClrMapping/>
-  </p:clrMapOvr>
-  <mc:AlternateContent xmlns:mc="http://schemas.openxmlformats.org/markup-compatibility/2006" xmlns:p14="http://schemas.microsoft.com/office/powerpoint/2010/main">
-    <mc:Choice Requires="p14">
-      <p:transition spd="med" p14:dur="700">
-        <p:fade/>
-      </p:transition>
-    </mc:Choice>
-    <mc:Fallback xmlns="">
-      <p:transition spd="med">
-        <p:fade/>
-      </p:transition>
-    </mc:Fallback>
-  </mc:AlternateContent>
-</p:sld>
-</file>
-
-<file path=ppt/slides/slide15.xml><?xml version="1.0" encoding="utf-8"?>
-<p:sld xmlns:a="http://schemas.openxmlformats.org/drawingml/2006/main" xmlns:r="http://schemas.openxmlformats.org/officeDocument/2006/relationships" xmlns:p="http://schemas.openxmlformats.org/presentationml/2006/main">
-  <p:cSld>
-    <p:spTree>
-      <p:nvGrpSpPr>
-        <p:cNvPr id="1" name=""/>
-        <p:cNvGrpSpPr/>
-        <p:nvPr/>
-      </p:nvGrpSpPr>
-      <p:grpSpPr>
-        <a:xfrm>
-          <a:off x="0" y="0"/>
-          <a:ext cx="0" cy="0"/>
-          <a:chOff x="0" y="0"/>
-          <a:chExt cx="0" cy="0"/>
-        </a:xfrm>
-      </p:grpSpPr>
-      <p:sp>
-        <p:nvSpPr>
-          <p:cNvPr id="2" name="标题 1"/>
-          <p:cNvSpPr>
-            <a:spLocks noGrp="1"/>
-          </p:cNvSpPr>
-          <p:nvPr>
-            <p:ph type="title"/>
-          </p:nvPr>
-        </p:nvSpPr>
-        <p:spPr/>
-        <p:txBody>
-          <a:bodyPr/>
-          <a:lstStyle/>
-          <a:p>
-            <a:r>
-              <a:rPr lang="en-US" altLang="zh-CN" dirty="0">
-                <a:latin typeface="Microsoft YaHei UI" panose="020B0503020204020204" pitchFamily="34" charset="-122"/>
-                <a:ea typeface="Microsoft YaHei UI" panose="020B0503020204020204" pitchFamily="34" charset="-122"/>
-              </a:rPr>
-              <a:t>4. </a:t>
-            </a:r>
-            <a:r>
-              <a:rPr lang="zh-CN" altLang="en-US" dirty="0">
-                <a:latin typeface="Microsoft YaHei UI" panose="020B0503020204020204" pitchFamily="34" charset="-122"/>
-                <a:ea typeface="Microsoft YaHei UI" panose="020B0503020204020204" pitchFamily="34" charset="-122"/>
-              </a:rPr>
-              <a:t>属性</a:t>
-            </a:r>
-            <a:endParaRPr lang="zh-CN" dirty="0">
-              <a:latin typeface="Microsoft YaHei UI" panose="020B0503020204020204" pitchFamily="34" charset="-122"/>
-              <a:ea typeface="Microsoft YaHei UI" panose="020B0503020204020204" pitchFamily="34" charset="-122"/>
-            </a:endParaRPr>
-          </a:p>
-        </p:txBody>
-      </p:sp>
-      <p:sp>
-        <p:nvSpPr>
-          <p:cNvPr id="3" name="内容占位符 2"/>
-          <p:cNvSpPr>
-            <a:spLocks noGrp="1"/>
-          </p:cNvSpPr>
-          <p:nvPr>
-            <p:ph sz="half" idx="1"/>
-          </p:nvPr>
-        </p:nvSpPr>
-        <p:spPr/>
-        <p:txBody>
-          <a:bodyPr>
-            <a:normAutofit/>
-          </a:bodyPr>
-          <a:lstStyle/>
-          <a:p>
-            <a:r>
-              <a:rPr lang="zh-CN" altLang="en-US" dirty="0">
-                <a:latin typeface="Microsoft YaHei UI" panose="020B0503020204020204" pitchFamily="34" charset="-122"/>
-                <a:ea typeface="Microsoft YaHei UI" panose="020B0503020204020204" pitchFamily="34" charset="-122"/>
-              </a:rPr>
-              <a:t>获取和设置</a:t>
-            </a:r>
-            <a:r>
-              <a:rPr lang="en-US" altLang="zh-CN" dirty="0">
-                <a:latin typeface="Microsoft YaHei UI" panose="020B0503020204020204" pitchFamily="34" charset="-122"/>
-                <a:ea typeface="Microsoft YaHei UI" panose="020B0503020204020204" pitchFamily="34" charset="-122"/>
-              </a:rPr>
-              <a:t>CSS</a:t>
-            </a:r>
-            <a:r>
-              <a:rPr lang="zh-CN" altLang="en-US" dirty="0">
-                <a:latin typeface="Microsoft YaHei UI" panose="020B0503020204020204" pitchFamily="34" charset="-122"/>
-                <a:ea typeface="Microsoft YaHei UI" panose="020B0503020204020204" pitchFamily="34" charset="-122"/>
-              </a:rPr>
-              <a:t>类</a:t>
-            </a:r>
-            <a:endParaRPr lang="en-US" altLang="zh-CN" dirty="0">
-              <a:latin typeface="Microsoft YaHei UI" panose="020B0503020204020204" pitchFamily="34" charset="-122"/>
-              <a:ea typeface="Microsoft YaHei UI" panose="020B0503020204020204" pitchFamily="34" charset="-122"/>
-            </a:endParaRPr>
-          </a:p>
-          <a:p>
-            <a:pPr marL="274320" lvl="1" indent="0">
-              <a:buNone/>
-            </a:pPr>
-            <a:r>
-              <a:rPr lang="en-US" altLang="zh-CN" dirty="0" err="1"/>
-              <a:t>addClass</a:t>
-            </a:r>
-            <a:r>
-              <a:rPr lang="en-US" altLang="zh-CN" dirty="0"/>
-              <a:t>()</a:t>
-            </a:r>
-            <a:r>
-              <a:rPr lang="zh-CN" altLang="en-US" dirty="0"/>
-              <a:t>和</a:t>
-            </a:r>
-            <a:r>
-              <a:rPr lang="en-US" altLang="zh-CN" dirty="0" err="1"/>
-              <a:t>removeClass</a:t>
-            </a:r>
-            <a:r>
-              <a:rPr lang="en-US" altLang="zh-CN" dirty="0"/>
-              <a:t>()</a:t>
-            </a:r>
-            <a:r>
-              <a:rPr lang="zh-CN" altLang="en-US" dirty="0"/>
-              <a:t>用来从选中的元素中添加和删除类，</a:t>
-            </a:r>
-            <a:r>
-              <a:rPr lang="en-US" altLang="zh-CN" dirty="0" err="1"/>
-              <a:t>troggleClass</a:t>
-            </a:r>
-            <a:r>
-              <a:rPr lang="en-US" altLang="zh-CN" dirty="0"/>
-              <a:t>()</a:t>
-            </a:r>
-            <a:r>
-              <a:rPr lang="zh-CN" altLang="en-US" dirty="0"/>
-              <a:t>的用途是，当元素还没有某些类时，给元素添加这些类，反之，则删除。</a:t>
-            </a:r>
-            <a:r>
-              <a:rPr lang="en-US" altLang="zh-CN" dirty="0" err="1"/>
-              <a:t>hasClass</a:t>
-            </a:r>
-            <a:r>
-              <a:rPr lang="en-US" altLang="zh-CN" dirty="0"/>
-              <a:t>()</a:t>
-            </a:r>
-            <a:r>
-              <a:rPr lang="zh-CN" altLang="en-US" dirty="0"/>
-              <a:t>用来判断某类是否存在。</a:t>
-            </a:r>
-            <a:endParaRPr lang="en-US" altLang="zh-CN" dirty="0"/>
-          </a:p>
-          <a:p>
-            <a:pPr marL="274320" lvl="1" indent="0">
-              <a:buNone/>
-            </a:pPr>
-            <a:endParaRPr lang="en-US" altLang="zh-CN" dirty="0"/>
-          </a:p>
-          <a:p>
-            <a:pPr marL="274320" lvl="1" indent="0">
-              <a:buNone/>
-            </a:pPr>
-            <a:r>
-              <a:rPr lang="en-US" altLang="zh-CN" dirty="0"/>
-              <a:t>$(</a:t>
-            </a:r>
-            <a:r>
-              <a:rPr lang="zh-CN" altLang="en-US" dirty="0"/>
-              <a:t>“</a:t>
-            </a:r>
-            <a:r>
-              <a:rPr lang="en-US" altLang="zh-CN" dirty="0"/>
-              <a:t>h1</a:t>
-            </a:r>
-            <a:r>
-              <a:rPr lang="zh-CN" altLang="en-US" dirty="0"/>
-              <a:t>”</a:t>
-            </a:r>
-            <a:r>
-              <a:rPr lang="en-US" altLang="zh-CN" dirty="0"/>
-              <a:t>).</a:t>
-            </a:r>
-            <a:r>
-              <a:rPr lang="en-US" altLang="zh-CN" dirty="0" err="1"/>
-              <a:t>addClass</a:t>
-            </a:r>
-            <a:r>
-              <a:rPr lang="en-US" altLang="zh-CN" dirty="0"/>
-              <a:t>(“</a:t>
-            </a:r>
-            <a:r>
-              <a:rPr lang="en-US" altLang="zh-CN" dirty="0" err="1"/>
-              <a:t>hilite</a:t>
-            </a:r>
-            <a:r>
-              <a:rPr lang="en-US" altLang="zh-CN" dirty="0"/>
-              <a:t>”);                    //</a:t>
-            </a:r>
-            <a:r>
-              <a:rPr lang="zh-CN" altLang="en-US" dirty="0"/>
-              <a:t>给所有的</a:t>
-            </a:r>
-            <a:r>
-              <a:rPr lang="en-US" altLang="zh-CN" dirty="0"/>
-              <a:t>h1</a:t>
-            </a:r>
-            <a:r>
-              <a:rPr lang="zh-CN" altLang="en-US" dirty="0"/>
-              <a:t>元素添加一个类</a:t>
-            </a:r>
-            <a:endParaRPr lang="en-US" altLang="zh-CN" dirty="0"/>
-          </a:p>
-          <a:p>
-            <a:pPr marL="274320" lvl="1" indent="0">
-              <a:buNone/>
-            </a:pPr>
-            <a:r>
-              <a:rPr lang="en-US" altLang="zh-CN" dirty="0"/>
-              <a:t>$(</a:t>
-            </a:r>
-            <a:r>
-              <a:rPr lang="zh-CN" altLang="en-US" dirty="0"/>
-              <a:t>“</a:t>
-            </a:r>
-            <a:r>
-              <a:rPr lang="en-US" altLang="zh-CN" dirty="0"/>
-              <a:t>h1</a:t>
-            </a:r>
-            <a:r>
-              <a:rPr lang="zh-CN" altLang="en-US" dirty="0"/>
-              <a:t>”</a:t>
-            </a:r>
-            <a:r>
-              <a:rPr lang="en-US" altLang="zh-CN" dirty="0"/>
-              <a:t>).</a:t>
-            </a:r>
-            <a:r>
-              <a:rPr lang="en-US" altLang="zh-CN" dirty="0" err="1"/>
-              <a:t>removeClass</a:t>
-            </a:r>
-            <a:r>
-              <a:rPr lang="en-US" altLang="zh-CN" dirty="0"/>
-              <a:t>(“</a:t>
-            </a:r>
-            <a:r>
-              <a:rPr lang="en-US" altLang="zh-CN" dirty="0" err="1"/>
-              <a:t>hilite</a:t>
-            </a:r>
-            <a:r>
-              <a:rPr lang="en-US" altLang="zh-CN" dirty="0"/>
-              <a:t>”);              //</a:t>
-            </a:r>
-            <a:r>
-              <a:rPr lang="zh-CN" altLang="en-US" dirty="0"/>
-              <a:t>从所有的</a:t>
-            </a:r>
-            <a:r>
-              <a:rPr lang="en-US" altLang="zh-CN" dirty="0"/>
-              <a:t>h1</a:t>
-            </a:r>
-            <a:r>
-              <a:rPr lang="zh-CN" altLang="en-US" dirty="0"/>
-              <a:t>元素删除一个类</a:t>
-            </a:r>
-            <a:endParaRPr lang="en-US" altLang="zh-CN" dirty="0"/>
-          </a:p>
-          <a:p>
-            <a:pPr marL="274320" lvl="1" indent="0">
-              <a:buNone/>
-            </a:pPr>
-            <a:r>
-              <a:rPr lang="en-US" altLang="zh-CN" dirty="0"/>
-              <a:t>$(“h1”).</a:t>
-            </a:r>
-            <a:r>
-              <a:rPr lang="en-US" altLang="zh-CN" dirty="0" err="1"/>
-              <a:t>troggleClass</a:t>
-            </a:r>
-            <a:r>
-              <a:rPr lang="en-US" altLang="zh-CN" dirty="0"/>
-              <a:t>(“big bold”);        //</a:t>
-            </a:r>
-            <a:r>
-              <a:rPr lang="zh-CN" altLang="en-US" dirty="0"/>
-              <a:t>一次性切换两个类</a:t>
-            </a:r>
-            <a:endParaRPr lang="en-US" altLang="zh-CN" dirty="0"/>
-          </a:p>
-          <a:p>
-            <a:pPr marL="274320" lvl="1" indent="0">
-              <a:buNone/>
-            </a:pPr>
-            <a:r>
-              <a:rPr lang="en-US" altLang="zh-CN" dirty="0"/>
-              <a:t>$(“h1”).</a:t>
-            </a:r>
-            <a:r>
-              <a:rPr lang="en-US" altLang="zh-CN" dirty="0" err="1"/>
-              <a:t>troggleClass</a:t>
-            </a:r>
-            <a:r>
-              <a:rPr lang="en-US" altLang="zh-CN" dirty="0"/>
-              <a:t>(“big”</a:t>
-            </a:r>
-            <a:r>
-              <a:rPr lang="zh-CN" altLang="en-US" dirty="0"/>
-              <a:t>，</a:t>
-            </a:r>
-            <a:r>
-              <a:rPr lang="en-US" altLang="zh-CN" dirty="0"/>
-              <a:t>true);       //</a:t>
-            </a:r>
-            <a:r>
-              <a:rPr lang="zh-CN" altLang="en-US" dirty="0"/>
-              <a:t>作用类似</a:t>
-            </a:r>
-            <a:r>
-              <a:rPr lang="en-US" altLang="zh-CN" dirty="0" err="1"/>
-              <a:t>addClass</a:t>
-            </a:r>
-            <a:endParaRPr lang="en-US" altLang="zh-CN" dirty="0"/>
-          </a:p>
-          <a:p>
-            <a:pPr marL="274320" lvl="1" indent="0">
-              <a:buNone/>
-            </a:pPr>
-            <a:r>
-              <a:rPr lang="en-US" altLang="zh-CN" dirty="0"/>
-              <a:t>$(“h1”).</a:t>
-            </a:r>
-            <a:r>
-              <a:rPr lang="en-US" altLang="zh-CN" dirty="0" err="1"/>
-              <a:t>troggleClass</a:t>
-            </a:r>
-            <a:r>
-              <a:rPr lang="en-US" altLang="zh-CN" dirty="0"/>
-              <a:t>(“big”</a:t>
-            </a:r>
-            <a:r>
-              <a:rPr lang="zh-CN" altLang="en-US" dirty="0"/>
-              <a:t>，</a:t>
-            </a:r>
-            <a:r>
-              <a:rPr lang="en-US" altLang="zh-CN" dirty="0"/>
-              <a:t>false);       //</a:t>
-            </a:r>
-            <a:r>
-              <a:rPr lang="zh-CN" altLang="en-US" dirty="0"/>
-              <a:t>作用类似</a:t>
-            </a:r>
-            <a:r>
-              <a:rPr lang="en-US" altLang="zh-CN" dirty="0" err="1"/>
-              <a:t>removeClass</a:t>
-            </a:r>
-            <a:endParaRPr lang="en-US" altLang="zh-CN" dirty="0"/>
-          </a:p>
-        </p:txBody>
-      </p:sp>
-    </p:spTree>
-    <p:extLst>
-      <p:ext uri="{BB962C8B-B14F-4D97-AF65-F5344CB8AC3E}">
-        <p14:creationId xmlns:p14="http://schemas.microsoft.com/office/powerpoint/2010/main" val="3271676829"/>
-      </p:ext>
-    </p:extLst>
-  </p:cSld>
-  <p:clrMapOvr>
-    <a:masterClrMapping/>
-  </p:clrMapOvr>
-  <mc:AlternateContent xmlns:mc="http://schemas.openxmlformats.org/markup-compatibility/2006" xmlns:p14="http://schemas.microsoft.com/office/powerpoint/2010/main">
-    <mc:Choice Requires="p14">
-      <p:transition spd="med" p14:dur="700">
-        <p:fade/>
-      </p:transition>
-    </mc:Choice>
-    <mc:Fallback xmlns="">
-      <p:transition spd="med">
-        <p:fade/>
-      </p:transition>
-    </mc:Fallback>
-  </mc:AlternateContent>
-</p:sld>
-</file>
-
-<file path=ppt/slides/slide16.xml><?xml version="1.0" encoding="utf-8"?>
-<p:sld xmlns:a="http://schemas.openxmlformats.org/drawingml/2006/main" xmlns:r="http://schemas.openxmlformats.org/officeDocument/2006/relationships" xmlns:p="http://schemas.openxmlformats.org/presentationml/2006/main">
-  <p:cSld>
-    <p:spTree>
-      <p:nvGrpSpPr>
-        <p:cNvPr id="1" name=""/>
-        <p:cNvGrpSpPr/>
-        <p:nvPr/>
-      </p:nvGrpSpPr>
-      <p:grpSpPr>
-        <a:xfrm>
-          <a:off x="0" y="0"/>
-          <a:ext cx="0" cy="0"/>
-          <a:chOff x="0" y="0"/>
-          <a:chExt cx="0" cy="0"/>
-        </a:xfrm>
-      </p:grpSpPr>
-      <p:sp>
-        <p:nvSpPr>
-          <p:cNvPr id="2" name="标题 1"/>
-          <p:cNvSpPr>
-            <a:spLocks noGrp="1"/>
-          </p:cNvSpPr>
-          <p:nvPr>
-            <p:ph type="title"/>
-          </p:nvPr>
-        </p:nvSpPr>
-        <p:spPr/>
-        <p:txBody>
-          <a:bodyPr/>
-          <a:lstStyle/>
-          <a:p>
-            <a:r>
-              <a:rPr lang="en-US" altLang="zh-CN" dirty="0">
-                <a:latin typeface="Microsoft YaHei UI" panose="020B0503020204020204" pitchFamily="34" charset="-122"/>
-                <a:ea typeface="Microsoft YaHei UI" panose="020B0503020204020204" pitchFamily="34" charset="-122"/>
-              </a:rPr>
-              <a:t>4. </a:t>
-            </a:r>
-            <a:r>
-              <a:rPr lang="zh-CN" altLang="en-US" dirty="0">
-                <a:latin typeface="Microsoft YaHei UI" panose="020B0503020204020204" pitchFamily="34" charset="-122"/>
-                <a:ea typeface="Microsoft YaHei UI" panose="020B0503020204020204" pitchFamily="34" charset="-122"/>
-              </a:rPr>
-              <a:t>属性</a:t>
-            </a:r>
-            <a:endParaRPr lang="zh-CN" dirty="0">
-              <a:latin typeface="Microsoft YaHei UI" panose="020B0503020204020204" pitchFamily="34" charset="-122"/>
-              <a:ea typeface="Microsoft YaHei UI" panose="020B0503020204020204" pitchFamily="34" charset="-122"/>
-            </a:endParaRPr>
-          </a:p>
-        </p:txBody>
-      </p:sp>
-      <p:sp>
-        <p:nvSpPr>
-          <p:cNvPr id="3" name="内容占位符 2"/>
-          <p:cNvSpPr>
-            <a:spLocks noGrp="1"/>
-          </p:cNvSpPr>
-          <p:nvPr>
-            <p:ph sz="half" idx="1"/>
-          </p:nvPr>
-        </p:nvSpPr>
-        <p:spPr/>
-        <p:txBody>
-          <a:bodyPr>
-            <a:normAutofit/>
-          </a:bodyPr>
-          <a:lstStyle/>
-          <a:p>
-            <a:r>
-              <a:rPr lang="zh-CN" altLang="en-US" dirty="0">
-                <a:latin typeface="Microsoft YaHei UI" panose="020B0503020204020204" pitchFamily="34" charset="-122"/>
-                <a:ea typeface="Microsoft YaHei UI" panose="020B0503020204020204" pitchFamily="34" charset="-122"/>
-              </a:rPr>
-              <a:t>获取和设置</a:t>
-            </a:r>
-            <a:r>
-              <a:rPr lang="en-US" altLang="zh-CN" dirty="0"/>
-              <a:t>HTML</a:t>
-            </a:r>
-            <a:r>
-              <a:rPr lang="zh-CN" altLang="en-US" dirty="0"/>
-              <a:t>表单值</a:t>
-            </a:r>
-            <a:endParaRPr lang="en-US" altLang="zh-CN" dirty="0">
-              <a:latin typeface="Microsoft YaHei UI" panose="020B0503020204020204" pitchFamily="34" charset="-122"/>
-              <a:ea typeface="Microsoft YaHei UI" panose="020B0503020204020204" pitchFamily="34" charset="-122"/>
-            </a:endParaRPr>
-          </a:p>
-          <a:p>
-            <a:pPr marL="274320" lvl="1" indent="0">
-              <a:buNone/>
-            </a:pPr>
-            <a:r>
-              <a:rPr lang="en-US" altLang="zh-CN" dirty="0" err="1"/>
-              <a:t>val</a:t>
-            </a:r>
-            <a:r>
-              <a:rPr lang="en-US" altLang="zh-CN" dirty="0"/>
-              <a:t>()</a:t>
-            </a:r>
-            <a:r>
-              <a:rPr lang="zh-CN" altLang="en-US" dirty="0"/>
-              <a:t>方法用来设置和获取</a:t>
-            </a:r>
-            <a:r>
-              <a:rPr lang="en-US" altLang="zh-CN" dirty="0"/>
-              <a:t>HTML</a:t>
-            </a:r>
-            <a:r>
-              <a:rPr lang="zh-CN" altLang="en-US" dirty="0"/>
-              <a:t>表单元素的</a:t>
-            </a:r>
-            <a:r>
-              <a:rPr lang="en-US" altLang="zh-CN" dirty="0"/>
-              <a:t>value</a:t>
-            </a:r>
-            <a:r>
-              <a:rPr lang="zh-CN" altLang="en-US" dirty="0"/>
-              <a:t>属性，还可以设置复选框、单选按钮以及</a:t>
-            </a:r>
-            <a:r>
-              <a:rPr lang="en-US" altLang="zh-CN" dirty="0"/>
-              <a:t>&lt;select&gt;</a:t>
-            </a:r>
-            <a:r>
-              <a:rPr lang="zh-CN" altLang="en-US" dirty="0"/>
-              <a:t>元素的选中状态。</a:t>
-            </a:r>
-            <a:endParaRPr lang="en-US" altLang="zh-CN" dirty="0"/>
-          </a:p>
-          <a:p>
-            <a:r>
-              <a:rPr lang="zh-CN" altLang="en-US" dirty="0"/>
-              <a:t>设置和获取元素内容</a:t>
-            </a:r>
-            <a:endParaRPr lang="en-US" altLang="zh-CN" dirty="0"/>
-          </a:p>
-          <a:p>
-            <a:pPr marL="274320" lvl="1" indent="0">
-              <a:buNone/>
-            </a:pPr>
-            <a:r>
-              <a:rPr lang="en-US" altLang="zh-CN" dirty="0"/>
-              <a:t>text()</a:t>
-            </a:r>
-            <a:r>
-              <a:rPr lang="zh-CN" altLang="en-US" dirty="0"/>
-              <a:t>和</a:t>
-            </a:r>
-            <a:r>
-              <a:rPr lang="en-US" altLang="zh-CN" dirty="0"/>
-              <a:t>html()</a:t>
-            </a:r>
-            <a:r>
-              <a:rPr lang="zh-CN" altLang="en-US" dirty="0"/>
-              <a:t>方法用来获取和设置元素的纯文本或</a:t>
-            </a:r>
-            <a:r>
-              <a:rPr lang="en-US" altLang="zh-CN" dirty="0"/>
-              <a:t>HTML</a:t>
-            </a:r>
-            <a:r>
-              <a:rPr lang="zh-CN" altLang="en-US" dirty="0"/>
-              <a:t>内容。当不带参数调用时，</a:t>
-            </a:r>
-            <a:r>
-              <a:rPr lang="en-US" altLang="zh-CN" dirty="0"/>
-              <a:t>text()</a:t>
-            </a:r>
-            <a:r>
-              <a:rPr lang="zh-CN" altLang="en-US" dirty="0"/>
-              <a:t>返回所有匹配元素的所有子孙文本节点的纯文本内容，</a:t>
-            </a:r>
-            <a:r>
-              <a:rPr lang="en-US" altLang="zh-CN" dirty="0"/>
-              <a:t>html()</a:t>
-            </a:r>
-            <a:r>
-              <a:rPr lang="zh-CN" altLang="en-US" dirty="0"/>
-              <a:t>会返回第一个匹配元素的</a:t>
-            </a:r>
-            <a:r>
-              <a:rPr lang="en-US" altLang="zh-CN" dirty="0"/>
-              <a:t>HTML</a:t>
-            </a:r>
-            <a:r>
-              <a:rPr lang="zh-CN" altLang="en-US" dirty="0"/>
-              <a:t>内容。</a:t>
-            </a:r>
-            <a:endParaRPr lang="en-US" altLang="zh-CN" dirty="0"/>
-          </a:p>
-        </p:txBody>
-      </p:sp>
-    </p:spTree>
-    <p:extLst>
-      <p:ext uri="{BB962C8B-B14F-4D97-AF65-F5344CB8AC3E}">
-        <p14:creationId xmlns:p14="http://schemas.microsoft.com/office/powerpoint/2010/main" val="2868515755"/>
-      </p:ext>
-    </p:extLst>
-  </p:cSld>
-  <p:clrMapOvr>
-    <a:masterClrMapping/>
-  </p:clrMapOvr>
-  <mc:AlternateContent xmlns:mc="http://schemas.openxmlformats.org/markup-compatibility/2006" xmlns:p14="http://schemas.microsoft.com/office/powerpoint/2010/main">
-    <mc:Choice Requires="p14">
-      <p:transition spd="med" p14:dur="700">
-        <p:fade/>
-      </p:transition>
-    </mc:Choice>
-    <mc:Fallback xmlns="">
-      <p:transition spd="med">
-        <p:fade/>
-      </p:transition>
-    </mc:Fallback>
-  </mc:AlternateContent>
-</p:sld>
-</file>
-
-<file path=ppt/slides/slide17.xml><?xml version="1.0" encoding="utf-8"?>
-<p:sld xmlns:a="http://schemas.openxmlformats.org/drawingml/2006/main" xmlns:r="http://schemas.openxmlformats.org/officeDocument/2006/relationships" xmlns:p="http://schemas.openxmlformats.org/presentationml/2006/main">
-  <p:cSld>
-    <p:spTree>
-      <p:nvGrpSpPr>
-        <p:cNvPr id="1" name=""/>
-        <p:cNvGrpSpPr/>
-        <p:nvPr/>
-      </p:nvGrpSpPr>
-      <p:grpSpPr>
-        <a:xfrm>
-          <a:off x="0" y="0"/>
-          <a:ext cx="0" cy="0"/>
-          <a:chOff x="0" y="0"/>
-          <a:chExt cx="0" cy="0"/>
-        </a:xfrm>
-      </p:grpSpPr>
-      <p:sp>
-        <p:nvSpPr>
-          <p:cNvPr id="2" name="标题 1"/>
-          <p:cNvSpPr>
-            <a:spLocks noGrp="1"/>
-          </p:cNvSpPr>
-          <p:nvPr>
-            <p:ph type="title"/>
-          </p:nvPr>
-        </p:nvSpPr>
-        <p:spPr/>
-        <p:txBody>
-          <a:bodyPr/>
-          <a:lstStyle/>
-          <a:p>
-            <a:r>
-              <a:rPr lang="en-US" altLang="zh-CN" dirty="0">
-                <a:latin typeface="Microsoft YaHei UI" panose="020B0503020204020204" pitchFamily="34" charset="-122"/>
-                <a:ea typeface="Microsoft YaHei UI" panose="020B0503020204020204" pitchFamily="34" charset="-122"/>
-              </a:rPr>
-              <a:t>5. </a:t>
-            </a:r>
-            <a:r>
-              <a:rPr lang="zh-CN" altLang="en-US" dirty="0">
-                <a:latin typeface="Microsoft YaHei UI" panose="020B0503020204020204" pitchFamily="34" charset="-122"/>
-                <a:ea typeface="Microsoft YaHei UI" panose="020B0503020204020204" pitchFamily="34" charset="-122"/>
-              </a:rPr>
-              <a:t>修改文档结构</a:t>
-            </a:r>
-            <a:endParaRPr lang="zh-CN" dirty="0">
-              <a:latin typeface="Microsoft YaHei UI" panose="020B0503020204020204" pitchFamily="34" charset="-122"/>
-              <a:ea typeface="Microsoft YaHei UI" panose="020B0503020204020204" pitchFamily="34" charset="-122"/>
-            </a:endParaRPr>
-          </a:p>
-        </p:txBody>
-      </p:sp>
-      <p:sp>
-        <p:nvSpPr>
-          <p:cNvPr id="3" name="内容占位符 2"/>
-          <p:cNvSpPr>
-            <a:spLocks noGrp="1"/>
-          </p:cNvSpPr>
-          <p:nvPr>
-            <p:ph sz="half" idx="1"/>
-          </p:nvPr>
-        </p:nvSpPr>
-        <p:spPr/>
-        <p:txBody>
-          <a:bodyPr>
-            <a:normAutofit fontScale="92500" lnSpcReduction="20000"/>
-          </a:bodyPr>
-          <a:lstStyle/>
-          <a:p>
-            <a:r>
-              <a:rPr lang="zh-CN" altLang="en-US" dirty="0">
-                <a:latin typeface="Microsoft YaHei UI" panose="020B0503020204020204" pitchFamily="34" charset="-122"/>
-                <a:ea typeface="Microsoft YaHei UI" panose="020B0503020204020204" pitchFamily="34" charset="-122"/>
-              </a:rPr>
-              <a:t>插入和替换元素</a:t>
-            </a:r>
-          </a:p>
-          <a:p>
-            <a:pPr marL="274320" lvl="1" indent="0">
-              <a:buNone/>
-            </a:pPr>
-            <a:endParaRPr lang="en-US" altLang="zh-CN" dirty="0"/>
-          </a:p>
-          <a:p>
-            <a:pPr marL="274320" lvl="1" indent="0">
-              <a:buNone/>
-            </a:pPr>
-            <a:r>
-              <a:rPr lang="zh-CN" altLang="en-US" dirty="0"/>
-              <a:t>在目标元素的结尾处插入内容                                    </a:t>
-            </a:r>
-            <a:r>
-              <a:rPr lang="en-US" altLang="zh-CN" dirty="0"/>
-              <a:t>append()</a:t>
-            </a:r>
-          </a:p>
-          <a:p>
-            <a:pPr marL="274320" lvl="1" indent="0">
-              <a:buNone/>
-            </a:pPr>
-            <a:r>
-              <a:rPr lang="zh-CN" altLang="en-US" dirty="0"/>
-              <a:t>在目标元素的起始处插入内容                                    </a:t>
-            </a:r>
-            <a:r>
-              <a:rPr lang="en-US" altLang="zh-CN" dirty="0"/>
-              <a:t>prepend()</a:t>
-            </a:r>
-          </a:p>
-          <a:p>
-            <a:pPr marL="274320" lvl="1" indent="0">
-              <a:buNone/>
-            </a:pPr>
-            <a:r>
-              <a:rPr lang="zh-CN" altLang="en-US" dirty="0"/>
-              <a:t>在目标元素的后面插入内容                                        </a:t>
-            </a:r>
-            <a:r>
-              <a:rPr lang="en-US" altLang="zh-CN" dirty="0"/>
-              <a:t>after()</a:t>
-            </a:r>
-          </a:p>
-          <a:p>
-            <a:pPr marL="274320" lvl="1" indent="0">
-              <a:buNone/>
-            </a:pPr>
-            <a:r>
-              <a:rPr lang="zh-CN" altLang="en-US" dirty="0"/>
-              <a:t>在目标元素的前面插入内容                                        </a:t>
-            </a:r>
-            <a:r>
-              <a:rPr lang="en-US" altLang="zh-CN" dirty="0"/>
-              <a:t>before() </a:t>
-            </a:r>
-          </a:p>
-          <a:p>
-            <a:pPr marL="274320" lvl="1" indent="0">
-              <a:buNone/>
-            </a:pPr>
-            <a:r>
-              <a:rPr lang="zh-CN" altLang="en-US" dirty="0"/>
-              <a:t>将目标元素替换为内容                                               </a:t>
-            </a:r>
-            <a:r>
-              <a:rPr lang="en-US" altLang="zh-CN" dirty="0" err="1"/>
-              <a:t>replaceWith</a:t>
-            </a:r>
-            <a:r>
-              <a:rPr lang="en-US" altLang="zh-CN" dirty="0"/>
-              <a:t>()   </a:t>
-            </a:r>
-          </a:p>
-          <a:p>
-            <a:pPr marL="274320" lvl="1" indent="0">
-              <a:buNone/>
-            </a:pPr>
-            <a:r>
-              <a:rPr lang="en-US" altLang="zh-CN" dirty="0"/>
-              <a:t>          </a:t>
-            </a:r>
-          </a:p>
-          <a:p>
-            <a:pPr marL="274320" lvl="1" indent="0">
-              <a:buNone/>
-            </a:pPr>
-            <a:r>
-              <a:rPr lang="zh-CN" altLang="en-US" dirty="0"/>
-              <a:t>将目标元素插入到某元素结尾处                                 </a:t>
-            </a:r>
-            <a:r>
-              <a:rPr lang="en-US" altLang="zh-CN" dirty="0" err="1"/>
-              <a:t>appendTo</a:t>
-            </a:r>
-            <a:r>
-              <a:rPr lang="en-US" altLang="zh-CN" dirty="0"/>
-              <a:t>()</a:t>
-            </a:r>
-          </a:p>
-          <a:p>
-            <a:pPr marL="274320" lvl="1" indent="0">
-              <a:buNone/>
-            </a:pPr>
-            <a:r>
-              <a:rPr lang="zh-CN" altLang="en-US" dirty="0"/>
-              <a:t>将目标元素插入到某元素起始处                                 </a:t>
-            </a:r>
-            <a:r>
-              <a:rPr lang="en-US" altLang="zh-CN" dirty="0" err="1"/>
-              <a:t>prependTo</a:t>
-            </a:r>
-            <a:r>
-              <a:rPr lang="en-US" altLang="zh-CN" dirty="0"/>
-              <a:t>()</a:t>
-            </a:r>
-          </a:p>
-          <a:p>
-            <a:pPr marL="274320" lvl="1" indent="0">
-              <a:buNone/>
-            </a:pPr>
-            <a:r>
-              <a:rPr lang="zh-CN" altLang="en-US" dirty="0"/>
-              <a:t>将目标元素插入到某元素的后面                                 </a:t>
-            </a:r>
-            <a:r>
-              <a:rPr lang="en-US" altLang="zh-CN" dirty="0" err="1"/>
-              <a:t>insertAfter</a:t>
-            </a:r>
-            <a:r>
-              <a:rPr lang="en-US" altLang="zh-CN" dirty="0"/>
-              <a:t>()</a:t>
-            </a:r>
-          </a:p>
-          <a:p>
-            <a:pPr marL="274320" lvl="1" indent="0">
-              <a:buNone/>
-            </a:pPr>
-            <a:r>
-              <a:rPr lang="zh-CN" altLang="en-US" dirty="0"/>
-              <a:t>将目标元素插入到某元素的前面                                 </a:t>
-            </a:r>
-            <a:r>
-              <a:rPr lang="en-US" altLang="zh-CN" dirty="0" err="1"/>
-              <a:t>insertBefore</a:t>
-            </a:r>
-            <a:r>
-              <a:rPr lang="en-US" altLang="zh-CN" dirty="0"/>
-              <a:t>()</a:t>
-            </a:r>
-          </a:p>
-          <a:p>
-            <a:pPr marL="274320" lvl="1" indent="0">
-              <a:buNone/>
-            </a:pPr>
-            <a:r>
-              <a:rPr lang="zh-CN" altLang="en-US" dirty="0"/>
-              <a:t>将匹配的元素替换掉所有</a:t>
-            </a:r>
-            <a:r>
-              <a:rPr lang="en-US" altLang="zh-CN" dirty="0"/>
-              <a:t>selector</a:t>
-            </a:r>
-            <a:r>
-              <a:rPr lang="zh-CN" altLang="en-US" dirty="0"/>
-              <a:t>匹配到的元素          </a:t>
-            </a:r>
-            <a:r>
-              <a:rPr lang="en-US" altLang="zh-CN" dirty="0" err="1"/>
-              <a:t>replaceAll</a:t>
-            </a:r>
-            <a:r>
-              <a:rPr lang="en-US" altLang="zh-CN" dirty="0"/>
-              <a:t>()</a:t>
-            </a:r>
-          </a:p>
-        </p:txBody>
-      </p:sp>
-    </p:spTree>
-    <p:extLst>
-      <p:ext uri="{BB962C8B-B14F-4D97-AF65-F5344CB8AC3E}">
-        <p14:creationId xmlns:p14="http://schemas.microsoft.com/office/powerpoint/2010/main" val="3990442563"/>
-      </p:ext>
-    </p:extLst>
-  </p:cSld>
-  <p:clrMapOvr>
-    <a:masterClrMapping/>
-  </p:clrMapOvr>
-  <mc:AlternateContent xmlns:mc="http://schemas.openxmlformats.org/markup-compatibility/2006" xmlns:p14="http://schemas.microsoft.com/office/powerpoint/2010/main">
-    <mc:Choice Requires="p14">
-      <p:transition spd="med" p14:dur="700">
-        <p:fade/>
-      </p:transition>
-    </mc:Choice>
-    <mc:Fallback xmlns="">
-      <p:transition spd="med">
-        <p:fade/>
-      </p:transition>
-    </mc:Fallback>
-  </mc:AlternateContent>
-</p:sld>
-</file>
-
-<file path=ppt/slides/slide18.xml><?xml version="1.0" encoding="utf-8"?>
-<p:sld xmlns:a="http://schemas.openxmlformats.org/drawingml/2006/main" xmlns:r="http://schemas.openxmlformats.org/officeDocument/2006/relationships" xmlns:p="http://schemas.openxmlformats.org/presentationml/2006/main">
-  <p:cSld>
-    <p:spTree>
-      <p:nvGrpSpPr>
-        <p:cNvPr id="1" name=""/>
-        <p:cNvGrpSpPr/>
-        <p:nvPr/>
-      </p:nvGrpSpPr>
-      <p:grpSpPr>
-        <a:xfrm>
-          <a:off x="0" y="0"/>
-          <a:ext cx="0" cy="0"/>
-          <a:chOff x="0" y="0"/>
-          <a:chExt cx="0" cy="0"/>
-        </a:xfrm>
-      </p:grpSpPr>
-      <p:sp>
-        <p:nvSpPr>
-          <p:cNvPr id="2" name="标题 1"/>
-          <p:cNvSpPr>
-            <a:spLocks noGrp="1"/>
-          </p:cNvSpPr>
-          <p:nvPr>
-            <p:ph type="title"/>
-          </p:nvPr>
-        </p:nvSpPr>
-        <p:spPr/>
-        <p:txBody>
-          <a:bodyPr/>
-          <a:lstStyle/>
-          <a:p>
-            <a:r>
-              <a:rPr lang="en-US" altLang="zh-CN" dirty="0">
-                <a:latin typeface="Microsoft YaHei UI" panose="020B0503020204020204" pitchFamily="34" charset="-122"/>
-                <a:ea typeface="Microsoft YaHei UI" panose="020B0503020204020204" pitchFamily="34" charset="-122"/>
-              </a:rPr>
-              <a:t>5. </a:t>
-            </a:r>
-            <a:r>
-              <a:rPr lang="zh-CN" altLang="en-US" dirty="0">
-                <a:latin typeface="Microsoft YaHei UI" panose="020B0503020204020204" pitchFamily="34" charset="-122"/>
-                <a:ea typeface="Microsoft YaHei UI" panose="020B0503020204020204" pitchFamily="34" charset="-122"/>
-              </a:rPr>
-              <a:t>修改文档结构</a:t>
-            </a:r>
-            <a:endParaRPr lang="zh-CN" dirty="0">
-              <a:latin typeface="Microsoft YaHei UI" panose="020B0503020204020204" pitchFamily="34" charset="-122"/>
-              <a:ea typeface="Microsoft YaHei UI" panose="020B0503020204020204" pitchFamily="34" charset="-122"/>
-            </a:endParaRPr>
-          </a:p>
-        </p:txBody>
-      </p:sp>
-      <p:sp>
-        <p:nvSpPr>
-          <p:cNvPr id="3" name="内容占位符 2"/>
-          <p:cNvSpPr>
-            <a:spLocks noGrp="1"/>
-          </p:cNvSpPr>
-          <p:nvPr>
-            <p:ph sz="half" idx="1"/>
-          </p:nvPr>
-        </p:nvSpPr>
-        <p:spPr/>
-        <p:txBody>
-          <a:bodyPr>
-            <a:normAutofit/>
-          </a:bodyPr>
-          <a:lstStyle/>
-          <a:p>
-            <a:r>
-              <a:rPr lang="zh-CN" altLang="en-US" dirty="0">
-                <a:latin typeface="Microsoft YaHei UI" panose="020B0503020204020204" pitchFamily="34" charset="-122"/>
-                <a:ea typeface="Microsoft YaHei UI" panose="020B0503020204020204" pitchFamily="34" charset="-122"/>
-              </a:rPr>
-              <a:t>复制元素</a:t>
-            </a:r>
-          </a:p>
-          <a:p>
-            <a:pPr marL="274320" lvl="1" indent="0">
-              <a:buNone/>
-            </a:pPr>
-            <a:r>
-              <a:rPr lang="en-US" altLang="zh-CN" dirty="0"/>
-              <a:t>clone()</a:t>
-            </a:r>
-            <a:r>
-              <a:rPr lang="zh-CN" altLang="en-US" dirty="0"/>
-              <a:t>方法创建并返回每一个选中的元素（包含元素所有子孙）的一个副本。</a:t>
-            </a:r>
-            <a:endParaRPr lang="en-US" altLang="zh-CN" dirty="0"/>
-          </a:p>
-          <a:p>
-            <a:r>
-              <a:rPr lang="zh-CN" altLang="en-US" dirty="0"/>
-              <a:t>包装元素</a:t>
-            </a:r>
-            <a:endParaRPr lang="en-US" altLang="zh-CN" dirty="0"/>
-          </a:p>
-          <a:p>
-            <a:pPr lvl="1"/>
-            <a:r>
-              <a:rPr lang="en-US" altLang="zh-CN" dirty="0"/>
-              <a:t>wrap()</a:t>
-            </a:r>
-            <a:r>
-              <a:rPr lang="zh-CN" altLang="en-US" dirty="0"/>
-              <a:t>包装每一个选中元素</a:t>
-            </a:r>
-            <a:endParaRPr lang="en-US" altLang="zh-CN" dirty="0"/>
-          </a:p>
-          <a:p>
-            <a:pPr lvl="1"/>
-            <a:r>
-              <a:rPr lang="en-US" altLang="zh-CN" dirty="0" err="1"/>
-              <a:t>wrapInner</a:t>
-            </a:r>
-            <a:r>
-              <a:rPr lang="en-US" altLang="zh-CN" dirty="0"/>
-              <a:t>()</a:t>
-            </a:r>
-            <a:r>
-              <a:rPr lang="zh-CN" altLang="en-US" dirty="0"/>
-              <a:t>包装每一个选中元素的内容</a:t>
-            </a:r>
-            <a:endParaRPr lang="en-US" altLang="zh-CN" dirty="0"/>
-          </a:p>
-          <a:p>
-            <a:pPr lvl="1"/>
-            <a:r>
-              <a:rPr lang="en-US" altLang="zh-CN" dirty="0" err="1"/>
-              <a:t>wrapAll</a:t>
-            </a:r>
-            <a:r>
-              <a:rPr lang="en-US" altLang="zh-CN" dirty="0"/>
-              <a:t>()</a:t>
-            </a:r>
-            <a:r>
-              <a:rPr lang="zh-CN" altLang="en-US" dirty="0"/>
-              <a:t>将选中元素作为一组来包装</a:t>
-            </a:r>
-          </a:p>
-          <a:p>
-            <a:r>
-              <a:rPr lang="zh-CN" altLang="en-US" dirty="0"/>
-              <a:t>删除元素</a:t>
-            </a:r>
-          </a:p>
-          <a:p>
-            <a:pPr marL="274320" lvl="1" indent="0">
-              <a:buNone/>
-            </a:pPr>
-            <a:r>
-              <a:rPr lang="en-US" altLang="zh-CN" dirty="0"/>
-              <a:t>empty()</a:t>
-            </a:r>
-            <a:r>
-              <a:rPr lang="zh-CN" altLang="en-US" dirty="0"/>
-              <a:t>方法会删除每个选中元素的所有子节点（包括文本节点）。但不会修改元素自身。</a:t>
-            </a:r>
-            <a:endParaRPr lang="en-US" altLang="zh-CN" dirty="0"/>
-          </a:p>
-          <a:p>
-            <a:pPr marL="274320" lvl="1" indent="0">
-              <a:buNone/>
-            </a:pPr>
-            <a:r>
-              <a:rPr lang="en-US" altLang="zh-CN" dirty="0"/>
-              <a:t>remove()</a:t>
-            </a:r>
-            <a:r>
-              <a:rPr lang="zh-CN" altLang="en-US" dirty="0"/>
-              <a:t>方法会从文档中移除选中元素（以及所有元素的内容）</a:t>
-            </a:r>
-            <a:r>
-              <a:rPr lang="en-US" altLang="zh-CN" dirty="0"/>
-              <a:t>.</a:t>
-            </a:r>
-          </a:p>
-        </p:txBody>
-      </p:sp>
-    </p:spTree>
-    <p:extLst>
-      <p:ext uri="{BB962C8B-B14F-4D97-AF65-F5344CB8AC3E}">
-        <p14:creationId xmlns:p14="http://schemas.microsoft.com/office/powerpoint/2010/main" val="1854179597"/>
-      </p:ext>
-    </p:extLst>
-  </p:cSld>
-  <p:clrMapOvr>
-    <a:masterClrMapping/>
-  </p:clrMapOvr>
-  <mc:AlternateContent xmlns:mc="http://schemas.openxmlformats.org/markup-compatibility/2006" xmlns:p14="http://schemas.microsoft.com/office/powerpoint/2010/main">
-    <mc:Choice Requires="p14">
-      <p:transition spd="med" p14:dur="700">
-        <p:fade/>
-      </p:transition>
-    </mc:Choice>
-    <mc:Fallback xmlns="">
-      <p:transition spd="med">
-        <p:fade/>
-      </p:transition>
-    </mc:Fallback>
-  </mc:AlternateContent>
-</p:sld>
-</file>
-
-<file path=ppt/slides/slide19.xml><?xml version="1.0" encoding="utf-8"?>
-<p:sld xmlns:a="http://schemas.openxmlformats.org/drawingml/2006/main" xmlns:r="http://schemas.openxmlformats.org/officeDocument/2006/relationships" xmlns:p="http://schemas.openxmlformats.org/presentationml/2006/main">
-  <p:cSld>
-    <p:spTree>
-      <p:nvGrpSpPr>
-        <p:cNvPr id="1" name=""/>
-        <p:cNvGrpSpPr/>
-        <p:nvPr/>
-      </p:nvGrpSpPr>
-      <p:grpSpPr>
-        <a:xfrm>
-          <a:off x="0" y="0"/>
-          <a:ext cx="0" cy="0"/>
-          <a:chOff x="0" y="0"/>
-          <a:chExt cx="0" cy="0"/>
-        </a:xfrm>
-      </p:grpSpPr>
-      <p:sp>
-        <p:nvSpPr>
-          <p:cNvPr id="2" name="标题 1"/>
-          <p:cNvSpPr>
-            <a:spLocks noGrp="1"/>
-          </p:cNvSpPr>
-          <p:nvPr>
-            <p:ph type="title"/>
-          </p:nvPr>
-        </p:nvSpPr>
-        <p:spPr/>
-        <p:txBody>
-          <a:bodyPr/>
-          <a:lstStyle/>
-          <a:p>
-            <a:r>
-              <a:rPr lang="en-US" altLang="zh-CN" dirty="0">
-                <a:latin typeface="Microsoft YaHei UI" panose="020B0503020204020204" pitchFamily="34" charset="-122"/>
-                <a:ea typeface="Microsoft YaHei UI" panose="020B0503020204020204" pitchFamily="34" charset="-122"/>
-              </a:rPr>
-              <a:t>6. jQuery Ajax</a:t>
-            </a:r>
-            <a:endParaRPr lang="zh-CN" dirty="0">
-              <a:latin typeface="Microsoft YaHei UI" panose="020B0503020204020204" pitchFamily="34" charset="-122"/>
-              <a:ea typeface="Microsoft YaHei UI" panose="020B0503020204020204" pitchFamily="34" charset="-122"/>
-            </a:endParaRPr>
-          </a:p>
-        </p:txBody>
-      </p:sp>
-      <p:sp>
-        <p:nvSpPr>
-          <p:cNvPr id="3" name="内容占位符 2"/>
-          <p:cNvSpPr>
-            <a:spLocks noGrp="1"/>
-          </p:cNvSpPr>
-          <p:nvPr>
-            <p:ph sz="half" idx="1"/>
-          </p:nvPr>
-        </p:nvSpPr>
-        <p:spPr/>
-        <p:txBody>
-          <a:bodyPr>
-            <a:normAutofit lnSpcReduction="10000"/>
-          </a:bodyPr>
-          <a:lstStyle/>
-          <a:p>
-            <a:pPr marL="0" indent="0">
-              <a:buNone/>
-            </a:pPr>
-            <a:r>
-              <a:rPr lang="en-US" altLang="zh-CN" dirty="0" err="1"/>
-              <a:t>jQuery.ajax</a:t>
-            </a:r>
-            <a:r>
-              <a:rPr lang="en-US" altLang="zh-CN" dirty="0"/>
-              <a:t>()</a:t>
-            </a:r>
-            <a:r>
-              <a:rPr lang="zh-CN" altLang="en-US" dirty="0"/>
-              <a:t>仅接受一个参数：一个选项对象，该对象的属性指定</a:t>
-            </a:r>
-            <a:r>
-              <a:rPr lang="en-US" altLang="zh-CN" dirty="0"/>
-              <a:t>Ajax</a:t>
-            </a:r>
-            <a:r>
-              <a:rPr lang="zh-CN" altLang="en-US" dirty="0"/>
-              <a:t>请求如何执行的很多细节。</a:t>
-            </a:r>
-            <a:endParaRPr lang="zh-CN" altLang="en-US" dirty="0">
-              <a:latin typeface="Microsoft YaHei UI" panose="020B0503020204020204" pitchFamily="34" charset="-122"/>
-              <a:ea typeface="Microsoft YaHei UI" panose="020B0503020204020204" pitchFamily="34" charset="-122"/>
-            </a:endParaRPr>
-          </a:p>
-          <a:p>
-            <a:pPr marL="274320" lvl="1" indent="0">
-              <a:buNone/>
-            </a:pPr>
-            <a:r>
-              <a:rPr lang="en-US" altLang="zh-CN" dirty="0" err="1"/>
-              <a:t>jQuery.ajax</a:t>
-            </a:r>
-            <a:r>
-              <a:rPr lang="en-US" altLang="zh-CN" dirty="0"/>
-              <a:t>({</a:t>
-            </a:r>
-          </a:p>
-          <a:p>
-            <a:pPr marL="274320" lvl="1" indent="0">
-              <a:buNone/>
-            </a:pPr>
-            <a:r>
-              <a:rPr lang="en-US" altLang="zh-CN" dirty="0"/>
-              <a:t>     type: “GET”,                      //HTTP</a:t>
-            </a:r>
-            <a:r>
-              <a:rPr lang="zh-CN" altLang="en-US" dirty="0"/>
-              <a:t>请求方法</a:t>
-            </a:r>
-            <a:endParaRPr lang="en-US" altLang="zh-CN" dirty="0"/>
-          </a:p>
-          <a:p>
-            <a:pPr marL="274320" lvl="1" indent="0">
-              <a:buNone/>
-            </a:pPr>
-            <a:r>
-              <a:rPr lang="en-US" altLang="zh-CN" dirty="0"/>
-              <a:t>     url: </a:t>
-            </a:r>
-            <a:r>
-              <a:rPr lang="en-US" altLang="zh-CN" dirty="0" err="1"/>
-              <a:t>url</a:t>
-            </a:r>
-            <a:r>
-              <a:rPr lang="en-US" altLang="zh-CN" dirty="0"/>
-              <a:t>,                             //</a:t>
-            </a:r>
-            <a:r>
-              <a:rPr lang="zh-CN" altLang="en-US" dirty="0"/>
-              <a:t>要获取数据的</a:t>
-            </a:r>
-            <a:r>
-              <a:rPr lang="en-US" altLang="zh-CN" dirty="0" err="1"/>
-              <a:t>url</a:t>
-            </a:r>
-            <a:endParaRPr lang="en-US" altLang="zh-CN" dirty="0"/>
-          </a:p>
-          <a:p>
-            <a:pPr marL="274320" lvl="1" indent="0">
-              <a:buNone/>
-            </a:pPr>
-            <a:r>
-              <a:rPr lang="en-US" altLang="zh-CN" dirty="0"/>
-              <a:t>     data: null,                        //</a:t>
-            </a:r>
-            <a:r>
-              <a:rPr lang="zh-CN" altLang="en-US" dirty="0"/>
-              <a:t>不给</a:t>
-            </a:r>
-            <a:r>
-              <a:rPr lang="en-US" altLang="zh-CN" dirty="0" err="1"/>
-              <a:t>url</a:t>
-            </a:r>
-            <a:r>
-              <a:rPr lang="zh-CN" altLang="en-US" dirty="0"/>
-              <a:t>添加任何数据</a:t>
-            </a:r>
-            <a:endParaRPr lang="en-US" altLang="zh-CN" dirty="0"/>
-          </a:p>
-          <a:p>
-            <a:pPr marL="274320" lvl="1" indent="0">
-              <a:buNone/>
-            </a:pPr>
-            <a:r>
-              <a:rPr lang="en-US" altLang="zh-CN" dirty="0"/>
-              <a:t>     datatype: “script”,            //</a:t>
-            </a:r>
-            <a:r>
-              <a:rPr lang="zh-CN" altLang="en-US" dirty="0"/>
-              <a:t>一旦获取到数据，立刻当作脚本执行</a:t>
-            </a:r>
-            <a:endParaRPr lang="en-US" altLang="zh-CN" dirty="0"/>
-          </a:p>
-          <a:p>
-            <a:pPr marL="274320" lvl="1" indent="0">
-              <a:buNone/>
-            </a:pPr>
-            <a:r>
-              <a:rPr lang="en-US" altLang="zh-CN" dirty="0"/>
-              <a:t>     success: callback             //</a:t>
-            </a:r>
-            <a:r>
-              <a:rPr lang="zh-CN" altLang="en-US" dirty="0"/>
-              <a:t>完成时调用该函数</a:t>
-            </a:r>
-            <a:endParaRPr lang="en-US" altLang="zh-CN" dirty="0"/>
-          </a:p>
-          <a:p>
-            <a:pPr marL="274320" lvl="1" indent="0">
-              <a:buNone/>
-            </a:pPr>
-            <a:r>
-              <a:rPr lang="en-US" altLang="zh-CN" dirty="0"/>
-              <a:t>});</a:t>
-            </a:r>
-          </a:p>
-          <a:p>
-            <a:pPr marL="274320" lvl="1" indent="0">
-              <a:buNone/>
-            </a:pPr>
-            <a:endParaRPr lang="en-US" altLang="zh-CN" dirty="0"/>
-          </a:p>
-          <a:p>
-            <a:pPr marL="0" indent="0">
-              <a:buNone/>
-            </a:pPr>
-            <a:r>
-              <a:rPr lang="zh-CN" altLang="en-US" dirty="0"/>
-              <a:t>注意：</a:t>
-            </a:r>
-            <a:r>
-              <a:rPr lang="en-US" altLang="zh-CN" dirty="0"/>
-              <a:t>ajax</a:t>
-            </a:r>
-            <a:r>
-              <a:rPr lang="zh-CN" altLang="en-US" dirty="0"/>
-              <a:t>请求不能提交图片信息，只能用到</a:t>
-            </a:r>
-            <a:r>
-              <a:rPr lang="en-US" altLang="zh-CN" dirty="0" err="1"/>
-              <a:t>jquery</a:t>
-            </a:r>
-            <a:r>
-              <a:rPr lang="en-US" altLang="zh-CN" dirty="0"/>
-              <a:t> form</a:t>
-            </a:r>
-          </a:p>
-        </p:txBody>
-      </p:sp>
-    </p:spTree>
-    <p:extLst>
-      <p:ext uri="{BB962C8B-B14F-4D97-AF65-F5344CB8AC3E}">
-        <p14:creationId xmlns:p14="http://schemas.microsoft.com/office/powerpoint/2010/main" val="2787272290"/>
+        <p14:creationId xmlns:p14="http://schemas.microsoft.com/office/powerpoint/2010/main" val="3374778722"/>
       </p:ext>
     </p:extLst>
   </p:cSld>
@@ -8080,3269 +6479,6 @@
     <p:extLst>
       <p:ext uri="{BB962C8B-B14F-4D97-AF65-F5344CB8AC3E}">
         <p14:creationId xmlns:p14="http://schemas.microsoft.com/office/powerpoint/2010/main" val="3639872359"/>
-      </p:ext>
-    </p:extLst>
-  </p:cSld>
-  <p:clrMapOvr>
-    <a:masterClrMapping/>
-  </p:clrMapOvr>
-  <mc:AlternateContent xmlns:mc="http://schemas.openxmlformats.org/markup-compatibility/2006" xmlns:p14="http://schemas.microsoft.com/office/powerpoint/2010/main">
-    <mc:Choice Requires="p14">
-      <p:transition spd="med" p14:dur="700">
-        <p:fade/>
-      </p:transition>
-    </mc:Choice>
-    <mc:Fallback xmlns="">
-      <p:transition spd="med">
-        <p:fade/>
-      </p:transition>
-    </mc:Fallback>
-  </mc:AlternateContent>
-</p:sld>
-</file>
-
-<file path=ppt/slides/slide20.xml><?xml version="1.0" encoding="utf-8"?>
-<p:sld xmlns:a="http://schemas.openxmlformats.org/drawingml/2006/main" xmlns:r="http://schemas.openxmlformats.org/officeDocument/2006/relationships" xmlns:p="http://schemas.openxmlformats.org/presentationml/2006/main">
-  <p:cSld>
-    <p:spTree>
-      <p:nvGrpSpPr>
-        <p:cNvPr id="1" name=""/>
-        <p:cNvGrpSpPr/>
-        <p:nvPr/>
-      </p:nvGrpSpPr>
-      <p:grpSpPr>
-        <a:xfrm>
-          <a:off x="0" y="0"/>
-          <a:ext cx="0" cy="0"/>
-          <a:chOff x="0" y="0"/>
-          <a:chExt cx="0" cy="0"/>
-        </a:xfrm>
-      </p:grpSpPr>
-      <p:sp>
-        <p:nvSpPr>
-          <p:cNvPr id="2" name="标题 1"/>
-          <p:cNvSpPr>
-            <a:spLocks noGrp="1"/>
-          </p:cNvSpPr>
-          <p:nvPr>
-            <p:ph type="title"/>
-          </p:nvPr>
-        </p:nvSpPr>
-        <p:spPr/>
-        <p:txBody>
-          <a:bodyPr/>
-          <a:lstStyle/>
-          <a:p>
-            <a:r>
-              <a:rPr lang="en-US" altLang="zh-CN" dirty="0">
-                <a:latin typeface="Microsoft YaHei UI" panose="020B0503020204020204" pitchFamily="34" charset="-122"/>
-                <a:ea typeface="Microsoft YaHei UI" panose="020B0503020204020204" pitchFamily="34" charset="-122"/>
-              </a:rPr>
-              <a:t>6. jQuery Ajax</a:t>
-            </a:r>
-            <a:endParaRPr lang="zh-CN" dirty="0">
-              <a:latin typeface="Microsoft YaHei UI" panose="020B0503020204020204" pitchFamily="34" charset="-122"/>
-              <a:ea typeface="Microsoft YaHei UI" panose="020B0503020204020204" pitchFamily="34" charset="-122"/>
-            </a:endParaRPr>
-          </a:p>
-        </p:txBody>
-      </p:sp>
-      <p:sp>
-        <p:nvSpPr>
-          <p:cNvPr id="3" name="内容占位符 2"/>
-          <p:cNvSpPr>
-            <a:spLocks noGrp="1"/>
-          </p:cNvSpPr>
-          <p:nvPr>
-            <p:ph sz="half" idx="1"/>
-          </p:nvPr>
-        </p:nvSpPr>
-        <p:spPr/>
-        <p:txBody>
-          <a:bodyPr>
-            <a:normAutofit lnSpcReduction="10000"/>
-          </a:bodyPr>
-          <a:lstStyle/>
-          <a:p>
-            <a:pPr>
-              <a:buFont typeface="Wingdings" panose="05000000000000000000" pitchFamily="2" charset="2"/>
-              <a:buChar char="l"/>
-            </a:pPr>
-            <a:r>
-              <a:rPr lang="en-US" altLang="zh-CN" dirty="0" err="1"/>
-              <a:t>jQuery.ajax</a:t>
-            </a:r>
-            <a:r>
-              <a:rPr lang="en-US" altLang="zh-CN" dirty="0"/>
-              <a:t>()</a:t>
-            </a:r>
-            <a:r>
-              <a:rPr lang="zh-CN" altLang="en-US" dirty="0"/>
-              <a:t>中最常用选项：</a:t>
-            </a:r>
-            <a:endParaRPr lang="en-US" altLang="zh-CN" dirty="0"/>
-          </a:p>
-          <a:p>
-            <a:pPr marL="731520" lvl="1" indent="-457200">
-              <a:buFont typeface="+mj-lt"/>
-              <a:buAutoNum type="arabicPeriod"/>
-            </a:pPr>
-            <a:r>
-              <a:rPr lang="en-US" altLang="zh-CN" dirty="0"/>
-              <a:t>Type</a:t>
-            </a:r>
-          </a:p>
-          <a:p>
-            <a:pPr marL="548640" lvl="2" indent="0">
-              <a:buNone/>
-            </a:pPr>
-            <a:r>
-              <a:rPr lang="zh-CN" altLang="en-US" dirty="0"/>
-              <a:t>指定</a:t>
-            </a:r>
-            <a:r>
-              <a:rPr lang="en-US" altLang="zh-CN" dirty="0"/>
-              <a:t>HTTP</a:t>
-            </a:r>
-            <a:r>
-              <a:rPr lang="zh-CN" altLang="en-US" dirty="0"/>
-              <a:t>的请求方法，“</a:t>
-            </a:r>
-            <a:r>
-              <a:rPr lang="en-US" altLang="zh-CN" dirty="0"/>
-              <a:t>GET</a:t>
-            </a:r>
-            <a:r>
-              <a:rPr lang="zh-CN" altLang="en-US" dirty="0"/>
-              <a:t>”，</a:t>
-            </a:r>
-            <a:r>
-              <a:rPr lang="en-US" altLang="zh-CN" dirty="0"/>
-              <a:t>”POST”</a:t>
-            </a:r>
-            <a:r>
-              <a:rPr lang="zh-CN" altLang="en-US" dirty="0"/>
-              <a:t>，“</a:t>
-            </a:r>
-            <a:r>
-              <a:rPr lang="en-US" altLang="zh-CN" dirty="0"/>
-              <a:t>DELETE</a:t>
-            </a:r>
-            <a:r>
-              <a:rPr lang="zh-CN" altLang="en-US" dirty="0"/>
-              <a:t>”，“</a:t>
-            </a:r>
-            <a:r>
-              <a:rPr lang="en-US" altLang="zh-CN" dirty="0"/>
-              <a:t>PUSH</a:t>
-            </a:r>
-            <a:r>
-              <a:rPr lang="zh-CN" altLang="en-US" dirty="0"/>
-              <a:t>”</a:t>
-            </a:r>
-            <a:endParaRPr lang="en-US" altLang="zh-CN" dirty="0"/>
-          </a:p>
-          <a:p>
-            <a:pPr marL="731520" lvl="1" indent="-457200">
-              <a:buFont typeface="+mj-lt"/>
-              <a:buAutoNum type="arabicPeriod"/>
-            </a:pPr>
-            <a:r>
-              <a:rPr lang="en-US" altLang="zh-CN" dirty="0" err="1"/>
-              <a:t>url</a:t>
-            </a:r>
-            <a:endParaRPr lang="en-US" altLang="zh-CN" dirty="0"/>
-          </a:p>
-          <a:p>
-            <a:pPr marL="548640" lvl="2" indent="0">
-              <a:buNone/>
-            </a:pPr>
-            <a:r>
-              <a:rPr lang="zh-CN" altLang="en-US" dirty="0"/>
-              <a:t>要获取的</a:t>
-            </a:r>
-            <a:r>
-              <a:rPr lang="en-US" altLang="zh-CN" dirty="0"/>
-              <a:t>URL</a:t>
-            </a:r>
-            <a:r>
-              <a:rPr lang="zh-CN" altLang="en-US" dirty="0"/>
-              <a:t>，对于</a:t>
-            </a:r>
-            <a:r>
-              <a:rPr lang="en-US" altLang="zh-CN" dirty="0"/>
-              <a:t>GET</a:t>
-            </a:r>
-            <a:r>
-              <a:rPr lang="zh-CN" altLang="en-US" dirty="0"/>
-              <a:t>请求，</a:t>
-            </a:r>
-            <a:r>
-              <a:rPr lang="en-US" altLang="zh-CN" dirty="0"/>
-              <a:t>data</a:t>
-            </a:r>
-            <a:r>
-              <a:rPr lang="zh-CN" altLang="en-US" dirty="0"/>
-              <a:t>选项会添加到该</a:t>
-            </a:r>
-            <a:r>
-              <a:rPr lang="en-US" altLang="zh-CN" dirty="0"/>
-              <a:t>URL</a:t>
-            </a:r>
-            <a:r>
-              <a:rPr lang="zh-CN" altLang="en-US" dirty="0"/>
-              <a:t>后。</a:t>
-            </a:r>
-            <a:endParaRPr lang="en-US" altLang="zh-CN" dirty="0"/>
-          </a:p>
-          <a:p>
-            <a:pPr marL="731520" lvl="1" indent="-457200">
-              <a:buFont typeface="+mj-lt"/>
-              <a:buAutoNum type="arabicPeriod"/>
-            </a:pPr>
-            <a:r>
-              <a:rPr lang="en-US" altLang="zh-CN" dirty="0"/>
-              <a:t>data</a:t>
-            </a:r>
-          </a:p>
-          <a:p>
-            <a:pPr marL="548640" lvl="2" indent="0">
-              <a:buNone/>
-            </a:pPr>
-            <a:r>
-              <a:rPr lang="zh-CN" altLang="en-US" dirty="0"/>
-              <a:t>可以是字符串或对象，通常会把对象转化为字符串</a:t>
-            </a:r>
-            <a:endParaRPr lang="en-US" altLang="zh-CN" dirty="0"/>
-          </a:p>
-          <a:p>
-            <a:pPr marL="731520" lvl="1" indent="-457200">
-              <a:buFont typeface="+mj-lt"/>
-              <a:buAutoNum type="arabicPeriod"/>
-            </a:pPr>
-            <a:r>
-              <a:rPr lang="en-US" altLang="zh-CN" dirty="0">
-                <a:latin typeface="Microsoft YaHei UI" panose="020B0503020204020204" pitchFamily="34" charset="-122"/>
-                <a:ea typeface="Microsoft YaHei UI" panose="020B0503020204020204" pitchFamily="34" charset="-122"/>
-              </a:rPr>
-              <a:t>datatype</a:t>
-            </a:r>
-          </a:p>
-          <a:p>
-            <a:pPr marL="548640" lvl="2" indent="0">
-              <a:buNone/>
-            </a:pPr>
-            <a:r>
-              <a:rPr lang="zh-CN" altLang="en-US" dirty="0">
-                <a:latin typeface="Microsoft YaHei UI" panose="020B0503020204020204" pitchFamily="34" charset="-122"/>
-                <a:ea typeface="Microsoft YaHei UI" panose="020B0503020204020204" pitchFamily="34" charset="-122"/>
-              </a:rPr>
-              <a:t>指定响应数据的预期类型，以及</a:t>
-            </a:r>
-            <a:r>
-              <a:rPr lang="en-US" altLang="zh-CN" dirty="0">
-                <a:latin typeface="Microsoft YaHei UI" panose="020B0503020204020204" pitchFamily="34" charset="-122"/>
-                <a:ea typeface="Microsoft YaHei UI" panose="020B0503020204020204" pitchFamily="34" charset="-122"/>
-              </a:rPr>
-              <a:t>jQuery</a:t>
-            </a:r>
-            <a:r>
-              <a:rPr lang="zh-CN" altLang="en-US" dirty="0">
-                <a:latin typeface="Microsoft YaHei UI" panose="020B0503020204020204" pitchFamily="34" charset="-122"/>
-                <a:ea typeface="Microsoft YaHei UI" panose="020B0503020204020204" pitchFamily="34" charset="-122"/>
-              </a:rPr>
-              <a:t>处理该数据的方式，合法值是“</a:t>
-            </a:r>
-            <a:r>
-              <a:rPr lang="en-US" altLang="zh-CN" dirty="0">
-                <a:latin typeface="Microsoft YaHei UI" panose="020B0503020204020204" pitchFamily="34" charset="-122"/>
-                <a:ea typeface="Microsoft YaHei UI" panose="020B0503020204020204" pitchFamily="34" charset="-122"/>
-              </a:rPr>
-              <a:t>text</a:t>
-            </a:r>
-            <a:r>
-              <a:rPr lang="zh-CN" altLang="en-US" dirty="0">
-                <a:latin typeface="Microsoft YaHei UI" panose="020B0503020204020204" pitchFamily="34" charset="-122"/>
-                <a:ea typeface="Microsoft YaHei UI" panose="020B0503020204020204" pitchFamily="34" charset="-122"/>
-              </a:rPr>
-              <a:t>”，“</a:t>
-            </a:r>
-            <a:r>
-              <a:rPr lang="en-US" altLang="zh-CN" dirty="0">
-                <a:latin typeface="Microsoft YaHei UI" panose="020B0503020204020204" pitchFamily="34" charset="-122"/>
-                <a:ea typeface="Microsoft YaHei UI" panose="020B0503020204020204" pitchFamily="34" charset="-122"/>
-              </a:rPr>
-              <a:t>html</a:t>
-            </a:r>
-            <a:r>
-              <a:rPr lang="zh-CN" altLang="en-US" dirty="0">
-                <a:latin typeface="Microsoft YaHei UI" panose="020B0503020204020204" pitchFamily="34" charset="-122"/>
-                <a:ea typeface="Microsoft YaHei UI" panose="020B0503020204020204" pitchFamily="34" charset="-122"/>
-              </a:rPr>
-              <a:t>”，“</a:t>
-            </a:r>
-            <a:r>
-              <a:rPr lang="en-US" altLang="zh-CN" dirty="0">
-                <a:latin typeface="Microsoft YaHei UI" panose="020B0503020204020204" pitchFamily="34" charset="-122"/>
-                <a:ea typeface="Microsoft YaHei UI" panose="020B0503020204020204" pitchFamily="34" charset="-122"/>
-              </a:rPr>
-              <a:t>script</a:t>
-            </a:r>
-            <a:r>
-              <a:rPr lang="zh-CN" altLang="en-US" dirty="0">
-                <a:latin typeface="Microsoft YaHei UI" panose="020B0503020204020204" pitchFamily="34" charset="-122"/>
-                <a:ea typeface="Microsoft YaHei UI" panose="020B0503020204020204" pitchFamily="34" charset="-122"/>
-              </a:rPr>
-              <a:t>”，“</a:t>
-            </a:r>
-            <a:r>
-              <a:rPr lang="en-US" altLang="zh-CN" dirty="0" err="1">
-                <a:latin typeface="Microsoft YaHei UI" panose="020B0503020204020204" pitchFamily="34" charset="-122"/>
-                <a:ea typeface="Microsoft YaHei UI" panose="020B0503020204020204" pitchFamily="34" charset="-122"/>
-              </a:rPr>
-              <a:t>json</a:t>
-            </a:r>
-            <a:r>
-              <a:rPr lang="zh-CN" altLang="en-US" dirty="0">
-                <a:latin typeface="Microsoft YaHei UI" panose="020B0503020204020204" pitchFamily="34" charset="-122"/>
-                <a:ea typeface="Microsoft YaHei UI" panose="020B0503020204020204" pitchFamily="34" charset="-122"/>
-              </a:rPr>
-              <a:t>”，“</a:t>
-            </a:r>
-            <a:r>
-              <a:rPr lang="en-US" altLang="zh-CN" dirty="0" err="1">
-                <a:latin typeface="Microsoft YaHei UI" panose="020B0503020204020204" pitchFamily="34" charset="-122"/>
-                <a:ea typeface="Microsoft YaHei UI" panose="020B0503020204020204" pitchFamily="34" charset="-122"/>
-              </a:rPr>
-              <a:t>jsonp</a:t>
-            </a:r>
-            <a:r>
-              <a:rPr lang="zh-CN" altLang="en-US" dirty="0">
-                <a:latin typeface="Microsoft YaHei UI" panose="020B0503020204020204" pitchFamily="34" charset="-122"/>
-                <a:ea typeface="Microsoft YaHei UI" panose="020B0503020204020204" pitchFamily="34" charset="-122"/>
-              </a:rPr>
-              <a:t>”，“</a:t>
-            </a:r>
-            <a:r>
-              <a:rPr lang="en-US" altLang="zh-CN" dirty="0"/>
-              <a:t>xml</a:t>
-            </a:r>
-            <a:r>
-              <a:rPr lang="zh-CN" altLang="en-US" dirty="0">
-                <a:latin typeface="Microsoft YaHei UI" panose="020B0503020204020204" pitchFamily="34" charset="-122"/>
-                <a:ea typeface="Microsoft YaHei UI" panose="020B0503020204020204" pitchFamily="34" charset="-122"/>
-              </a:rPr>
-              <a:t>”</a:t>
-            </a:r>
-            <a:endParaRPr lang="en-US" altLang="zh-CN" dirty="0">
-              <a:latin typeface="Microsoft YaHei UI" panose="020B0503020204020204" pitchFamily="34" charset="-122"/>
-              <a:ea typeface="Microsoft YaHei UI" panose="020B0503020204020204" pitchFamily="34" charset="-122"/>
-            </a:endParaRPr>
-          </a:p>
-          <a:p>
-            <a:pPr marL="731520" lvl="1" indent="-457200">
-              <a:buFont typeface="+mj-lt"/>
-              <a:buAutoNum type="arabicPeriod"/>
-            </a:pPr>
-            <a:r>
-              <a:rPr lang="zh-CN" altLang="en-US" dirty="0">
-                <a:latin typeface="Microsoft YaHei UI" panose="020B0503020204020204" pitchFamily="34" charset="-122"/>
-                <a:ea typeface="Microsoft YaHei UI" panose="020B0503020204020204" pitchFamily="34" charset="-122"/>
-              </a:rPr>
-              <a:t>其他</a:t>
-            </a:r>
-            <a:endParaRPr lang="en-US" altLang="zh-CN" dirty="0">
-              <a:latin typeface="Microsoft YaHei UI" panose="020B0503020204020204" pitchFamily="34" charset="-122"/>
-              <a:ea typeface="Microsoft YaHei UI" panose="020B0503020204020204" pitchFamily="34" charset="-122"/>
-            </a:endParaRPr>
-          </a:p>
-          <a:p>
-            <a:pPr marL="548640" lvl="2" indent="0">
-              <a:buNone/>
-            </a:pPr>
-            <a:r>
-              <a:rPr lang="en-US" altLang="zh-CN" dirty="0" err="1">
-                <a:latin typeface="Microsoft YaHei UI" panose="020B0503020204020204" pitchFamily="34" charset="-122"/>
-                <a:ea typeface="Microsoft YaHei UI" panose="020B0503020204020204" pitchFamily="34" charset="-122"/>
-              </a:rPr>
-              <a:t>contentType</a:t>
-            </a:r>
-            <a:r>
-              <a:rPr lang="zh-CN" altLang="en-US" dirty="0">
-                <a:latin typeface="Microsoft YaHei UI" panose="020B0503020204020204" pitchFamily="34" charset="-122"/>
-                <a:ea typeface="Microsoft YaHei UI" panose="020B0503020204020204" pitchFamily="34" charset="-122"/>
-              </a:rPr>
-              <a:t>，</a:t>
-            </a:r>
-            <a:r>
-              <a:rPr lang="en-US" altLang="zh-CN" dirty="0">
-                <a:latin typeface="Microsoft YaHei UI" panose="020B0503020204020204" pitchFamily="34" charset="-122"/>
-                <a:ea typeface="Microsoft YaHei UI" panose="020B0503020204020204" pitchFamily="34" charset="-122"/>
-              </a:rPr>
-              <a:t>timeout</a:t>
-            </a:r>
-            <a:r>
-              <a:rPr lang="zh-CN" altLang="en-US" dirty="0">
-                <a:latin typeface="Microsoft YaHei UI" panose="020B0503020204020204" pitchFamily="34" charset="-122"/>
-                <a:ea typeface="Microsoft YaHei UI" panose="020B0503020204020204" pitchFamily="34" charset="-122"/>
-              </a:rPr>
-              <a:t>，</a:t>
-            </a:r>
-            <a:r>
-              <a:rPr lang="en-US" altLang="zh-CN" dirty="0">
-                <a:latin typeface="Microsoft YaHei UI" panose="020B0503020204020204" pitchFamily="34" charset="-122"/>
-                <a:ea typeface="Microsoft YaHei UI" panose="020B0503020204020204" pitchFamily="34" charset="-122"/>
-              </a:rPr>
-              <a:t>cache</a:t>
-            </a:r>
-            <a:r>
-              <a:rPr lang="zh-CN" altLang="en-US" dirty="0">
-                <a:latin typeface="Microsoft YaHei UI" panose="020B0503020204020204" pitchFamily="34" charset="-122"/>
-                <a:ea typeface="Microsoft YaHei UI" panose="020B0503020204020204" pitchFamily="34" charset="-122"/>
-              </a:rPr>
-              <a:t>，</a:t>
-            </a:r>
-            <a:r>
-              <a:rPr lang="en-US" altLang="zh-CN" dirty="0" err="1">
-                <a:latin typeface="Microsoft YaHei UI" panose="020B0503020204020204" pitchFamily="34" charset="-122"/>
-                <a:ea typeface="Microsoft YaHei UI" panose="020B0503020204020204" pitchFamily="34" charset="-122"/>
-              </a:rPr>
-              <a:t>ifModified</a:t>
-            </a:r>
-            <a:r>
-              <a:rPr lang="zh-CN" altLang="en-US" dirty="0">
-                <a:latin typeface="Microsoft YaHei UI" panose="020B0503020204020204" pitchFamily="34" charset="-122"/>
-                <a:ea typeface="Microsoft YaHei UI" panose="020B0503020204020204" pitchFamily="34" charset="-122"/>
-              </a:rPr>
-              <a:t>，</a:t>
-            </a:r>
-            <a:r>
-              <a:rPr lang="en-US" altLang="zh-CN" dirty="0">
-                <a:latin typeface="Microsoft YaHei UI" panose="020B0503020204020204" pitchFamily="34" charset="-122"/>
-                <a:ea typeface="Microsoft YaHei UI" panose="020B0503020204020204" pitchFamily="34" charset="-122"/>
-              </a:rPr>
-              <a:t>global</a:t>
-            </a:r>
-            <a:endParaRPr lang="zh-CN" altLang="en-US" dirty="0">
-              <a:latin typeface="Microsoft YaHei UI" panose="020B0503020204020204" pitchFamily="34" charset="-122"/>
-              <a:ea typeface="Microsoft YaHei UI" panose="020B0503020204020204" pitchFamily="34" charset="-122"/>
-            </a:endParaRPr>
-          </a:p>
-        </p:txBody>
-      </p:sp>
-    </p:spTree>
-    <p:extLst>
-      <p:ext uri="{BB962C8B-B14F-4D97-AF65-F5344CB8AC3E}">
-        <p14:creationId xmlns:p14="http://schemas.microsoft.com/office/powerpoint/2010/main" val="4112840615"/>
-      </p:ext>
-    </p:extLst>
-  </p:cSld>
-  <p:clrMapOvr>
-    <a:masterClrMapping/>
-  </p:clrMapOvr>
-  <mc:AlternateContent xmlns:mc="http://schemas.openxmlformats.org/markup-compatibility/2006" xmlns:p14="http://schemas.microsoft.com/office/powerpoint/2010/main">
-    <mc:Choice Requires="p14">
-      <p:transition spd="med" p14:dur="700">
-        <p:fade/>
-      </p:transition>
-    </mc:Choice>
-    <mc:Fallback xmlns="">
-      <p:transition spd="med">
-        <p:fade/>
-      </p:transition>
-    </mc:Fallback>
-  </mc:AlternateContent>
-</p:sld>
-</file>
-
-<file path=ppt/slides/slide21.xml><?xml version="1.0" encoding="utf-8"?>
-<p:sld xmlns:a="http://schemas.openxmlformats.org/drawingml/2006/main" xmlns:r="http://schemas.openxmlformats.org/officeDocument/2006/relationships" xmlns:p="http://schemas.openxmlformats.org/presentationml/2006/main">
-  <p:cSld>
-    <p:spTree>
-      <p:nvGrpSpPr>
-        <p:cNvPr id="1" name=""/>
-        <p:cNvGrpSpPr/>
-        <p:nvPr/>
-      </p:nvGrpSpPr>
-      <p:grpSpPr>
-        <a:xfrm>
-          <a:off x="0" y="0"/>
-          <a:ext cx="0" cy="0"/>
-          <a:chOff x="0" y="0"/>
-          <a:chExt cx="0" cy="0"/>
-        </a:xfrm>
-      </p:grpSpPr>
-      <p:sp>
-        <p:nvSpPr>
-          <p:cNvPr id="2" name="标题 1"/>
-          <p:cNvSpPr>
-            <a:spLocks noGrp="1"/>
-          </p:cNvSpPr>
-          <p:nvPr>
-            <p:ph type="title"/>
-          </p:nvPr>
-        </p:nvSpPr>
-        <p:spPr/>
-        <p:txBody>
-          <a:bodyPr/>
-          <a:lstStyle/>
-          <a:p>
-            <a:r>
-              <a:rPr lang="en-US" altLang="zh-CN" dirty="0">
-                <a:latin typeface="Microsoft YaHei UI" panose="020B0503020204020204" pitchFamily="34" charset="-122"/>
-                <a:ea typeface="Microsoft YaHei UI" panose="020B0503020204020204" pitchFamily="34" charset="-122"/>
-              </a:rPr>
-              <a:t>6. jQuery Ajax</a:t>
-            </a:r>
-            <a:endParaRPr lang="zh-CN" dirty="0">
-              <a:latin typeface="Microsoft YaHei UI" panose="020B0503020204020204" pitchFamily="34" charset="-122"/>
-              <a:ea typeface="Microsoft YaHei UI" panose="020B0503020204020204" pitchFamily="34" charset="-122"/>
-            </a:endParaRPr>
-          </a:p>
-        </p:txBody>
-      </p:sp>
-      <p:sp>
-        <p:nvSpPr>
-          <p:cNvPr id="3" name="内容占位符 2"/>
-          <p:cNvSpPr>
-            <a:spLocks noGrp="1"/>
-          </p:cNvSpPr>
-          <p:nvPr>
-            <p:ph sz="half" idx="1"/>
-          </p:nvPr>
-        </p:nvSpPr>
-        <p:spPr/>
-        <p:txBody>
-          <a:bodyPr>
-            <a:normAutofit lnSpcReduction="10000"/>
-          </a:bodyPr>
-          <a:lstStyle/>
-          <a:p>
-            <a:pPr>
-              <a:buFont typeface="Wingdings" panose="05000000000000000000" pitchFamily="2" charset="2"/>
-              <a:buChar char="l"/>
-            </a:pPr>
-            <a:r>
-              <a:rPr lang="en-US" altLang="zh-CN" dirty="0" err="1"/>
-              <a:t>jQuery.ajax</a:t>
-            </a:r>
-            <a:r>
-              <a:rPr lang="en-US" altLang="zh-CN" dirty="0"/>
-              <a:t>()</a:t>
-            </a:r>
-            <a:r>
-              <a:rPr lang="zh-CN" altLang="en-US" dirty="0"/>
-              <a:t>有</a:t>
-            </a:r>
-            <a:r>
-              <a:rPr lang="en-US" altLang="zh-CN" dirty="0"/>
-              <a:t>4</a:t>
-            </a:r>
-            <a:r>
-              <a:rPr lang="zh-CN" altLang="en-US" dirty="0"/>
-              <a:t>个回调选项：</a:t>
-            </a:r>
-            <a:endParaRPr lang="en-US" altLang="zh-CN" dirty="0"/>
-          </a:p>
-          <a:p>
-            <a:pPr marL="731520" lvl="1" indent="-457200">
-              <a:buFont typeface="+mj-lt"/>
-              <a:buAutoNum type="arabicPeriod"/>
-            </a:pPr>
-            <a:r>
-              <a:rPr lang="en-US" altLang="zh-CN" dirty="0" err="1"/>
-              <a:t>beforeSend</a:t>
-            </a:r>
-            <a:endParaRPr lang="en-US" altLang="zh-CN" dirty="0"/>
-          </a:p>
-          <a:p>
-            <a:pPr marL="548640" lvl="2" indent="0">
-              <a:buNone/>
-            </a:pPr>
-            <a:r>
-              <a:rPr lang="zh-CN" altLang="en-US" dirty="0"/>
-              <a:t>指定</a:t>
-            </a:r>
-            <a:r>
-              <a:rPr lang="en-US" altLang="zh-CN" dirty="0"/>
-              <a:t>Ajax</a:t>
-            </a:r>
-            <a:r>
-              <a:rPr lang="zh-CN" altLang="en-US" dirty="0"/>
-              <a:t>请求发送到服务器之前激活的回调函数。第一个参数是</a:t>
-            </a:r>
-            <a:r>
-              <a:rPr lang="en-US" altLang="zh-CN" dirty="0" err="1"/>
-              <a:t>XMLHttpRequest</a:t>
-            </a:r>
-            <a:r>
-              <a:rPr lang="zh-CN" altLang="en-US" dirty="0"/>
-              <a:t>对象，第二个参数是该请求的选项对象。</a:t>
-            </a:r>
-            <a:endParaRPr lang="en-US" altLang="zh-CN" dirty="0"/>
-          </a:p>
-          <a:p>
-            <a:pPr marL="731520" lvl="1" indent="-457200">
-              <a:buFont typeface="+mj-lt"/>
-              <a:buAutoNum type="arabicPeriod"/>
-            </a:pPr>
-            <a:r>
-              <a:rPr lang="en-US" altLang="zh-CN" dirty="0"/>
-              <a:t>success</a:t>
-            </a:r>
-          </a:p>
-          <a:p>
-            <a:pPr marL="548640" lvl="2" indent="0">
-              <a:buNone/>
-            </a:pPr>
-            <a:r>
-              <a:rPr lang="zh-CN" altLang="en-US" dirty="0"/>
-              <a:t>指定</a:t>
-            </a:r>
-            <a:r>
-              <a:rPr lang="en-US" altLang="zh-CN" dirty="0"/>
-              <a:t>Ajax</a:t>
-            </a:r>
-            <a:r>
-              <a:rPr lang="zh-CN" altLang="en-US" dirty="0"/>
-              <a:t>请求成功完成时调用的回调函数。第一个参数是服务器发送的数据，第二个参数是</a:t>
-            </a:r>
-            <a:r>
-              <a:rPr lang="en-US" altLang="zh-CN" dirty="0"/>
-              <a:t>jQuery</a:t>
-            </a:r>
-            <a:r>
-              <a:rPr lang="zh-CN" altLang="en-US" dirty="0"/>
-              <a:t>状态码，第三个参数是用来发送该请求的</a:t>
-            </a:r>
-            <a:r>
-              <a:rPr lang="en-US" altLang="zh-CN" dirty="0" err="1"/>
-              <a:t>XMLHttpRequest</a:t>
-            </a:r>
-            <a:r>
-              <a:rPr lang="zh-CN" altLang="en-US" dirty="0"/>
-              <a:t>对象。</a:t>
-            </a:r>
-            <a:endParaRPr lang="en-US" altLang="zh-CN" dirty="0"/>
-          </a:p>
-          <a:p>
-            <a:pPr marL="731520" lvl="1" indent="-457200">
-              <a:buFont typeface="+mj-lt"/>
-              <a:buAutoNum type="arabicPeriod"/>
-            </a:pPr>
-            <a:r>
-              <a:rPr lang="en-US" altLang="zh-CN" dirty="0"/>
-              <a:t>error</a:t>
-            </a:r>
-          </a:p>
-          <a:p>
-            <a:pPr marL="548640" lvl="2" indent="0">
-              <a:buNone/>
-            </a:pPr>
-            <a:r>
-              <a:rPr lang="zh-CN" altLang="en-US" dirty="0"/>
-              <a:t>指定</a:t>
-            </a:r>
-            <a:r>
-              <a:rPr lang="en-US" altLang="zh-CN" dirty="0"/>
-              <a:t>Ajax</a:t>
-            </a:r>
-            <a:r>
-              <a:rPr lang="zh-CN" altLang="en-US" dirty="0"/>
-              <a:t>请求不成功时调用的回调函数。第一个参数是该请求的</a:t>
-            </a:r>
-            <a:r>
-              <a:rPr lang="en-US" altLang="zh-CN" dirty="0" err="1"/>
-              <a:t>XMLHttpRequest</a:t>
-            </a:r>
-            <a:r>
-              <a:rPr lang="zh-CN" altLang="en-US" dirty="0"/>
-              <a:t>对象，第二个参数是</a:t>
-            </a:r>
-            <a:r>
-              <a:rPr lang="en-US" altLang="zh-CN" dirty="0"/>
-              <a:t>jQuery</a:t>
-            </a:r>
-            <a:r>
-              <a:rPr lang="zh-CN" altLang="en-US" dirty="0"/>
-              <a:t>状态码。</a:t>
-            </a:r>
-            <a:endParaRPr lang="en-US" altLang="zh-CN" dirty="0"/>
-          </a:p>
-          <a:p>
-            <a:pPr marL="731520" lvl="1" indent="-457200">
-              <a:buFont typeface="+mj-lt"/>
-              <a:buAutoNum type="arabicPeriod"/>
-            </a:pPr>
-            <a:r>
-              <a:rPr lang="en-US" altLang="zh-CN" dirty="0"/>
-              <a:t>complete</a:t>
-            </a:r>
-          </a:p>
-          <a:p>
-            <a:pPr marL="548640" lvl="2" indent="0">
-              <a:buNone/>
-            </a:pPr>
-            <a:r>
-              <a:rPr lang="zh-CN" altLang="en-US" dirty="0"/>
-              <a:t>指定</a:t>
-            </a:r>
-            <a:r>
-              <a:rPr lang="en-US" altLang="zh-CN" dirty="0"/>
-              <a:t>Ajax</a:t>
-            </a:r>
-            <a:r>
-              <a:rPr lang="zh-CN" altLang="en-US" dirty="0"/>
-              <a:t>请求完成时激活的回调函数。每一个</a:t>
-            </a:r>
-            <a:r>
-              <a:rPr lang="en-US" altLang="zh-CN" dirty="0"/>
-              <a:t>Ajax</a:t>
-            </a:r>
-            <a:r>
-              <a:rPr lang="zh-CN" altLang="en-US" dirty="0"/>
-              <a:t>请求成功时调用</a:t>
-            </a:r>
-            <a:r>
-              <a:rPr lang="en-US" altLang="zh-CN" dirty="0"/>
-              <a:t>success</a:t>
-            </a:r>
-            <a:r>
-              <a:rPr lang="zh-CN" altLang="en-US" dirty="0"/>
-              <a:t>回调，失败时调用</a:t>
-            </a:r>
-            <a:r>
-              <a:rPr lang="en-US" altLang="zh-CN" dirty="0"/>
-              <a:t>error</a:t>
-            </a:r>
-            <a:r>
-              <a:rPr lang="zh-CN" altLang="en-US" dirty="0"/>
-              <a:t>回调。在调用</a:t>
-            </a:r>
-            <a:r>
-              <a:rPr lang="en-US" altLang="zh-CN" dirty="0"/>
-              <a:t>success</a:t>
-            </a:r>
-            <a:r>
-              <a:rPr lang="zh-CN" altLang="en-US" dirty="0"/>
-              <a:t>或</a:t>
-            </a:r>
-            <a:r>
-              <a:rPr lang="en-US" altLang="zh-CN" dirty="0"/>
-              <a:t>error</a:t>
-            </a:r>
-            <a:r>
-              <a:rPr lang="zh-CN" altLang="en-US" dirty="0"/>
-              <a:t>后，</a:t>
-            </a:r>
-            <a:r>
-              <a:rPr lang="en-US" altLang="zh-CN" dirty="0"/>
-              <a:t>jQuery</a:t>
-            </a:r>
-            <a:r>
-              <a:rPr lang="zh-CN" altLang="en-US" dirty="0"/>
-              <a:t>会调用</a:t>
-            </a:r>
-            <a:r>
-              <a:rPr lang="en-US" altLang="zh-CN" dirty="0"/>
-              <a:t>complete</a:t>
-            </a:r>
-            <a:r>
-              <a:rPr lang="zh-CN" altLang="en-US" dirty="0"/>
-              <a:t>回调。第一个参数是该请求的</a:t>
-            </a:r>
-            <a:r>
-              <a:rPr lang="en-US" altLang="zh-CN" dirty="0" err="1"/>
-              <a:t>XMLHttpRequest</a:t>
-            </a:r>
-            <a:r>
-              <a:rPr lang="zh-CN" altLang="en-US" dirty="0"/>
-              <a:t>对象，第二个参数是</a:t>
-            </a:r>
-            <a:r>
-              <a:rPr lang="en-US" altLang="zh-CN" dirty="0"/>
-              <a:t>jQuery</a:t>
-            </a:r>
-            <a:r>
-              <a:rPr lang="zh-CN" altLang="en-US" dirty="0"/>
-              <a:t>状态码。</a:t>
-            </a:r>
-            <a:endParaRPr lang="zh-CN" altLang="en-US" dirty="0">
-              <a:latin typeface="Microsoft YaHei UI" panose="020B0503020204020204" pitchFamily="34" charset="-122"/>
-              <a:ea typeface="Microsoft YaHei UI" panose="020B0503020204020204" pitchFamily="34" charset="-122"/>
-            </a:endParaRPr>
-          </a:p>
-        </p:txBody>
-      </p:sp>
-    </p:spTree>
-    <p:extLst>
-      <p:ext uri="{BB962C8B-B14F-4D97-AF65-F5344CB8AC3E}">
-        <p14:creationId xmlns:p14="http://schemas.microsoft.com/office/powerpoint/2010/main" val="1059574127"/>
-      </p:ext>
-    </p:extLst>
-  </p:cSld>
-  <p:clrMapOvr>
-    <a:masterClrMapping/>
-  </p:clrMapOvr>
-  <mc:AlternateContent xmlns:mc="http://schemas.openxmlformats.org/markup-compatibility/2006" xmlns:p14="http://schemas.microsoft.com/office/powerpoint/2010/main">
-    <mc:Choice Requires="p14">
-      <p:transition spd="med" p14:dur="700">
-        <p:fade/>
-      </p:transition>
-    </mc:Choice>
-    <mc:Fallback xmlns="">
-      <p:transition spd="med">
-        <p:fade/>
-      </p:transition>
-    </mc:Fallback>
-  </mc:AlternateContent>
-</p:sld>
-</file>
-
-<file path=ppt/slides/slide22.xml><?xml version="1.0" encoding="utf-8"?>
-<p:sld xmlns:a="http://schemas.openxmlformats.org/drawingml/2006/main" xmlns:r="http://schemas.openxmlformats.org/officeDocument/2006/relationships" xmlns:p="http://schemas.openxmlformats.org/presentationml/2006/main">
-  <p:cSld>
-    <p:spTree>
-      <p:nvGrpSpPr>
-        <p:cNvPr id="1" name=""/>
-        <p:cNvGrpSpPr/>
-        <p:nvPr/>
-      </p:nvGrpSpPr>
-      <p:grpSpPr>
-        <a:xfrm>
-          <a:off x="0" y="0"/>
-          <a:ext cx="0" cy="0"/>
-          <a:chOff x="0" y="0"/>
-          <a:chExt cx="0" cy="0"/>
-        </a:xfrm>
-      </p:grpSpPr>
-      <p:sp>
-        <p:nvSpPr>
-          <p:cNvPr id="2" name="标题 1"/>
-          <p:cNvSpPr>
-            <a:spLocks noGrp="1"/>
-          </p:cNvSpPr>
-          <p:nvPr>
-            <p:ph type="title"/>
-          </p:nvPr>
-        </p:nvSpPr>
-        <p:spPr/>
-        <p:txBody>
-          <a:bodyPr/>
-          <a:lstStyle/>
-          <a:p>
-            <a:r>
-              <a:rPr lang="en-US" altLang="zh-CN" dirty="0">
-                <a:latin typeface="Microsoft YaHei UI" panose="020B0503020204020204" pitchFamily="34" charset="-122"/>
-                <a:ea typeface="Microsoft YaHei UI" panose="020B0503020204020204" pitchFamily="34" charset="-122"/>
-              </a:rPr>
-              <a:t>7. jQuery </a:t>
-            </a:r>
-            <a:r>
-              <a:rPr lang="zh-CN" altLang="en-US" dirty="0">
-                <a:latin typeface="Microsoft YaHei UI" panose="020B0503020204020204" pitchFamily="34" charset="-122"/>
-                <a:ea typeface="Microsoft YaHei UI" panose="020B0503020204020204" pitchFamily="34" charset="-122"/>
-              </a:rPr>
-              <a:t>插件</a:t>
-            </a:r>
-            <a:endParaRPr lang="zh-CN" dirty="0">
-              <a:latin typeface="Microsoft YaHei UI" panose="020B0503020204020204" pitchFamily="34" charset="-122"/>
-              <a:ea typeface="Microsoft YaHei UI" panose="020B0503020204020204" pitchFamily="34" charset="-122"/>
-            </a:endParaRPr>
-          </a:p>
-        </p:txBody>
-      </p:sp>
-      <p:sp>
-        <p:nvSpPr>
-          <p:cNvPr id="3" name="内容占位符 2"/>
-          <p:cNvSpPr>
-            <a:spLocks noGrp="1"/>
-          </p:cNvSpPr>
-          <p:nvPr>
-            <p:ph sz="half" idx="1"/>
-          </p:nvPr>
-        </p:nvSpPr>
-        <p:spPr/>
-        <p:txBody>
-          <a:bodyPr>
-            <a:normAutofit/>
-          </a:bodyPr>
-          <a:lstStyle/>
-          <a:p>
-            <a:pPr>
-              <a:buFont typeface="Wingdings" panose="05000000000000000000" pitchFamily="2" charset="2"/>
-              <a:buChar char="l"/>
-            </a:pPr>
-            <a:r>
-              <a:rPr lang="en-US" altLang="zh-CN" dirty="0"/>
-              <a:t>jQuery validate()</a:t>
-            </a:r>
-            <a:r>
-              <a:rPr lang="zh-CN" altLang="en-US" dirty="0"/>
-              <a:t>用于表单验证：</a:t>
-            </a:r>
-            <a:endParaRPr lang="en-US" altLang="zh-CN" dirty="0"/>
-          </a:p>
-          <a:p>
-            <a:pPr marL="731520" lvl="1" indent="-457200">
-              <a:buFont typeface="+mj-lt"/>
-              <a:buAutoNum type="arabicPeriod"/>
-            </a:pPr>
-            <a:r>
-              <a:rPr lang="zh-CN" altLang="en-US" dirty="0"/>
-              <a:t>安装</a:t>
-            </a:r>
-            <a:endParaRPr lang="en-US" altLang="zh-CN" dirty="0"/>
-          </a:p>
-          <a:p>
-            <a:pPr marL="548640" lvl="2" indent="0">
-              <a:buNone/>
-            </a:pPr>
-            <a:r>
-              <a:rPr lang="en-US" altLang="zh-CN" dirty="0"/>
-              <a:t>bower install </a:t>
-            </a:r>
-            <a:r>
-              <a:rPr lang="en-US" altLang="zh-CN" dirty="0" err="1"/>
-              <a:t>jquery</a:t>
-            </a:r>
-            <a:r>
-              <a:rPr lang="en-US" altLang="zh-CN" dirty="0"/>
-              <a:t>-validation</a:t>
-            </a:r>
-            <a:r>
-              <a:rPr lang="zh-CN" altLang="en-US" dirty="0"/>
-              <a:t> </a:t>
-            </a:r>
-            <a:r>
-              <a:rPr lang="en-US" altLang="zh-CN" dirty="0"/>
-              <a:t>-save</a:t>
-            </a:r>
-          </a:p>
-          <a:p>
-            <a:pPr marL="731520" lvl="1" indent="-457200">
-              <a:buFont typeface="+mj-lt"/>
-              <a:buAutoNum type="arabicPeriod"/>
-            </a:pPr>
-            <a:r>
-              <a:rPr lang="zh-CN" altLang="en-US" dirty="0"/>
-              <a:t>在</a:t>
-            </a:r>
-            <a:r>
-              <a:rPr lang="en-US" altLang="zh-CN" dirty="0"/>
-              <a:t>html</a:t>
-            </a:r>
-            <a:r>
-              <a:rPr lang="zh-CN" altLang="en-US" dirty="0"/>
-              <a:t>文档中引入</a:t>
-            </a:r>
-            <a:endParaRPr lang="en-US" altLang="zh-CN" dirty="0"/>
-          </a:p>
-          <a:p>
-            <a:pPr marL="548640" lvl="2" indent="0">
-              <a:buNone/>
-            </a:pPr>
-            <a:r>
-              <a:rPr lang="en-US" altLang="zh-CN" dirty="0"/>
-              <a:t>&lt;script  </a:t>
-            </a:r>
-            <a:r>
-              <a:rPr lang="en-US" altLang="zh-CN" dirty="0" err="1"/>
-              <a:t>src</a:t>
-            </a:r>
-            <a:r>
-              <a:rPr lang="en-US" altLang="zh-CN" dirty="0"/>
-              <a:t>=</a:t>
-            </a:r>
-            <a:r>
-              <a:rPr lang="zh-CN" altLang="en-US" dirty="0"/>
-              <a:t>“</a:t>
-            </a:r>
-            <a:r>
-              <a:rPr lang="en-US" altLang="zh-CN" dirty="0"/>
-              <a:t>/xx/xx/jquery.validate.min.js</a:t>
-            </a:r>
-            <a:r>
-              <a:rPr lang="zh-CN" altLang="en-US" dirty="0"/>
-              <a:t>”</a:t>
-            </a:r>
-            <a:r>
-              <a:rPr lang="en-US" altLang="zh-CN" dirty="0"/>
-              <a:t>&gt;&lt;/script&gt;</a:t>
-            </a:r>
-          </a:p>
-          <a:p>
-            <a:pPr marL="0" indent="0">
-              <a:buNone/>
-            </a:pPr>
-            <a:endParaRPr lang="en-US" altLang="zh-CN" dirty="0"/>
-          </a:p>
-          <a:p>
-            <a:pPr marL="0" indent="0">
-              <a:buNone/>
-            </a:pPr>
-            <a:endParaRPr lang="en-US" altLang="zh-CN" dirty="0"/>
-          </a:p>
-          <a:p>
-            <a:pPr marL="0" indent="0">
-              <a:buNone/>
-            </a:pPr>
-            <a:r>
-              <a:rPr lang="zh-CN" altLang="en-US" dirty="0">
-                <a:solidFill>
-                  <a:srgbClr val="FF0000"/>
-                </a:solidFill>
-              </a:rPr>
-              <a:t>注意：也可以不用该插件，而在</a:t>
-            </a:r>
-            <a:r>
-              <a:rPr lang="en-US" altLang="zh-CN" dirty="0">
-                <a:solidFill>
-                  <a:srgbClr val="FF0000"/>
-                </a:solidFill>
-              </a:rPr>
-              <a:t>ajax</a:t>
-            </a:r>
-            <a:r>
-              <a:rPr lang="zh-CN" altLang="en-US" dirty="0">
-                <a:solidFill>
-                  <a:srgbClr val="FF0000"/>
-                </a:solidFill>
-              </a:rPr>
-              <a:t>请求中的</a:t>
-            </a:r>
-            <a:r>
-              <a:rPr lang="en-US" altLang="zh-CN" dirty="0" err="1">
-                <a:solidFill>
-                  <a:srgbClr val="FF0000"/>
-                </a:solidFill>
-              </a:rPr>
-              <a:t>beforeSend</a:t>
-            </a:r>
-            <a:r>
-              <a:rPr lang="zh-CN" altLang="en-US" dirty="0">
-                <a:solidFill>
-                  <a:srgbClr val="FF0000"/>
-                </a:solidFill>
-              </a:rPr>
-              <a:t>回调里面写验证（作为课堂练习）</a:t>
-            </a:r>
-            <a:endParaRPr lang="en-US" altLang="zh-CN" dirty="0">
-              <a:solidFill>
-                <a:srgbClr val="FF0000"/>
-              </a:solidFill>
-            </a:endParaRPr>
-          </a:p>
-        </p:txBody>
-      </p:sp>
-    </p:spTree>
-    <p:extLst>
-      <p:ext uri="{BB962C8B-B14F-4D97-AF65-F5344CB8AC3E}">
-        <p14:creationId xmlns:p14="http://schemas.microsoft.com/office/powerpoint/2010/main" val="1262124088"/>
-      </p:ext>
-    </p:extLst>
-  </p:cSld>
-  <p:clrMapOvr>
-    <a:masterClrMapping/>
-  </p:clrMapOvr>
-  <mc:AlternateContent xmlns:mc="http://schemas.openxmlformats.org/markup-compatibility/2006" xmlns:p14="http://schemas.microsoft.com/office/powerpoint/2010/main">
-    <mc:Choice Requires="p14">
-      <p:transition spd="med" p14:dur="700">
-        <p:fade/>
-      </p:transition>
-    </mc:Choice>
-    <mc:Fallback xmlns="">
-      <p:transition spd="med">
-        <p:fade/>
-      </p:transition>
-    </mc:Fallback>
-  </mc:AlternateContent>
-</p:sld>
-</file>
-
-<file path=ppt/slides/slide23.xml><?xml version="1.0" encoding="utf-8"?>
-<p:sld xmlns:a="http://schemas.openxmlformats.org/drawingml/2006/main" xmlns:r="http://schemas.openxmlformats.org/officeDocument/2006/relationships" xmlns:p="http://schemas.openxmlformats.org/presentationml/2006/main">
-  <p:cSld>
-    <p:spTree>
-      <p:nvGrpSpPr>
-        <p:cNvPr id="1" name=""/>
-        <p:cNvGrpSpPr/>
-        <p:nvPr/>
-      </p:nvGrpSpPr>
-      <p:grpSpPr>
-        <a:xfrm>
-          <a:off x="0" y="0"/>
-          <a:ext cx="0" cy="0"/>
-          <a:chOff x="0" y="0"/>
-          <a:chExt cx="0" cy="0"/>
-        </a:xfrm>
-      </p:grpSpPr>
-      <p:sp>
-        <p:nvSpPr>
-          <p:cNvPr id="2" name="标题 1"/>
-          <p:cNvSpPr>
-            <a:spLocks noGrp="1"/>
-          </p:cNvSpPr>
-          <p:nvPr>
-            <p:ph type="title"/>
-          </p:nvPr>
-        </p:nvSpPr>
-        <p:spPr/>
-        <p:txBody>
-          <a:bodyPr/>
-          <a:lstStyle/>
-          <a:p>
-            <a:r>
-              <a:rPr lang="en-US" altLang="zh-CN" dirty="0">
-                <a:latin typeface="Microsoft YaHei UI" panose="020B0503020204020204" pitchFamily="34" charset="-122"/>
-                <a:ea typeface="Microsoft YaHei UI" panose="020B0503020204020204" pitchFamily="34" charset="-122"/>
-              </a:rPr>
-              <a:t>7</a:t>
-            </a:r>
-            <a:r>
-              <a:rPr lang="en-US" altLang="zh-CN" dirty="0"/>
-              <a:t>. jQuery </a:t>
-            </a:r>
-            <a:r>
-              <a:rPr lang="zh-CN" altLang="en-US" dirty="0"/>
-              <a:t>插件</a:t>
-            </a:r>
-            <a:endParaRPr lang="zh-CN" dirty="0">
-              <a:latin typeface="Microsoft YaHei UI" panose="020B0503020204020204" pitchFamily="34" charset="-122"/>
-              <a:ea typeface="Microsoft YaHei UI" panose="020B0503020204020204" pitchFamily="34" charset="-122"/>
-            </a:endParaRPr>
-          </a:p>
-        </p:txBody>
-      </p:sp>
-      <p:sp>
-        <p:nvSpPr>
-          <p:cNvPr id="3" name="内容占位符 2"/>
-          <p:cNvSpPr>
-            <a:spLocks noGrp="1"/>
-          </p:cNvSpPr>
-          <p:nvPr>
-            <p:ph sz="half" idx="1"/>
-          </p:nvPr>
-        </p:nvSpPr>
-        <p:spPr/>
-        <p:txBody>
-          <a:bodyPr>
-            <a:normAutofit/>
-          </a:bodyPr>
-          <a:lstStyle/>
-          <a:p>
-            <a:pPr>
-              <a:buFont typeface="Wingdings" panose="05000000000000000000" pitchFamily="2" charset="2"/>
-              <a:buChar char="l"/>
-            </a:pPr>
-            <a:r>
-              <a:rPr lang="zh-CN" altLang="en-US" dirty="0"/>
-              <a:t>使用</a:t>
-            </a:r>
-            <a:r>
-              <a:rPr lang="en-US" altLang="zh-CN" dirty="0"/>
-              <a:t>jQuery validate()</a:t>
-            </a:r>
-            <a:r>
-              <a:rPr lang="zh-CN" altLang="en-US" dirty="0"/>
-              <a:t>注意事项：</a:t>
-            </a:r>
-            <a:endParaRPr lang="en-US" altLang="zh-CN" dirty="0"/>
-          </a:p>
-          <a:p>
-            <a:pPr marL="731520" lvl="1" indent="-457200">
-              <a:buFont typeface="+mj-lt"/>
-              <a:buAutoNum type="arabicPeriod"/>
-            </a:pPr>
-            <a:r>
-              <a:rPr lang="zh-CN" altLang="en-US" dirty="0"/>
-              <a:t>初始化时验证表单，写明验证规则和错误提示信息</a:t>
-            </a:r>
-            <a:endParaRPr lang="en-US" altLang="zh-CN" dirty="0"/>
-          </a:p>
-          <a:p>
-            <a:pPr marL="548640" lvl="2" indent="0">
-              <a:buNone/>
-            </a:pPr>
-            <a:r>
-              <a:rPr lang="en-US" altLang="zh-CN" dirty="0"/>
-              <a:t>$(</a:t>
-            </a:r>
-            <a:r>
-              <a:rPr lang="zh-CN" altLang="en-US" dirty="0"/>
-              <a:t>“</a:t>
-            </a:r>
-            <a:r>
-              <a:rPr lang="en-US" altLang="zh-CN" dirty="0"/>
-              <a:t>#form</a:t>
-            </a:r>
-            <a:r>
-              <a:rPr lang="zh-CN" altLang="en-US" dirty="0"/>
-              <a:t>”</a:t>
-            </a:r>
-            <a:r>
-              <a:rPr lang="en-US" altLang="zh-CN" dirty="0"/>
-              <a:t>).validate({</a:t>
-            </a:r>
-          </a:p>
-          <a:p>
-            <a:pPr marL="548640" lvl="2" indent="0">
-              <a:buNone/>
-            </a:pPr>
-            <a:r>
-              <a:rPr lang="en-US" altLang="zh-CN" dirty="0"/>
-              <a:t>       rules:{…}</a:t>
-            </a:r>
-          </a:p>
-          <a:p>
-            <a:pPr marL="548640" lvl="2" indent="0">
-              <a:buNone/>
-            </a:pPr>
-            <a:r>
-              <a:rPr lang="en-US" altLang="zh-CN" dirty="0"/>
-              <a:t>       message:{…}</a:t>
-            </a:r>
-          </a:p>
-          <a:p>
-            <a:pPr marL="548640" lvl="2" indent="0">
-              <a:buNone/>
-            </a:pPr>
-            <a:r>
-              <a:rPr lang="en-US" altLang="zh-CN" dirty="0"/>
-              <a:t>})</a:t>
-            </a:r>
-          </a:p>
-          <a:p>
-            <a:pPr marL="731520" lvl="1" indent="-457200">
-              <a:buFont typeface="+mj-lt"/>
-              <a:buAutoNum type="arabicPeriod"/>
-            </a:pPr>
-            <a:r>
-              <a:rPr lang="zh-CN" altLang="en-US" dirty="0"/>
-              <a:t>使用</a:t>
-            </a:r>
-            <a:r>
-              <a:rPr lang="en-US" altLang="zh-CN" dirty="0" err="1"/>
-              <a:t>event.preventDefault</a:t>
-            </a:r>
-            <a:r>
-              <a:rPr lang="en-US" altLang="zh-CN" dirty="0"/>
-              <a:t>()</a:t>
-            </a:r>
-            <a:r>
-              <a:rPr lang="zh-CN" altLang="en-US" dirty="0"/>
-              <a:t>阻止默认表单提交，而使用</a:t>
-            </a:r>
-            <a:r>
-              <a:rPr lang="en-US" altLang="zh-CN" dirty="0"/>
-              <a:t>ajax</a:t>
-            </a:r>
-            <a:r>
-              <a:rPr lang="zh-CN" altLang="en-US" dirty="0"/>
-              <a:t>请求提交数据</a:t>
-            </a:r>
-            <a:endParaRPr lang="en-US" altLang="zh-CN" dirty="0"/>
-          </a:p>
-          <a:p>
-            <a:pPr marL="548640" lvl="2" indent="0">
-              <a:buNone/>
-            </a:pPr>
-            <a:r>
-              <a:rPr lang="en-US" altLang="zh-CN" dirty="0"/>
-              <a:t>$(</a:t>
-            </a:r>
-            <a:r>
-              <a:rPr lang="zh-CN" altLang="en-US" dirty="0"/>
-              <a:t>“</a:t>
-            </a:r>
-            <a:r>
-              <a:rPr lang="en-US" altLang="zh-CN" dirty="0"/>
-              <a:t>#submit</a:t>
-            </a:r>
-            <a:r>
-              <a:rPr lang="zh-CN" altLang="en-US" dirty="0"/>
-              <a:t>”</a:t>
-            </a:r>
-            <a:r>
-              <a:rPr lang="en-US" altLang="zh-CN" dirty="0"/>
-              <a:t>).submit(function(){</a:t>
-            </a:r>
-          </a:p>
-          <a:p>
-            <a:pPr marL="548640" lvl="2" indent="0">
-              <a:buNone/>
-            </a:pPr>
-            <a:r>
-              <a:rPr lang="en-US" altLang="zh-CN" dirty="0"/>
-              <a:t>        </a:t>
-            </a:r>
-            <a:r>
-              <a:rPr lang="en-US" altLang="zh-CN" dirty="0" err="1"/>
-              <a:t>event.preventDefault</a:t>
-            </a:r>
-            <a:r>
-              <a:rPr lang="en-US" altLang="zh-CN" dirty="0"/>
-              <a:t>();      //</a:t>
-            </a:r>
-            <a:r>
-              <a:rPr lang="zh-CN" altLang="en-US" dirty="0"/>
-              <a:t>阻止冒泡</a:t>
-            </a:r>
-            <a:endParaRPr lang="en-US" altLang="zh-CN" dirty="0"/>
-          </a:p>
-          <a:p>
-            <a:pPr marL="548640" lvl="2" indent="0">
-              <a:buNone/>
-            </a:pPr>
-            <a:r>
-              <a:rPr lang="en-US" altLang="zh-CN" dirty="0"/>
-              <a:t>        $.ajax({…})</a:t>
-            </a:r>
-          </a:p>
-          <a:p>
-            <a:pPr marL="548640" lvl="2" indent="0">
-              <a:buNone/>
-            </a:pPr>
-            <a:r>
-              <a:rPr lang="en-US" altLang="zh-CN" dirty="0"/>
-              <a:t>}</a:t>
-            </a:r>
-          </a:p>
-        </p:txBody>
-      </p:sp>
-    </p:spTree>
-    <p:extLst>
-      <p:ext uri="{BB962C8B-B14F-4D97-AF65-F5344CB8AC3E}">
-        <p14:creationId xmlns:p14="http://schemas.microsoft.com/office/powerpoint/2010/main" val="2377430215"/>
-      </p:ext>
-    </p:extLst>
-  </p:cSld>
-  <p:clrMapOvr>
-    <a:masterClrMapping/>
-  </p:clrMapOvr>
-  <mc:AlternateContent xmlns:mc="http://schemas.openxmlformats.org/markup-compatibility/2006" xmlns:p14="http://schemas.microsoft.com/office/powerpoint/2010/main">
-    <mc:Choice Requires="p14">
-      <p:transition spd="med" p14:dur="700">
-        <p:fade/>
-      </p:transition>
-    </mc:Choice>
-    <mc:Fallback xmlns="">
-      <p:transition spd="med">
-        <p:fade/>
-      </p:transition>
-    </mc:Fallback>
-  </mc:AlternateContent>
-</p:sld>
-</file>
-
-<file path=ppt/slides/slide24.xml><?xml version="1.0" encoding="utf-8"?>
-<p:sld xmlns:a="http://schemas.openxmlformats.org/drawingml/2006/main" xmlns:r="http://schemas.openxmlformats.org/officeDocument/2006/relationships" xmlns:p="http://schemas.openxmlformats.org/presentationml/2006/main">
-  <p:cSld>
-    <p:spTree>
-      <p:nvGrpSpPr>
-        <p:cNvPr id="1" name=""/>
-        <p:cNvGrpSpPr/>
-        <p:nvPr/>
-      </p:nvGrpSpPr>
-      <p:grpSpPr>
-        <a:xfrm>
-          <a:off x="0" y="0"/>
-          <a:ext cx="0" cy="0"/>
-          <a:chOff x="0" y="0"/>
-          <a:chExt cx="0" cy="0"/>
-        </a:xfrm>
-      </p:grpSpPr>
-      <p:sp>
-        <p:nvSpPr>
-          <p:cNvPr id="2" name="标题 1"/>
-          <p:cNvSpPr>
-            <a:spLocks noGrp="1"/>
-          </p:cNvSpPr>
-          <p:nvPr>
-            <p:ph type="title"/>
-          </p:nvPr>
-        </p:nvSpPr>
-        <p:spPr/>
-        <p:txBody>
-          <a:bodyPr/>
-          <a:lstStyle/>
-          <a:p>
-            <a:r>
-              <a:rPr lang="en-US" altLang="zh-CN" dirty="0">
-                <a:latin typeface="Microsoft YaHei UI" panose="020B0503020204020204" pitchFamily="34" charset="-122"/>
-                <a:ea typeface="Microsoft YaHei UI" panose="020B0503020204020204" pitchFamily="34" charset="-122"/>
-              </a:rPr>
-              <a:t>7. </a:t>
-            </a:r>
-            <a:r>
-              <a:rPr lang="en-US" altLang="zh-CN" dirty="0"/>
-              <a:t>jQuery </a:t>
-            </a:r>
-            <a:r>
-              <a:rPr lang="zh-CN" altLang="en-US" dirty="0"/>
-              <a:t>插件</a:t>
-            </a:r>
-            <a:endParaRPr lang="zh-CN" dirty="0">
-              <a:latin typeface="Microsoft YaHei UI" panose="020B0503020204020204" pitchFamily="34" charset="-122"/>
-              <a:ea typeface="Microsoft YaHei UI" panose="020B0503020204020204" pitchFamily="34" charset="-122"/>
-            </a:endParaRPr>
-          </a:p>
-        </p:txBody>
-      </p:sp>
-      <p:sp>
-        <p:nvSpPr>
-          <p:cNvPr id="3" name="内容占位符 2"/>
-          <p:cNvSpPr>
-            <a:spLocks noGrp="1"/>
-          </p:cNvSpPr>
-          <p:nvPr>
-            <p:ph sz="half" idx="1"/>
-          </p:nvPr>
-        </p:nvSpPr>
-        <p:spPr>
-          <a:xfrm>
-            <a:off x="1295400" y="1828799"/>
-            <a:ext cx="9601200" cy="4758267"/>
-          </a:xfrm>
-        </p:spPr>
-        <p:txBody>
-          <a:bodyPr>
-            <a:normAutofit fontScale="92500" lnSpcReduction="20000"/>
-          </a:bodyPr>
-          <a:lstStyle/>
-          <a:p>
-            <a:pPr>
-              <a:buFont typeface="Wingdings" panose="05000000000000000000" pitchFamily="2" charset="2"/>
-              <a:buChar char="l"/>
-            </a:pPr>
-            <a:r>
-              <a:rPr lang="en-US" altLang="zh-CN" dirty="0"/>
-              <a:t>jQuery Form</a:t>
-            </a:r>
-            <a:r>
-              <a:rPr lang="zh-CN" altLang="en-US" dirty="0"/>
-              <a:t>有两个核心的方法：</a:t>
-            </a:r>
-            <a:endParaRPr lang="en-US" altLang="zh-CN" dirty="0"/>
-          </a:p>
-          <a:p>
-            <a:pPr marL="731520" lvl="1" indent="-457200">
-              <a:buFont typeface="+mj-lt"/>
-              <a:buAutoNum type="arabicPeriod"/>
-            </a:pPr>
-            <a:r>
-              <a:rPr lang="en-US" altLang="zh-CN" dirty="0" err="1"/>
-              <a:t>ajaxForm</a:t>
-            </a:r>
-            <a:r>
-              <a:rPr lang="en-US" altLang="zh-CN" dirty="0"/>
-              <a:t>( )</a:t>
-            </a:r>
-          </a:p>
-          <a:p>
-            <a:pPr marL="274320" lvl="1" indent="0">
-              <a:buNone/>
-            </a:pPr>
-            <a:r>
-              <a:rPr lang="en-US" altLang="zh-CN" dirty="0"/>
-              <a:t>$('#form').</a:t>
-            </a:r>
-            <a:r>
-              <a:rPr lang="en-US" altLang="zh-CN" dirty="0" err="1"/>
-              <a:t>ajaxForm</a:t>
-            </a:r>
-            <a:r>
-              <a:rPr lang="en-US" altLang="zh-CN" dirty="0"/>
-              <a:t>(</a:t>
-            </a:r>
-            <a:r>
-              <a:rPr lang="en-US" altLang="zh-CN" b="1" dirty="0"/>
-              <a:t>function</a:t>
-            </a:r>
-            <a:r>
-              <a:rPr lang="en-US" altLang="zh-CN" dirty="0"/>
-              <a:t>(options) {     </a:t>
-            </a:r>
-          </a:p>
-          <a:p>
-            <a:pPr marL="274320" lvl="1" indent="0">
-              <a:buNone/>
-            </a:pPr>
-            <a:r>
-              <a:rPr lang="en-US" altLang="zh-CN" dirty="0"/>
-              <a:t>      ……      </a:t>
-            </a:r>
-          </a:p>
-          <a:p>
-            <a:pPr marL="274320" lvl="1" indent="0">
-              <a:buNone/>
-            </a:pPr>
-            <a:r>
-              <a:rPr lang="en-US" altLang="zh-CN" dirty="0"/>
-              <a:t>});   </a:t>
-            </a:r>
-          </a:p>
-          <a:p>
-            <a:pPr marL="274320" lvl="1" indent="0">
-              <a:buNone/>
-            </a:pPr>
-            <a:r>
-              <a:rPr lang="en-US" altLang="zh-CN" dirty="0"/>
-              <a:t>2.   </a:t>
-            </a:r>
-            <a:r>
-              <a:rPr lang="en-US" altLang="zh-CN" dirty="0" err="1"/>
-              <a:t>ajaxSubmit</a:t>
-            </a:r>
-            <a:r>
-              <a:rPr lang="en-US" altLang="zh-CN" dirty="0"/>
-              <a:t>( )</a:t>
-            </a:r>
-          </a:p>
-          <a:p>
-            <a:pPr marL="274320" lvl="1" indent="0">
-              <a:buNone/>
-            </a:pPr>
-            <a:r>
-              <a:rPr lang="en-US" altLang="zh-CN" dirty="0"/>
-              <a:t>$('#form2').submit(</a:t>
-            </a:r>
-            <a:r>
-              <a:rPr lang="en-US" altLang="zh-CN" b="1" dirty="0"/>
-              <a:t>function</a:t>
-            </a:r>
-            <a:r>
-              <a:rPr lang="en-US" altLang="zh-CN" dirty="0"/>
-              <a:t>() {  </a:t>
-            </a:r>
-          </a:p>
-          <a:p>
-            <a:pPr marL="274320" lvl="1" indent="0">
-              <a:buNone/>
-            </a:pPr>
-            <a:r>
-              <a:rPr lang="en-US" altLang="zh-CN" dirty="0"/>
-              <a:t>      $(</a:t>
-            </a:r>
-            <a:r>
-              <a:rPr lang="en-US" altLang="zh-CN" b="1" dirty="0"/>
-              <a:t>this</a:t>
-            </a:r>
-            <a:r>
-              <a:rPr lang="en-US" altLang="zh-CN" dirty="0"/>
-              <a:t>).</a:t>
-            </a:r>
-            <a:r>
-              <a:rPr lang="en-US" altLang="zh-CN" dirty="0" err="1"/>
-              <a:t>ajaxSubmit</a:t>
-            </a:r>
-            <a:r>
-              <a:rPr lang="en-US" altLang="zh-CN" dirty="0"/>
-              <a:t>(</a:t>
-            </a:r>
-            <a:r>
-              <a:rPr lang="en-US" altLang="zh-CN" b="1" dirty="0"/>
-              <a:t>function</a:t>
-            </a:r>
-            <a:r>
-              <a:rPr lang="en-US" altLang="zh-CN" dirty="0"/>
-              <a:t>(options) {     </a:t>
-            </a:r>
-          </a:p>
-          <a:p>
-            <a:pPr marL="274320" lvl="1" indent="0">
-              <a:buNone/>
-            </a:pPr>
-            <a:r>
-              <a:rPr lang="en-US" altLang="zh-CN" dirty="0"/>
-              <a:t>      ……      </a:t>
-            </a:r>
-          </a:p>
-          <a:p>
-            <a:pPr marL="274320" lvl="1" indent="0">
-              <a:buNone/>
-            </a:pPr>
-            <a:r>
-              <a:rPr lang="en-US" altLang="zh-CN" dirty="0"/>
-              <a:t>   });  </a:t>
-            </a:r>
-          </a:p>
-          <a:p>
-            <a:pPr marL="274320" lvl="1" indent="0">
-              <a:buNone/>
-            </a:pPr>
-            <a:r>
-              <a:rPr lang="en-US" altLang="zh-CN" dirty="0"/>
-              <a:t>   </a:t>
-            </a:r>
-            <a:r>
-              <a:rPr lang="en-US" altLang="zh-CN" b="1" dirty="0"/>
-              <a:t>return</a:t>
-            </a:r>
-            <a:r>
-              <a:rPr lang="en-US" altLang="zh-CN" dirty="0"/>
-              <a:t> </a:t>
-            </a:r>
-            <a:r>
-              <a:rPr lang="en-US" altLang="zh-CN" b="1" dirty="0"/>
-              <a:t>false</a:t>
-            </a:r>
-            <a:r>
-              <a:rPr lang="en-US" altLang="zh-CN" dirty="0"/>
-              <a:t>; //</a:t>
-            </a:r>
-            <a:r>
-              <a:rPr lang="zh-CN" altLang="en-US" dirty="0"/>
-              <a:t>阻止表单默认提交  </a:t>
-            </a:r>
-          </a:p>
-          <a:p>
-            <a:pPr marL="274320" lvl="1" indent="0">
-              <a:buNone/>
-            </a:pPr>
-            <a:r>
-              <a:rPr lang="en-US" altLang="zh-CN" dirty="0"/>
-              <a:t>});</a:t>
-            </a:r>
-          </a:p>
-          <a:p>
-            <a:pPr marL="0" indent="0">
-              <a:buNone/>
-            </a:pPr>
-            <a:r>
-              <a:rPr lang="zh-CN" altLang="en-US" dirty="0"/>
-              <a:t>注意：提交</a:t>
-            </a:r>
-            <a:r>
-              <a:rPr lang="en-US" altLang="zh-CN" dirty="0"/>
-              <a:t>form</a:t>
-            </a:r>
-            <a:r>
-              <a:rPr lang="zh-CN" altLang="en-US" dirty="0"/>
-              <a:t>表单时，需要在</a:t>
-            </a:r>
-            <a:r>
-              <a:rPr lang="en-US" altLang="zh-CN" dirty="0"/>
-              <a:t>form</a:t>
-            </a:r>
-            <a:r>
-              <a:rPr lang="zh-CN" altLang="en-US" dirty="0"/>
-              <a:t>标签上设置一个属性</a:t>
-            </a:r>
-            <a:r>
-              <a:rPr lang="en-US" altLang="zh-CN" dirty="0" err="1"/>
-              <a:t>enctype</a:t>
-            </a:r>
-            <a:r>
-              <a:rPr lang="en-US" altLang="zh-CN" dirty="0"/>
-              <a:t>=" application/x-www-form-</a:t>
-            </a:r>
-            <a:r>
-              <a:rPr lang="en-US" altLang="zh-CN" dirty="0" err="1"/>
-              <a:t>urlencoded</a:t>
-            </a:r>
-            <a:r>
-              <a:rPr lang="en-US" altLang="zh-CN" dirty="0"/>
-              <a:t> "</a:t>
-            </a:r>
-          </a:p>
-        </p:txBody>
-      </p:sp>
-    </p:spTree>
-    <p:extLst>
-      <p:ext uri="{BB962C8B-B14F-4D97-AF65-F5344CB8AC3E}">
-        <p14:creationId xmlns:p14="http://schemas.microsoft.com/office/powerpoint/2010/main" val="1211633021"/>
-      </p:ext>
-    </p:extLst>
-  </p:cSld>
-  <p:clrMapOvr>
-    <a:masterClrMapping/>
-  </p:clrMapOvr>
-  <mc:AlternateContent xmlns:mc="http://schemas.openxmlformats.org/markup-compatibility/2006" xmlns:p14="http://schemas.microsoft.com/office/powerpoint/2010/main">
-    <mc:Choice Requires="p14">
-      <p:transition spd="med" p14:dur="700">
-        <p:fade/>
-      </p:transition>
-    </mc:Choice>
-    <mc:Fallback xmlns="">
-      <p:transition spd="med">
-        <p:fade/>
-      </p:transition>
-    </mc:Fallback>
-  </mc:AlternateContent>
-</p:sld>
-</file>
-
-<file path=ppt/slides/slide25.xml><?xml version="1.0" encoding="utf-8"?>
-<p:sld xmlns:a="http://schemas.openxmlformats.org/drawingml/2006/main" xmlns:r="http://schemas.openxmlformats.org/officeDocument/2006/relationships" xmlns:p="http://schemas.openxmlformats.org/presentationml/2006/main">
-  <p:cSld>
-    <p:spTree>
-      <p:nvGrpSpPr>
-        <p:cNvPr id="1" name=""/>
-        <p:cNvGrpSpPr/>
-        <p:nvPr/>
-      </p:nvGrpSpPr>
-      <p:grpSpPr>
-        <a:xfrm>
-          <a:off x="0" y="0"/>
-          <a:ext cx="0" cy="0"/>
-          <a:chOff x="0" y="0"/>
-          <a:chExt cx="0" cy="0"/>
-        </a:xfrm>
-      </p:grpSpPr>
-      <p:sp>
-        <p:nvSpPr>
-          <p:cNvPr id="2" name="标题 1"/>
-          <p:cNvSpPr>
-            <a:spLocks noGrp="1"/>
-          </p:cNvSpPr>
-          <p:nvPr>
-            <p:ph type="title"/>
-          </p:nvPr>
-        </p:nvSpPr>
-        <p:spPr/>
-        <p:txBody>
-          <a:bodyPr/>
-          <a:lstStyle/>
-          <a:p>
-            <a:r>
-              <a:rPr lang="en-US" altLang="zh-CN" dirty="0">
-                <a:latin typeface="Microsoft YaHei UI" panose="020B0503020204020204" pitchFamily="34" charset="-122"/>
-                <a:ea typeface="Microsoft YaHei UI" panose="020B0503020204020204" pitchFamily="34" charset="-122"/>
-              </a:rPr>
-              <a:t>7. </a:t>
-            </a:r>
-            <a:r>
-              <a:rPr lang="en-US" altLang="zh-CN" dirty="0"/>
-              <a:t>jQuery </a:t>
-            </a:r>
-            <a:r>
-              <a:rPr lang="zh-CN" altLang="en-US" dirty="0"/>
-              <a:t>插件</a:t>
-            </a:r>
-            <a:endParaRPr lang="zh-CN" dirty="0">
-              <a:latin typeface="Microsoft YaHei UI" panose="020B0503020204020204" pitchFamily="34" charset="-122"/>
-              <a:ea typeface="Microsoft YaHei UI" panose="020B0503020204020204" pitchFamily="34" charset="-122"/>
-            </a:endParaRPr>
-          </a:p>
-        </p:txBody>
-      </p:sp>
-      <p:sp>
-        <p:nvSpPr>
-          <p:cNvPr id="3" name="内容占位符 2"/>
-          <p:cNvSpPr>
-            <a:spLocks noGrp="1"/>
-          </p:cNvSpPr>
-          <p:nvPr>
-            <p:ph sz="half" idx="1"/>
-          </p:nvPr>
-        </p:nvSpPr>
-        <p:spPr/>
-        <p:txBody>
-          <a:bodyPr>
-            <a:normAutofit fontScale="85000" lnSpcReduction="10000"/>
-          </a:bodyPr>
-          <a:lstStyle/>
-          <a:p>
-            <a:pPr marL="0" indent="0">
-              <a:buNone/>
-            </a:pPr>
-            <a:r>
-              <a:rPr lang="en-US" altLang="zh-CN" dirty="0"/>
-              <a:t>options</a:t>
-            </a:r>
-            <a:r>
-              <a:rPr lang="zh-CN" altLang="en-US" dirty="0"/>
-              <a:t>对象：</a:t>
-            </a:r>
-            <a:endParaRPr lang="en-US" altLang="zh-CN" dirty="0"/>
-          </a:p>
-          <a:p>
-            <a:pPr marL="0" indent="0">
-              <a:buNone/>
-            </a:pPr>
-            <a:r>
-              <a:rPr lang="en-US" altLang="zh-CN" dirty="0" err="1"/>
-              <a:t>var</a:t>
-            </a:r>
-            <a:r>
-              <a:rPr lang="en-US" altLang="zh-CN" dirty="0"/>
-              <a:t> options={</a:t>
-            </a:r>
-          </a:p>
-          <a:p>
-            <a:pPr marL="274320" lvl="1" indent="0">
-              <a:buNone/>
-            </a:pPr>
-            <a:r>
-              <a:rPr lang="en-US" altLang="zh-CN" dirty="0"/>
-              <a:t>target: '#output',                                 //</a:t>
-            </a:r>
-            <a:r>
-              <a:rPr lang="zh-CN" altLang="en-US" dirty="0"/>
-              <a:t>把服务器返回的内容放入</a:t>
-            </a:r>
-            <a:r>
-              <a:rPr lang="en-US" altLang="zh-CN" dirty="0"/>
-              <a:t>id</a:t>
-            </a:r>
-            <a:r>
-              <a:rPr lang="zh-CN" altLang="en-US" dirty="0"/>
-              <a:t>为</a:t>
-            </a:r>
-            <a:r>
-              <a:rPr lang="en-US" altLang="zh-CN" dirty="0"/>
-              <a:t>output</a:t>
-            </a:r>
-            <a:r>
-              <a:rPr lang="zh-CN" altLang="en-US" dirty="0"/>
-              <a:t>的元素中      </a:t>
-            </a:r>
-          </a:p>
-          <a:p>
-            <a:pPr marL="274320" lvl="1" indent="0">
-              <a:buNone/>
-            </a:pPr>
-            <a:r>
-              <a:rPr lang="en-US" altLang="zh-CN" dirty="0" err="1"/>
-              <a:t>beforeSubmit</a:t>
-            </a:r>
-            <a:r>
-              <a:rPr lang="en-US" altLang="zh-CN" dirty="0"/>
-              <a:t>: </a:t>
-            </a:r>
-            <a:r>
-              <a:rPr lang="en-US" altLang="zh-CN" dirty="0" err="1"/>
-              <a:t>showRequest</a:t>
-            </a:r>
-            <a:r>
-              <a:rPr lang="en-US" altLang="zh-CN" dirty="0"/>
-              <a:t>,             //</a:t>
-            </a:r>
-            <a:r>
-              <a:rPr lang="zh-CN" altLang="en-US" dirty="0"/>
-              <a:t>提交前的回调函数，返回</a:t>
-            </a:r>
-            <a:r>
-              <a:rPr lang="en-US" altLang="zh-CN" dirty="0"/>
-              <a:t>false</a:t>
-            </a:r>
-            <a:r>
-              <a:rPr lang="zh-CN" altLang="en-US" dirty="0"/>
-              <a:t>会组织表单提交</a:t>
-            </a:r>
-          </a:p>
-          <a:p>
-            <a:pPr marL="274320" lvl="1" indent="0">
-              <a:buNone/>
-            </a:pPr>
-            <a:r>
-              <a:rPr lang="en-US" altLang="zh-CN" dirty="0"/>
-              <a:t>success: </a:t>
-            </a:r>
-            <a:r>
-              <a:rPr lang="en-US" altLang="zh-CN" dirty="0" err="1"/>
-              <a:t>showResponse</a:t>
-            </a:r>
-            <a:r>
-              <a:rPr lang="en-US" altLang="zh-CN" dirty="0"/>
-              <a:t>,                    //</a:t>
-            </a:r>
-            <a:r>
-              <a:rPr lang="zh-CN" altLang="en-US" dirty="0"/>
-              <a:t>提交后的回调函数  </a:t>
-            </a:r>
-          </a:p>
-          <a:p>
-            <a:pPr marL="274320" lvl="1" indent="0">
-              <a:buNone/>
-            </a:pPr>
-            <a:r>
-              <a:rPr lang="en-US" altLang="zh-CN" dirty="0"/>
-              <a:t>url: </a:t>
-            </a:r>
-            <a:r>
-              <a:rPr lang="en-US" altLang="zh-CN" dirty="0" err="1"/>
-              <a:t>url</a:t>
-            </a:r>
-            <a:r>
-              <a:rPr lang="en-US" altLang="zh-CN" dirty="0"/>
-              <a:t>,                                               //</a:t>
-            </a:r>
-            <a:r>
-              <a:rPr lang="zh-CN" altLang="en-US" dirty="0"/>
-              <a:t>默认是</a:t>
-            </a:r>
-            <a:r>
-              <a:rPr lang="en-US" altLang="zh-CN" dirty="0"/>
-              <a:t>form</a:t>
-            </a:r>
-            <a:r>
-              <a:rPr lang="zh-CN" altLang="en-US" dirty="0"/>
-              <a:t>的</a:t>
-            </a:r>
-            <a:r>
-              <a:rPr lang="en-US" altLang="zh-CN" dirty="0"/>
-              <a:t>action</a:t>
-            </a:r>
-            <a:r>
-              <a:rPr lang="zh-CN" altLang="en-US" dirty="0"/>
-              <a:t>， 如果申明，则会覆盖  </a:t>
-            </a:r>
-          </a:p>
-          <a:p>
-            <a:pPr marL="274320" lvl="1" indent="0">
-              <a:buNone/>
-            </a:pPr>
-            <a:r>
-              <a:rPr lang="en-US" altLang="zh-CN" dirty="0"/>
-              <a:t>type: type,                  //</a:t>
-            </a:r>
-            <a:r>
-              <a:rPr lang="zh-CN" altLang="en-US" dirty="0"/>
-              <a:t>默认是</a:t>
-            </a:r>
-            <a:r>
-              <a:rPr lang="en-US" altLang="zh-CN" dirty="0"/>
-              <a:t>form</a:t>
-            </a:r>
-            <a:r>
-              <a:rPr lang="zh-CN" altLang="en-US" dirty="0"/>
-              <a:t>的</a:t>
-            </a:r>
-            <a:r>
-              <a:rPr lang="en-US" altLang="zh-CN" dirty="0"/>
-              <a:t>method</a:t>
-            </a:r>
-            <a:r>
-              <a:rPr lang="zh-CN" altLang="en-US" dirty="0"/>
-              <a:t>（</a:t>
-            </a:r>
-            <a:r>
-              <a:rPr lang="en-US" altLang="zh-CN" dirty="0"/>
-              <a:t>get or post</a:t>
-            </a:r>
-            <a:r>
-              <a:rPr lang="zh-CN" altLang="en-US" dirty="0"/>
-              <a:t>），如果申明，则会覆盖  </a:t>
-            </a:r>
-          </a:p>
-          <a:p>
-            <a:pPr marL="274320" lvl="1" indent="0">
-              <a:buNone/>
-            </a:pPr>
-            <a:r>
-              <a:rPr lang="en-US" altLang="zh-CN" dirty="0" err="1"/>
-              <a:t>dataType</a:t>
-            </a:r>
-            <a:r>
-              <a:rPr lang="en-US" altLang="zh-CN" dirty="0"/>
-              <a:t>: null,           //html(</a:t>
-            </a:r>
-            <a:r>
-              <a:rPr lang="zh-CN" altLang="en-US" dirty="0"/>
-              <a:t>默认</a:t>
-            </a:r>
-            <a:r>
-              <a:rPr lang="en-US" altLang="zh-CN" dirty="0"/>
-              <a:t>), xml, script, </a:t>
-            </a:r>
-            <a:r>
-              <a:rPr lang="en-US" altLang="zh-CN" dirty="0" err="1"/>
-              <a:t>json</a:t>
-            </a:r>
-            <a:r>
-              <a:rPr lang="en-US" altLang="zh-CN" dirty="0"/>
-              <a:t>...</a:t>
-            </a:r>
-            <a:r>
-              <a:rPr lang="zh-CN" altLang="en-US" dirty="0"/>
-              <a:t>接受服务端返回的类型  </a:t>
-            </a:r>
-          </a:p>
-          <a:p>
-            <a:pPr marL="274320" lvl="1" indent="0">
-              <a:buNone/>
-            </a:pPr>
-            <a:r>
-              <a:rPr lang="en-US" altLang="zh-CN" dirty="0" err="1"/>
-              <a:t>clearForm</a:t>
-            </a:r>
-            <a:r>
-              <a:rPr lang="en-US" altLang="zh-CN" dirty="0"/>
-              <a:t>: true,          //</a:t>
-            </a:r>
-            <a:r>
-              <a:rPr lang="zh-CN" altLang="en-US" dirty="0"/>
-              <a:t>成功提交后，清除所有表单元素的值  </a:t>
-            </a:r>
-          </a:p>
-          <a:p>
-            <a:pPr marL="274320" lvl="1" indent="0">
-              <a:buNone/>
-            </a:pPr>
-            <a:r>
-              <a:rPr lang="en-US" altLang="zh-CN" dirty="0" err="1"/>
-              <a:t>resetForm</a:t>
-            </a:r>
-            <a:r>
-              <a:rPr lang="en-US" altLang="zh-CN" dirty="0"/>
-              <a:t>: true,          //</a:t>
-            </a:r>
-            <a:r>
-              <a:rPr lang="zh-CN" altLang="en-US" dirty="0"/>
-              <a:t>成功提交后，重置所有表单元素的值  </a:t>
-            </a:r>
-          </a:p>
-          <a:p>
-            <a:pPr marL="274320" lvl="1" indent="0">
-              <a:buNone/>
-            </a:pPr>
-            <a:r>
-              <a:rPr lang="en-US" altLang="zh-CN" dirty="0"/>
-              <a:t>timeout: 3000             //</a:t>
-            </a:r>
-            <a:r>
-              <a:rPr lang="zh-CN" altLang="en-US" dirty="0"/>
-              <a:t>限制请求的时间，当请求大于</a:t>
-            </a:r>
-            <a:r>
-              <a:rPr lang="en-US" altLang="zh-CN" dirty="0"/>
-              <a:t>3</a:t>
-            </a:r>
-            <a:r>
-              <a:rPr lang="zh-CN" altLang="en-US" dirty="0"/>
-              <a:t>秒后，跳出请求  </a:t>
-            </a:r>
-            <a:endParaRPr lang="en-US" altLang="zh-CN" dirty="0"/>
-          </a:p>
-          <a:p>
-            <a:pPr marL="0" indent="0">
-              <a:buNone/>
-            </a:pPr>
-            <a:r>
-              <a:rPr lang="en-US" altLang="zh-CN" dirty="0"/>
-              <a:t>}</a:t>
-            </a:r>
-          </a:p>
-        </p:txBody>
-      </p:sp>
-    </p:spTree>
-    <p:extLst>
-      <p:ext uri="{BB962C8B-B14F-4D97-AF65-F5344CB8AC3E}">
-        <p14:creationId xmlns:p14="http://schemas.microsoft.com/office/powerpoint/2010/main" val="2784243370"/>
-      </p:ext>
-    </p:extLst>
-  </p:cSld>
-  <p:clrMapOvr>
-    <a:masterClrMapping/>
-  </p:clrMapOvr>
-  <mc:AlternateContent xmlns:mc="http://schemas.openxmlformats.org/markup-compatibility/2006" xmlns:p14="http://schemas.microsoft.com/office/powerpoint/2010/main">
-    <mc:Choice Requires="p14">
-      <p:transition spd="med" p14:dur="700">
-        <p:fade/>
-      </p:transition>
-    </mc:Choice>
-    <mc:Fallback xmlns="">
-      <p:transition spd="med">
-        <p:fade/>
-      </p:transition>
-    </mc:Fallback>
-  </mc:AlternateContent>
-</p:sld>
-</file>
-
-<file path=ppt/slides/slide26.xml><?xml version="1.0" encoding="utf-8"?>
-<p:sld xmlns:a="http://schemas.openxmlformats.org/drawingml/2006/main" xmlns:r="http://schemas.openxmlformats.org/officeDocument/2006/relationships" xmlns:p="http://schemas.openxmlformats.org/presentationml/2006/main">
-  <p:cSld>
-    <p:spTree>
-      <p:nvGrpSpPr>
-        <p:cNvPr id="1" name=""/>
-        <p:cNvGrpSpPr/>
-        <p:nvPr/>
-      </p:nvGrpSpPr>
-      <p:grpSpPr>
-        <a:xfrm>
-          <a:off x="0" y="0"/>
-          <a:ext cx="0" cy="0"/>
-          <a:chOff x="0" y="0"/>
-          <a:chExt cx="0" cy="0"/>
-        </a:xfrm>
-      </p:grpSpPr>
-      <p:sp>
-        <p:nvSpPr>
-          <p:cNvPr id="2" name="标题 1"/>
-          <p:cNvSpPr>
-            <a:spLocks noGrp="1"/>
-          </p:cNvSpPr>
-          <p:nvPr>
-            <p:ph type="title"/>
-          </p:nvPr>
-        </p:nvSpPr>
-        <p:spPr/>
-        <p:txBody>
-          <a:bodyPr/>
-          <a:lstStyle/>
-          <a:p>
-            <a:r>
-              <a:rPr lang="en-US" altLang="zh-CN" dirty="0">
-                <a:latin typeface="Microsoft YaHei UI" panose="020B0503020204020204" pitchFamily="34" charset="-122"/>
-                <a:ea typeface="Microsoft YaHei UI" panose="020B0503020204020204" pitchFamily="34" charset="-122"/>
-              </a:rPr>
-              <a:t>7. </a:t>
-            </a:r>
-            <a:r>
-              <a:rPr lang="en-US" altLang="zh-CN" dirty="0"/>
-              <a:t>jQuery </a:t>
-            </a:r>
-            <a:r>
-              <a:rPr lang="zh-CN" altLang="en-US" dirty="0"/>
-              <a:t>插件</a:t>
-            </a:r>
-            <a:endParaRPr lang="zh-CN" dirty="0">
-              <a:latin typeface="Microsoft YaHei UI" panose="020B0503020204020204" pitchFamily="34" charset="-122"/>
-              <a:ea typeface="Microsoft YaHei UI" panose="020B0503020204020204" pitchFamily="34" charset="-122"/>
-            </a:endParaRPr>
-          </a:p>
-        </p:txBody>
-      </p:sp>
-      <p:sp>
-        <p:nvSpPr>
-          <p:cNvPr id="3" name="内容占位符 2"/>
-          <p:cNvSpPr>
-            <a:spLocks noGrp="1"/>
-          </p:cNvSpPr>
-          <p:nvPr>
-            <p:ph sz="half" idx="1"/>
-          </p:nvPr>
-        </p:nvSpPr>
-        <p:spPr/>
-        <p:txBody>
-          <a:bodyPr>
-            <a:normAutofit/>
-          </a:bodyPr>
-          <a:lstStyle/>
-          <a:p>
-            <a:pPr marL="0" indent="0">
-              <a:buNone/>
-            </a:pPr>
-            <a:r>
-              <a:rPr lang="en-US" altLang="zh-CN" dirty="0"/>
-              <a:t>form </a:t>
-            </a:r>
-            <a:r>
-              <a:rPr lang="en-US" altLang="zh-CN" dirty="0" err="1"/>
-              <a:t>enctype</a:t>
-            </a:r>
-            <a:r>
-              <a:rPr lang="zh-CN" altLang="en-US" dirty="0"/>
-              <a:t>：</a:t>
-            </a:r>
-            <a:endParaRPr lang="en-US" altLang="zh-CN" dirty="0"/>
-          </a:p>
-          <a:p>
-            <a:pPr marL="0" indent="0">
-              <a:buNone/>
-            </a:pPr>
-            <a:r>
-              <a:rPr lang="en-US" altLang="zh-CN" dirty="0" err="1"/>
-              <a:t>enctype</a:t>
-            </a:r>
-            <a:r>
-              <a:rPr lang="en-US" altLang="zh-CN" dirty="0"/>
-              <a:t> </a:t>
-            </a:r>
-            <a:r>
-              <a:rPr lang="zh-CN" altLang="en-US" dirty="0"/>
-              <a:t>属性规定在发送到服务器之前应该如何对表单数据进行编码。默认地，表单数据会编码为 </a:t>
-            </a:r>
-            <a:r>
-              <a:rPr lang="en-US" altLang="zh-CN" dirty="0"/>
-              <a:t>"application/x-www-form-</a:t>
-            </a:r>
-            <a:r>
-              <a:rPr lang="en-US" altLang="zh-CN" dirty="0" err="1"/>
-              <a:t>urlencoded</a:t>
-            </a:r>
-            <a:r>
-              <a:rPr lang="en-US" altLang="zh-CN" dirty="0"/>
-              <a:t>"</a:t>
-            </a:r>
-            <a:r>
-              <a:rPr lang="zh-CN" altLang="en-US" dirty="0"/>
-              <a:t>。</a:t>
-            </a:r>
-            <a:endParaRPr lang="en-US" altLang="zh-CN" dirty="0"/>
-          </a:p>
-          <a:p>
-            <a:pPr marL="0" indent="0">
-              <a:buNone/>
-            </a:pPr>
-            <a:r>
-              <a:rPr lang="en-US" altLang="zh-CN" dirty="0"/>
-              <a:t>multipart/form-data:</a:t>
-            </a:r>
-          </a:p>
-          <a:p>
-            <a:pPr lvl="1"/>
-            <a:r>
-              <a:rPr lang="zh-CN" altLang="en-US" dirty="0"/>
-              <a:t>不对字符编码。</a:t>
-            </a:r>
-          </a:p>
-          <a:p>
-            <a:pPr lvl="1"/>
-            <a:r>
-              <a:rPr lang="zh-CN" altLang="en-US" dirty="0"/>
-              <a:t>在使用包含文件上传控件的表单时，必须使用该值。</a:t>
-            </a:r>
-          </a:p>
-          <a:p>
-            <a:pPr marL="0" indent="0">
-              <a:buNone/>
-            </a:pPr>
-            <a:r>
-              <a:rPr lang="en-US" altLang="zh-CN" dirty="0"/>
-              <a:t>text/plain</a:t>
-            </a:r>
-          </a:p>
-          <a:p>
-            <a:pPr lvl="1"/>
-            <a:r>
-              <a:rPr lang="zh-CN" altLang="en-US" dirty="0"/>
-              <a:t>空格转换为 </a:t>
-            </a:r>
-            <a:r>
-              <a:rPr lang="en-US" altLang="zh-CN" dirty="0"/>
-              <a:t>"+" </a:t>
-            </a:r>
-            <a:r>
-              <a:rPr lang="zh-CN" altLang="en-US" dirty="0"/>
-              <a:t>加号，但不对特殊字符编码。</a:t>
-            </a:r>
-            <a:endParaRPr lang="en-US" altLang="zh-CN" dirty="0"/>
-          </a:p>
-        </p:txBody>
-      </p:sp>
-    </p:spTree>
-    <p:extLst>
-      <p:ext uri="{BB962C8B-B14F-4D97-AF65-F5344CB8AC3E}">
-        <p14:creationId xmlns:p14="http://schemas.microsoft.com/office/powerpoint/2010/main" val="253479967"/>
-      </p:ext>
-    </p:extLst>
-  </p:cSld>
-  <p:clrMapOvr>
-    <a:masterClrMapping/>
-  </p:clrMapOvr>
-  <mc:AlternateContent xmlns:mc="http://schemas.openxmlformats.org/markup-compatibility/2006" xmlns:p14="http://schemas.microsoft.com/office/powerpoint/2010/main">
-    <mc:Choice Requires="p14">
-      <p:transition spd="med" p14:dur="700">
-        <p:fade/>
-      </p:transition>
-    </mc:Choice>
-    <mc:Fallback xmlns="">
-      <p:transition spd="med">
-        <p:fade/>
-      </p:transition>
-    </mc:Fallback>
-  </mc:AlternateContent>
-</p:sld>
-</file>
-
-<file path=ppt/slides/slide27.xml><?xml version="1.0" encoding="utf-8"?>
-<p:sld xmlns:a="http://schemas.openxmlformats.org/drawingml/2006/main" xmlns:r="http://schemas.openxmlformats.org/officeDocument/2006/relationships" xmlns:p="http://schemas.openxmlformats.org/presentationml/2006/main">
-  <p:cSld>
-    <p:spTree>
-      <p:nvGrpSpPr>
-        <p:cNvPr id="1" name=""/>
-        <p:cNvGrpSpPr/>
-        <p:nvPr/>
-      </p:nvGrpSpPr>
-      <p:grpSpPr>
-        <a:xfrm>
-          <a:off x="0" y="0"/>
-          <a:ext cx="0" cy="0"/>
-          <a:chOff x="0" y="0"/>
-          <a:chExt cx="0" cy="0"/>
-        </a:xfrm>
-      </p:grpSpPr>
-      <p:sp>
-        <p:nvSpPr>
-          <p:cNvPr id="2" name="标题 1"/>
-          <p:cNvSpPr>
-            <a:spLocks noGrp="1"/>
-          </p:cNvSpPr>
-          <p:nvPr>
-            <p:ph type="title"/>
-          </p:nvPr>
-        </p:nvSpPr>
-        <p:spPr/>
-        <p:txBody>
-          <a:bodyPr/>
-          <a:lstStyle/>
-          <a:p>
-            <a:r>
-              <a:rPr lang="en-US" altLang="zh-CN" dirty="0">
-                <a:latin typeface="Microsoft YaHei UI" panose="020B0503020204020204" pitchFamily="34" charset="-122"/>
-                <a:ea typeface="Microsoft YaHei UI" panose="020B0503020204020204" pitchFamily="34" charset="-122"/>
-              </a:rPr>
-              <a:t>8. ajax</a:t>
-            </a:r>
-            <a:r>
-              <a:rPr lang="zh-CN" altLang="en-US" dirty="0">
-                <a:latin typeface="Microsoft YaHei UI" panose="020B0503020204020204" pitchFamily="34" charset="-122"/>
-                <a:ea typeface="Microsoft YaHei UI" panose="020B0503020204020204" pitchFamily="34" charset="-122"/>
-              </a:rPr>
-              <a:t>与</a:t>
-            </a:r>
-            <a:r>
-              <a:rPr lang="en-US" altLang="zh-CN" dirty="0"/>
-              <a:t>http</a:t>
-            </a:r>
-            <a:endParaRPr lang="zh-CN" dirty="0">
-              <a:latin typeface="Microsoft YaHei UI" panose="020B0503020204020204" pitchFamily="34" charset="-122"/>
-              <a:ea typeface="Microsoft YaHei UI" panose="020B0503020204020204" pitchFamily="34" charset="-122"/>
-            </a:endParaRPr>
-          </a:p>
-        </p:txBody>
-      </p:sp>
-      <p:sp>
-        <p:nvSpPr>
-          <p:cNvPr id="5" name="矩形 4"/>
-          <p:cNvSpPr/>
-          <p:nvPr/>
-        </p:nvSpPr>
-        <p:spPr>
-          <a:xfrm>
-            <a:off x="1749502" y="2363685"/>
-            <a:ext cx="1313410" cy="756457"/>
-          </a:xfrm>
-          <a:prstGeom prst="rect">
-            <a:avLst/>
-          </a:prstGeom>
-        </p:spPr>
-        <p:style>
-          <a:lnRef idx="2">
-            <a:schemeClr val="accent1">
-              <a:shade val="50000"/>
-            </a:schemeClr>
-          </a:lnRef>
-          <a:fillRef idx="1">
-            <a:schemeClr val="accent1"/>
-          </a:fillRef>
-          <a:effectRef idx="0">
-            <a:schemeClr val="accent1"/>
-          </a:effectRef>
-          <a:fontRef idx="minor">
-            <a:schemeClr val="lt1"/>
-          </a:fontRef>
-        </p:style>
-        <p:txBody>
-          <a:bodyPr rtlCol="0" anchor="ctr"/>
-          <a:lstStyle/>
-          <a:p>
-            <a:pPr algn="ctr"/>
-            <a:r>
-              <a:rPr lang="en-US" altLang="zh-CN" dirty="0"/>
-              <a:t>Ajax</a:t>
-            </a:r>
-            <a:r>
-              <a:rPr lang="zh-CN" altLang="en-US" dirty="0"/>
-              <a:t>请求</a:t>
-            </a:r>
-            <a:endParaRPr lang="en-US" altLang="zh-CN" dirty="0"/>
-          </a:p>
-        </p:txBody>
-      </p:sp>
-      <p:sp>
-        <p:nvSpPr>
-          <p:cNvPr id="9" name="箭头: 右 8"/>
-          <p:cNvSpPr/>
-          <p:nvPr/>
-        </p:nvSpPr>
-        <p:spPr>
-          <a:xfrm>
-            <a:off x="3062912" y="2571191"/>
-            <a:ext cx="7784829" cy="309405"/>
-          </a:xfrm>
-          <a:prstGeom prst="rightArrow">
-            <a:avLst/>
-          </a:prstGeom>
-        </p:spPr>
-        <p:style>
-          <a:lnRef idx="2">
-            <a:schemeClr val="accent1">
-              <a:shade val="50000"/>
-            </a:schemeClr>
-          </a:lnRef>
-          <a:fillRef idx="1">
-            <a:schemeClr val="accent1"/>
-          </a:fillRef>
-          <a:effectRef idx="0">
-            <a:schemeClr val="accent1"/>
-          </a:effectRef>
-          <a:fontRef idx="minor">
-            <a:schemeClr val="lt1"/>
-          </a:fontRef>
-        </p:style>
-        <p:txBody>
-          <a:bodyPr rtlCol="0" anchor="ctr"/>
-          <a:lstStyle/>
-          <a:p>
-            <a:pPr algn="ctr"/>
-            <a:endParaRPr lang="zh-CN" altLang="en-US"/>
-          </a:p>
-        </p:txBody>
-      </p:sp>
-      <p:sp>
-        <p:nvSpPr>
-          <p:cNvPr id="10" name="文本框 9"/>
-          <p:cNvSpPr txBox="1"/>
-          <p:nvPr/>
-        </p:nvSpPr>
-        <p:spPr>
-          <a:xfrm>
-            <a:off x="3253412" y="2849745"/>
-            <a:ext cx="2297424" cy="369332"/>
-          </a:xfrm>
-          <a:prstGeom prst="rect">
-            <a:avLst/>
-          </a:prstGeom>
-          <a:noFill/>
-        </p:spPr>
-        <p:txBody>
-          <a:bodyPr wrap="none" rtlCol="0">
-            <a:spAutoFit/>
-          </a:bodyPr>
-          <a:lstStyle/>
-          <a:p>
-            <a:r>
-              <a:rPr lang="zh-CN" altLang="en-US" dirty="0"/>
-              <a:t>发送</a:t>
-            </a:r>
-            <a:r>
-              <a:rPr lang="en-US" altLang="zh-CN" dirty="0"/>
-              <a:t>http </a:t>
-            </a:r>
-            <a:r>
-              <a:rPr lang="en-US" altLang="zh-CN" dirty="0" err="1"/>
-              <a:t>Rquest</a:t>
-            </a:r>
-            <a:r>
-              <a:rPr lang="zh-CN" altLang="en-US" dirty="0"/>
-              <a:t>报文</a:t>
-            </a:r>
-          </a:p>
-        </p:txBody>
-      </p:sp>
-      <p:sp>
-        <p:nvSpPr>
-          <p:cNvPr id="11" name="椭圆 10"/>
-          <p:cNvSpPr/>
-          <p:nvPr/>
-        </p:nvSpPr>
-        <p:spPr>
-          <a:xfrm>
-            <a:off x="287679" y="2167491"/>
-            <a:ext cx="937859" cy="3483435"/>
-          </a:xfrm>
-          <a:prstGeom prst="ellipse">
-            <a:avLst/>
-          </a:prstGeom>
-        </p:spPr>
-        <p:style>
-          <a:lnRef idx="2">
-            <a:schemeClr val="accent1">
-              <a:shade val="50000"/>
-            </a:schemeClr>
-          </a:lnRef>
-          <a:fillRef idx="1">
-            <a:schemeClr val="accent1"/>
-          </a:fillRef>
-          <a:effectRef idx="0">
-            <a:schemeClr val="accent1"/>
-          </a:effectRef>
-          <a:fontRef idx="minor">
-            <a:schemeClr val="lt1"/>
-          </a:fontRef>
-        </p:style>
-        <p:txBody>
-          <a:bodyPr rtlCol="0" anchor="ctr"/>
-          <a:lstStyle/>
-          <a:p>
-            <a:pPr algn="ctr"/>
-            <a:r>
-              <a:rPr lang="en-US" altLang="zh-CN" dirty="0"/>
-              <a:t>C</a:t>
-            </a:r>
-            <a:r>
-              <a:rPr lang="zh-CN" altLang="en-US" dirty="0"/>
-              <a:t>端 </a:t>
-            </a:r>
-            <a:endParaRPr lang="en-US" altLang="zh-CN" dirty="0"/>
-          </a:p>
-        </p:txBody>
-      </p:sp>
-      <p:sp>
-        <p:nvSpPr>
-          <p:cNvPr id="12" name="箭头: 右 11"/>
-          <p:cNvSpPr/>
-          <p:nvPr/>
-        </p:nvSpPr>
-        <p:spPr>
-          <a:xfrm>
-            <a:off x="1141658" y="2571317"/>
-            <a:ext cx="607845" cy="341191"/>
-          </a:xfrm>
-          <a:prstGeom prst="rightArrow">
-            <a:avLst/>
-          </a:prstGeom>
-        </p:spPr>
-        <p:style>
-          <a:lnRef idx="2">
-            <a:schemeClr val="accent1">
-              <a:shade val="50000"/>
-            </a:schemeClr>
-          </a:lnRef>
-          <a:fillRef idx="1">
-            <a:schemeClr val="accent1"/>
-          </a:fillRef>
-          <a:effectRef idx="0">
-            <a:schemeClr val="accent1"/>
-          </a:effectRef>
-          <a:fontRef idx="minor">
-            <a:schemeClr val="lt1"/>
-          </a:fontRef>
-        </p:style>
-        <p:txBody>
-          <a:bodyPr rtlCol="0" anchor="ctr"/>
-          <a:lstStyle/>
-          <a:p>
-            <a:pPr algn="ctr"/>
-            <a:endParaRPr lang="zh-CN" altLang="en-US"/>
-          </a:p>
-        </p:txBody>
-      </p:sp>
-      <p:sp>
-        <p:nvSpPr>
-          <p:cNvPr id="13" name="流程图: 数据 12"/>
-          <p:cNvSpPr/>
-          <p:nvPr/>
-        </p:nvSpPr>
-        <p:spPr>
-          <a:xfrm>
-            <a:off x="2270787" y="3235833"/>
-            <a:ext cx="2495993" cy="913557"/>
-          </a:xfrm>
-          <a:prstGeom prst="flowChartInputOutput">
-            <a:avLst/>
-          </a:prstGeom>
-          <a:noFill/>
-        </p:spPr>
-        <p:style>
-          <a:lnRef idx="2">
-            <a:schemeClr val="accent1">
-              <a:shade val="50000"/>
-            </a:schemeClr>
-          </a:lnRef>
-          <a:fillRef idx="1">
-            <a:schemeClr val="accent1"/>
-          </a:fillRef>
-          <a:effectRef idx="0">
-            <a:schemeClr val="accent1"/>
-          </a:effectRef>
-          <a:fontRef idx="minor">
-            <a:schemeClr val="lt1"/>
-          </a:fontRef>
-        </p:style>
-        <p:txBody>
-          <a:bodyPr rtlCol="0" anchor="ctr"/>
-          <a:lstStyle/>
-          <a:p>
-            <a:r>
-              <a:rPr lang="en-US" altLang="zh-CN" sz="1200" dirty="0">
-                <a:solidFill>
-                  <a:schemeClr val="accent1">
-                    <a:lumMod val="50000"/>
-                  </a:schemeClr>
-                </a:solidFill>
-              </a:rPr>
-              <a:t>1. Request URL :</a:t>
-            </a:r>
-          </a:p>
-          <a:p>
-            <a:r>
-              <a:rPr lang="en-US" altLang="zh-CN" sz="1200" dirty="0">
-                <a:solidFill>
-                  <a:schemeClr val="accent1">
-                    <a:lumMod val="50000"/>
-                  </a:schemeClr>
-                </a:solidFill>
-              </a:rPr>
-              <a:t>2. Request Headers:</a:t>
-            </a:r>
-          </a:p>
-          <a:p>
-            <a:r>
-              <a:rPr lang="en-US" altLang="zh-CN" sz="1200" dirty="0">
-                <a:solidFill>
-                  <a:schemeClr val="accent1">
-                    <a:lumMod val="50000"/>
-                  </a:schemeClr>
-                </a:solidFill>
-              </a:rPr>
-              <a:t>3. Form Data:</a:t>
-            </a:r>
-          </a:p>
-        </p:txBody>
-      </p:sp>
-      <p:sp>
-        <p:nvSpPr>
-          <p:cNvPr id="16" name="椭圆 15"/>
-          <p:cNvSpPr/>
-          <p:nvPr/>
-        </p:nvSpPr>
-        <p:spPr>
-          <a:xfrm>
-            <a:off x="10847741" y="2281218"/>
-            <a:ext cx="937859" cy="3255982"/>
-          </a:xfrm>
-          <a:prstGeom prst="ellipse">
-            <a:avLst/>
-          </a:prstGeom>
-        </p:spPr>
-        <p:style>
-          <a:lnRef idx="2">
-            <a:schemeClr val="accent1">
-              <a:shade val="50000"/>
-            </a:schemeClr>
-          </a:lnRef>
-          <a:fillRef idx="1">
-            <a:schemeClr val="accent1"/>
-          </a:fillRef>
-          <a:effectRef idx="0">
-            <a:schemeClr val="accent1"/>
-          </a:effectRef>
-          <a:fontRef idx="minor">
-            <a:schemeClr val="lt1"/>
-          </a:fontRef>
-        </p:style>
-        <p:txBody>
-          <a:bodyPr rtlCol="0" anchor="ctr"/>
-          <a:lstStyle/>
-          <a:p>
-            <a:pPr algn="ctr"/>
-            <a:r>
-              <a:rPr lang="en-US" altLang="zh-CN" dirty="0"/>
-              <a:t>S</a:t>
-            </a:r>
-            <a:r>
-              <a:rPr lang="zh-CN" altLang="en-US" dirty="0"/>
-              <a:t>端</a:t>
-            </a:r>
-          </a:p>
-        </p:txBody>
-      </p:sp>
-      <p:sp>
-        <p:nvSpPr>
-          <p:cNvPr id="17" name="箭头: 右 16"/>
-          <p:cNvSpPr/>
-          <p:nvPr/>
-        </p:nvSpPr>
-        <p:spPr>
-          <a:xfrm rot="10800000">
-            <a:off x="3062913" y="5020678"/>
-            <a:ext cx="7784828" cy="309405"/>
-          </a:xfrm>
-          <a:prstGeom prst="rightArrow">
-            <a:avLst/>
-          </a:prstGeom>
-        </p:spPr>
-        <p:style>
-          <a:lnRef idx="2">
-            <a:schemeClr val="accent1">
-              <a:shade val="50000"/>
-            </a:schemeClr>
-          </a:lnRef>
-          <a:fillRef idx="1">
-            <a:schemeClr val="accent1"/>
-          </a:fillRef>
-          <a:effectRef idx="0">
-            <a:schemeClr val="accent1"/>
-          </a:effectRef>
-          <a:fontRef idx="minor">
-            <a:schemeClr val="lt1"/>
-          </a:fontRef>
-        </p:style>
-        <p:txBody>
-          <a:bodyPr rtlCol="0" anchor="ctr"/>
-          <a:lstStyle/>
-          <a:p>
-            <a:pPr algn="ctr"/>
-            <a:endParaRPr lang="zh-CN" altLang="en-US"/>
-          </a:p>
-        </p:txBody>
-      </p:sp>
-      <p:sp>
-        <p:nvSpPr>
-          <p:cNvPr id="18" name="文本框 17"/>
-          <p:cNvSpPr txBox="1"/>
-          <p:nvPr/>
-        </p:nvSpPr>
-        <p:spPr>
-          <a:xfrm>
-            <a:off x="7655605" y="4684274"/>
-            <a:ext cx="2541080" cy="369332"/>
-          </a:xfrm>
-          <a:prstGeom prst="rect">
-            <a:avLst/>
-          </a:prstGeom>
-          <a:noFill/>
-        </p:spPr>
-        <p:txBody>
-          <a:bodyPr wrap="none" rtlCol="0">
-            <a:spAutoFit/>
-          </a:bodyPr>
-          <a:lstStyle/>
-          <a:p>
-            <a:r>
-              <a:rPr lang="zh-CN" altLang="en-US" dirty="0"/>
-              <a:t>返回一个</a:t>
-            </a:r>
-            <a:r>
-              <a:rPr lang="en-US" altLang="zh-CN" dirty="0"/>
-              <a:t>Response</a:t>
-            </a:r>
-            <a:r>
-              <a:rPr lang="zh-CN" altLang="en-US" dirty="0"/>
-              <a:t>报文</a:t>
-            </a:r>
-          </a:p>
-        </p:txBody>
-      </p:sp>
-      <p:sp>
-        <p:nvSpPr>
-          <p:cNvPr id="19" name="流程图: 数据 18"/>
-          <p:cNvSpPr/>
-          <p:nvPr/>
-        </p:nvSpPr>
-        <p:spPr>
-          <a:xfrm>
-            <a:off x="7924619" y="2975492"/>
-            <a:ext cx="2654481" cy="1647140"/>
-          </a:xfrm>
-          <a:prstGeom prst="flowChartInputOutput">
-            <a:avLst/>
-          </a:prstGeom>
-          <a:noFill/>
-        </p:spPr>
-        <p:style>
-          <a:lnRef idx="2">
-            <a:schemeClr val="accent1">
-              <a:shade val="50000"/>
-            </a:schemeClr>
-          </a:lnRef>
-          <a:fillRef idx="1">
-            <a:schemeClr val="accent1"/>
-          </a:fillRef>
-          <a:effectRef idx="0">
-            <a:schemeClr val="accent1"/>
-          </a:effectRef>
-          <a:fontRef idx="minor">
-            <a:schemeClr val="lt1"/>
-          </a:fontRef>
-        </p:style>
-        <p:txBody>
-          <a:bodyPr rtlCol="0" anchor="ctr"/>
-          <a:lstStyle/>
-          <a:p>
-            <a:r>
-              <a:rPr lang="en-US" altLang="zh-CN" sz="1200" dirty="0">
-                <a:solidFill>
-                  <a:schemeClr val="accent1">
-                    <a:lumMod val="50000"/>
-                  </a:schemeClr>
-                </a:solidFill>
-              </a:rPr>
-              <a:t>1. General</a:t>
-            </a:r>
-          </a:p>
-          <a:p>
-            <a:r>
-              <a:rPr lang="en-US" altLang="zh-CN" sz="1200" dirty="0">
-                <a:solidFill>
-                  <a:schemeClr val="accent1">
-                    <a:lumMod val="50000"/>
-                  </a:schemeClr>
-                </a:solidFill>
-              </a:rPr>
-              <a:t>Request URL:</a:t>
-            </a:r>
-          </a:p>
-          <a:p>
-            <a:r>
-              <a:rPr lang="en-US" altLang="zh-CN" sz="1200" dirty="0">
-                <a:solidFill>
-                  <a:schemeClr val="accent1">
-                    <a:lumMod val="50000"/>
-                  </a:schemeClr>
-                </a:solidFill>
-              </a:rPr>
-              <a:t>Request Method:</a:t>
-            </a:r>
-          </a:p>
-          <a:p>
-            <a:r>
-              <a:rPr lang="en-US" altLang="zh-CN" sz="1200" dirty="0">
-                <a:solidFill>
-                  <a:schemeClr val="accent1">
-                    <a:lumMod val="50000"/>
-                  </a:schemeClr>
-                </a:solidFill>
-              </a:rPr>
-              <a:t>Status Code:</a:t>
-            </a:r>
-          </a:p>
-          <a:p>
-            <a:r>
-              <a:rPr lang="en-US" altLang="zh-CN" sz="1200" dirty="0">
-                <a:solidFill>
-                  <a:schemeClr val="accent1">
-                    <a:lumMod val="50000"/>
-                  </a:schemeClr>
-                </a:solidFill>
-              </a:rPr>
-              <a:t>Remote Address:</a:t>
-            </a:r>
-          </a:p>
-          <a:p>
-            <a:endParaRPr lang="en-US" altLang="zh-CN" sz="1200" dirty="0">
-              <a:solidFill>
-                <a:schemeClr val="accent1">
-                  <a:lumMod val="50000"/>
-                </a:schemeClr>
-              </a:solidFill>
-            </a:endParaRPr>
-          </a:p>
-          <a:p>
-            <a:r>
-              <a:rPr lang="en-US" altLang="zh-CN" sz="1200" dirty="0">
-                <a:solidFill>
-                  <a:schemeClr val="accent1">
-                    <a:lumMod val="50000"/>
-                  </a:schemeClr>
-                </a:solidFill>
-              </a:rPr>
-              <a:t>2. Response Headers</a:t>
-            </a:r>
-          </a:p>
-          <a:p>
-            <a:r>
-              <a:rPr lang="en-US" altLang="zh-CN" sz="1200" dirty="0">
-                <a:solidFill>
-                  <a:schemeClr val="accent1">
-                    <a:lumMod val="50000"/>
-                  </a:schemeClr>
-                </a:solidFill>
-              </a:rPr>
-              <a:t>3. Request Headers</a:t>
-            </a:r>
-          </a:p>
-          <a:p>
-            <a:r>
-              <a:rPr lang="en-US" altLang="zh-CN" sz="1200" dirty="0">
-                <a:solidFill>
-                  <a:schemeClr val="accent1">
-                    <a:lumMod val="50000"/>
-                  </a:schemeClr>
-                </a:solidFill>
-              </a:rPr>
-              <a:t>4. Form Data</a:t>
-            </a:r>
-          </a:p>
-        </p:txBody>
-      </p:sp>
-      <p:sp>
-        <p:nvSpPr>
-          <p:cNvPr id="20" name="箭头: 直角上 19"/>
-          <p:cNvSpPr/>
-          <p:nvPr/>
-        </p:nvSpPr>
-        <p:spPr>
-          <a:xfrm>
-            <a:off x="4622766" y="2838978"/>
-            <a:ext cx="1397000" cy="826110"/>
-          </a:xfrm>
-          <a:prstGeom prst="bentUpArrow">
-            <a:avLst>
-              <a:gd name="adj1" fmla="val 6552"/>
-              <a:gd name="adj2" fmla="val 9627"/>
-              <a:gd name="adj3" fmla="val 11164"/>
-            </a:avLst>
-          </a:prstGeom>
-          <a:noFill/>
-          <a:ln>
-            <a:solidFill>
-              <a:schemeClr val="bg1">
-                <a:lumMod val="75000"/>
-              </a:schemeClr>
-            </a:solidFill>
-          </a:ln>
-        </p:spPr>
-        <p:style>
-          <a:lnRef idx="2">
-            <a:schemeClr val="accent1">
-              <a:shade val="50000"/>
-            </a:schemeClr>
-          </a:lnRef>
-          <a:fillRef idx="1">
-            <a:schemeClr val="accent1"/>
-          </a:fillRef>
-          <a:effectRef idx="0">
-            <a:schemeClr val="accent1"/>
-          </a:effectRef>
-          <a:fontRef idx="minor">
-            <a:schemeClr val="lt1"/>
-          </a:fontRef>
-        </p:style>
-        <p:txBody>
-          <a:bodyPr rtlCol="0" anchor="ctr"/>
-          <a:lstStyle/>
-          <a:p>
-            <a:pPr algn="ctr"/>
-            <a:endParaRPr lang="zh-CN" altLang="en-US"/>
-          </a:p>
-        </p:txBody>
-      </p:sp>
-      <p:sp>
-        <p:nvSpPr>
-          <p:cNvPr id="21" name="箭头: 直角上 20"/>
-          <p:cNvSpPr/>
-          <p:nvPr/>
-        </p:nvSpPr>
-        <p:spPr>
-          <a:xfrm rot="10800000">
-            <a:off x="6577768" y="4236186"/>
-            <a:ext cx="1397000" cy="826110"/>
-          </a:xfrm>
-          <a:prstGeom prst="bentUpArrow">
-            <a:avLst>
-              <a:gd name="adj1" fmla="val 6552"/>
-              <a:gd name="adj2" fmla="val 9627"/>
-              <a:gd name="adj3" fmla="val 11164"/>
-            </a:avLst>
-          </a:prstGeom>
-          <a:noFill/>
-          <a:ln>
-            <a:solidFill>
-              <a:schemeClr val="bg1">
-                <a:lumMod val="75000"/>
-              </a:schemeClr>
-            </a:solidFill>
-          </a:ln>
-        </p:spPr>
-        <p:style>
-          <a:lnRef idx="2">
-            <a:schemeClr val="accent1">
-              <a:shade val="50000"/>
-            </a:schemeClr>
-          </a:lnRef>
-          <a:fillRef idx="1">
-            <a:schemeClr val="accent1"/>
-          </a:fillRef>
-          <a:effectRef idx="0">
-            <a:schemeClr val="accent1"/>
-          </a:effectRef>
-          <a:fontRef idx="minor">
-            <a:schemeClr val="lt1"/>
-          </a:fontRef>
-        </p:style>
-        <p:txBody>
-          <a:bodyPr rtlCol="0" anchor="ctr"/>
-          <a:lstStyle/>
-          <a:p>
-            <a:pPr algn="ctr"/>
-            <a:endParaRPr lang="zh-CN" altLang="en-US"/>
-          </a:p>
-        </p:txBody>
-      </p:sp>
-      <p:sp>
-        <p:nvSpPr>
-          <p:cNvPr id="22" name="矩形 21"/>
-          <p:cNvSpPr/>
-          <p:nvPr/>
-        </p:nvSpPr>
-        <p:spPr>
-          <a:xfrm>
-            <a:off x="1749502" y="4774370"/>
-            <a:ext cx="1313410" cy="756457"/>
-          </a:xfrm>
-          <a:prstGeom prst="rect">
-            <a:avLst/>
-          </a:prstGeom>
-        </p:spPr>
-        <p:style>
-          <a:lnRef idx="2">
-            <a:schemeClr val="accent1">
-              <a:shade val="50000"/>
-            </a:schemeClr>
-          </a:lnRef>
-          <a:fillRef idx="1">
-            <a:schemeClr val="accent1"/>
-          </a:fillRef>
-          <a:effectRef idx="0">
-            <a:schemeClr val="accent1"/>
-          </a:effectRef>
-          <a:fontRef idx="minor">
-            <a:schemeClr val="lt1"/>
-          </a:fontRef>
-        </p:style>
-        <p:txBody>
-          <a:bodyPr rtlCol="0" anchor="ctr"/>
-          <a:lstStyle/>
-          <a:p>
-            <a:pPr algn="ctr"/>
-            <a:r>
-              <a:rPr lang="en-US" altLang="zh-CN" dirty="0"/>
-              <a:t>Ajax</a:t>
-            </a:r>
-            <a:r>
-              <a:rPr lang="zh-CN" altLang="en-US" dirty="0"/>
-              <a:t>回调</a:t>
-            </a:r>
-            <a:endParaRPr lang="en-US" altLang="zh-CN" dirty="0"/>
-          </a:p>
-        </p:txBody>
-      </p:sp>
-      <p:sp>
-        <p:nvSpPr>
-          <p:cNvPr id="23" name="箭头: 右 22"/>
-          <p:cNvSpPr/>
-          <p:nvPr/>
-        </p:nvSpPr>
-        <p:spPr>
-          <a:xfrm rot="10800000">
-            <a:off x="1141658" y="4969779"/>
-            <a:ext cx="607845" cy="341191"/>
-          </a:xfrm>
-          <a:prstGeom prst="rightArrow">
-            <a:avLst/>
-          </a:prstGeom>
-        </p:spPr>
-        <p:style>
-          <a:lnRef idx="2">
-            <a:schemeClr val="accent1">
-              <a:shade val="50000"/>
-            </a:schemeClr>
-          </a:lnRef>
-          <a:fillRef idx="1">
-            <a:schemeClr val="accent1"/>
-          </a:fillRef>
-          <a:effectRef idx="0">
-            <a:schemeClr val="accent1"/>
-          </a:effectRef>
-          <a:fontRef idx="minor">
-            <a:schemeClr val="lt1"/>
-          </a:fontRef>
-        </p:style>
-        <p:txBody>
-          <a:bodyPr rtlCol="0" anchor="ctr"/>
-          <a:lstStyle/>
-          <a:p>
-            <a:pPr algn="ctr"/>
-            <a:endParaRPr lang="zh-CN" altLang="en-US"/>
-          </a:p>
-        </p:txBody>
-      </p:sp>
-    </p:spTree>
-    <p:extLst>
-      <p:ext uri="{BB962C8B-B14F-4D97-AF65-F5344CB8AC3E}">
-        <p14:creationId xmlns:p14="http://schemas.microsoft.com/office/powerpoint/2010/main" val="1243468742"/>
-      </p:ext>
-    </p:extLst>
-  </p:cSld>
-  <p:clrMapOvr>
-    <a:masterClrMapping/>
-  </p:clrMapOvr>
-  <mc:AlternateContent xmlns:mc="http://schemas.openxmlformats.org/markup-compatibility/2006" xmlns:p14="http://schemas.microsoft.com/office/powerpoint/2010/main">
-    <mc:Choice Requires="p14">
-      <p:transition spd="med" p14:dur="700">
-        <p:fade/>
-      </p:transition>
-    </mc:Choice>
-    <mc:Fallback xmlns="">
-      <p:transition spd="med">
-        <p:fade/>
-      </p:transition>
-    </mc:Fallback>
-  </mc:AlternateContent>
-</p:sld>
-</file>
-
-<file path=ppt/slides/slide28.xml><?xml version="1.0" encoding="utf-8"?>
-<p:sld xmlns:a="http://schemas.openxmlformats.org/drawingml/2006/main" xmlns:r="http://schemas.openxmlformats.org/officeDocument/2006/relationships" xmlns:p="http://schemas.openxmlformats.org/presentationml/2006/main">
-  <p:cSld>
-    <p:spTree>
-      <p:nvGrpSpPr>
-        <p:cNvPr id="1" name=""/>
-        <p:cNvGrpSpPr/>
-        <p:nvPr/>
-      </p:nvGrpSpPr>
-      <p:grpSpPr>
-        <a:xfrm>
-          <a:off x="0" y="0"/>
-          <a:ext cx="0" cy="0"/>
-          <a:chOff x="0" y="0"/>
-          <a:chExt cx="0" cy="0"/>
-        </a:xfrm>
-      </p:grpSpPr>
-      <p:sp>
-        <p:nvSpPr>
-          <p:cNvPr id="2" name="标题 1"/>
-          <p:cNvSpPr>
-            <a:spLocks noGrp="1"/>
-          </p:cNvSpPr>
-          <p:nvPr>
-            <p:ph type="title"/>
-          </p:nvPr>
-        </p:nvSpPr>
-        <p:spPr>
-          <a:xfrm>
-            <a:off x="1075264" y="1066799"/>
-            <a:ext cx="8046720" cy="3318933"/>
-          </a:xfrm>
-        </p:spPr>
-        <p:txBody>
-          <a:bodyPr>
-            <a:normAutofit/>
-          </a:bodyPr>
-          <a:lstStyle/>
-          <a:p>
-            <a:r>
-              <a:rPr lang="zh-CN" altLang="en-US" sz="2800" dirty="0">
-                <a:latin typeface="Microsoft YaHei UI" panose="020B0503020204020204" pitchFamily="34" charset="-122"/>
-                <a:ea typeface="Microsoft YaHei UI" panose="020B0503020204020204" pitchFamily="34" charset="-122"/>
-              </a:rPr>
-              <a:t>综合练习：</a:t>
-            </a:r>
-            <a:r>
-              <a:rPr lang="en-US" altLang="zh-CN" sz="2800" dirty="0">
-                <a:latin typeface="Microsoft YaHei UI" panose="020B0503020204020204" pitchFamily="34" charset="-122"/>
-                <a:ea typeface="Microsoft YaHei UI" panose="020B0503020204020204" pitchFamily="34" charset="-122"/>
-              </a:rPr>
-              <a:t/>
-            </a:r>
-            <a:br>
-              <a:rPr lang="en-US" altLang="zh-CN" sz="2800" dirty="0">
-                <a:latin typeface="Microsoft YaHei UI" panose="020B0503020204020204" pitchFamily="34" charset="-122"/>
-                <a:ea typeface="Microsoft YaHei UI" panose="020B0503020204020204" pitchFamily="34" charset="-122"/>
-              </a:rPr>
-            </a:br>
-            <a:r>
-              <a:rPr lang="en-US" altLang="zh-CN" sz="2800" dirty="0">
-                <a:latin typeface="Microsoft YaHei UI" panose="020B0503020204020204" pitchFamily="34" charset="-122"/>
-                <a:ea typeface="Microsoft YaHei UI" panose="020B0503020204020204" pitchFamily="34" charset="-122"/>
-              </a:rPr>
-              <a:t/>
-            </a:r>
-            <a:br>
-              <a:rPr lang="en-US" altLang="zh-CN" sz="2800" dirty="0">
-                <a:latin typeface="Microsoft YaHei UI" panose="020B0503020204020204" pitchFamily="34" charset="-122"/>
-                <a:ea typeface="Microsoft YaHei UI" panose="020B0503020204020204" pitchFamily="34" charset="-122"/>
-              </a:rPr>
-            </a:br>
-            <a:r>
-              <a:rPr lang="en-US" altLang="zh-CN" sz="2800" dirty="0">
-                <a:latin typeface="Microsoft YaHei UI" panose="020B0503020204020204" pitchFamily="34" charset="-122"/>
-                <a:ea typeface="Microsoft YaHei UI" panose="020B0503020204020204" pitchFamily="34" charset="-122"/>
-              </a:rPr>
-              <a:t>1. </a:t>
-            </a:r>
-            <a:r>
-              <a:rPr lang="zh-CN" altLang="en-US" sz="2800" dirty="0">
-                <a:latin typeface="Microsoft YaHei UI" panose="020B0503020204020204" pitchFamily="34" charset="-122"/>
-                <a:ea typeface="Microsoft YaHei UI" panose="020B0503020204020204" pitchFamily="34" charset="-122"/>
-              </a:rPr>
-              <a:t>表单验证</a:t>
-            </a:r>
-            <a:r>
-              <a:rPr lang="en-US" altLang="zh-CN" sz="2800" dirty="0">
-                <a:latin typeface="Microsoft YaHei UI" panose="020B0503020204020204" pitchFamily="34" charset="-122"/>
-                <a:ea typeface="Microsoft YaHei UI" panose="020B0503020204020204" pitchFamily="34" charset="-122"/>
-              </a:rPr>
-              <a:t/>
-            </a:r>
-            <a:br>
-              <a:rPr lang="en-US" altLang="zh-CN" sz="2800" dirty="0">
-                <a:latin typeface="Microsoft YaHei UI" panose="020B0503020204020204" pitchFamily="34" charset="-122"/>
-                <a:ea typeface="Microsoft YaHei UI" panose="020B0503020204020204" pitchFamily="34" charset="-122"/>
-              </a:rPr>
-            </a:br>
-            <a:r>
-              <a:rPr lang="en-US" altLang="zh-CN" sz="2800" dirty="0">
-                <a:latin typeface="Microsoft YaHei UI" panose="020B0503020204020204" pitchFamily="34" charset="-122"/>
-                <a:ea typeface="Microsoft YaHei UI" panose="020B0503020204020204" pitchFamily="34" charset="-122"/>
-              </a:rPr>
-              <a:t>2. </a:t>
-            </a:r>
-            <a:r>
-              <a:rPr lang="zh-CN" altLang="en-US" sz="2800" dirty="0"/>
-              <a:t>可编辑表单</a:t>
-            </a:r>
-            <a:r>
-              <a:rPr lang="en-US" altLang="zh-CN" sz="2800" dirty="0"/>
-              <a:t/>
-            </a:r>
-            <a:br>
-              <a:rPr lang="en-US" altLang="zh-CN" sz="2800" dirty="0"/>
-            </a:br>
-            <a:r>
-              <a:rPr lang="en-US" altLang="zh-CN" sz="2800" dirty="0"/>
-              <a:t>3. </a:t>
-            </a:r>
-            <a:r>
-              <a:rPr lang="zh-CN" altLang="en-US" sz="2800" dirty="0"/>
-              <a:t>右键菜单</a:t>
-            </a:r>
-            <a:r>
-              <a:rPr lang="en-US" altLang="zh-CN" sz="2800" dirty="0"/>
-              <a:t/>
-            </a:r>
-            <a:br>
-              <a:rPr lang="en-US" altLang="zh-CN" sz="2800" dirty="0"/>
-            </a:br>
-            <a:r>
-              <a:rPr lang="en-US" altLang="zh-CN" sz="2800" dirty="0"/>
-              <a:t>4. </a:t>
-            </a:r>
-            <a:r>
-              <a:rPr lang="zh-CN" altLang="en-US" sz="2800" dirty="0"/>
-              <a:t>伸缩菜单</a:t>
-            </a:r>
-            <a:r>
-              <a:rPr lang="en-US" altLang="zh-CN" sz="2800" dirty="0">
-                <a:latin typeface="Microsoft YaHei UI" panose="020B0503020204020204" pitchFamily="34" charset="-122"/>
-                <a:ea typeface="Microsoft YaHei UI" panose="020B0503020204020204" pitchFamily="34" charset="-122"/>
-              </a:rPr>
-              <a:t/>
-            </a:r>
-            <a:br>
-              <a:rPr lang="en-US" altLang="zh-CN" sz="2800" dirty="0">
-                <a:latin typeface="Microsoft YaHei UI" panose="020B0503020204020204" pitchFamily="34" charset="-122"/>
-                <a:ea typeface="Microsoft YaHei UI" panose="020B0503020204020204" pitchFamily="34" charset="-122"/>
-              </a:rPr>
-            </a:br>
-            <a:endParaRPr lang="en-US" sz="2800" dirty="0">
-              <a:latin typeface="Microsoft YaHei UI" panose="020B0503020204020204" pitchFamily="34" charset="-122"/>
-              <a:ea typeface="Microsoft YaHei UI" panose="020B0503020204020204" pitchFamily="34" charset="-122"/>
-            </a:endParaRPr>
-          </a:p>
-        </p:txBody>
-      </p:sp>
-    </p:spTree>
-    <p:extLst>
-      <p:ext uri="{BB962C8B-B14F-4D97-AF65-F5344CB8AC3E}">
-        <p14:creationId xmlns:p14="http://schemas.microsoft.com/office/powerpoint/2010/main" val="3374778722"/>
       </p:ext>
     </p:extLst>
   </p:cSld>

--- a/ppt/http.pptx
+++ b/ppt/http.pptx
@@ -5,10 +5,10 @@
     <p:sldMasterId id="2147483648" r:id="rId2"/>
   </p:sldMasterIdLst>
   <p:notesMasterIdLst>
-    <p:notesMasterId r:id="rId17"/>
+    <p:notesMasterId r:id="rId13"/>
   </p:notesMasterIdLst>
   <p:handoutMasterIdLst>
-    <p:handoutMasterId r:id="rId18"/>
+    <p:handoutMasterId r:id="rId14"/>
   </p:handoutMasterIdLst>
   <p:sldIdLst>
     <p:sldId id="257" r:id="rId3"/>
@@ -19,12 +19,8 @@
     <p:sldId id="287" r:id="rId8"/>
     <p:sldId id="293" r:id="rId9"/>
     <p:sldId id="270" r:id="rId10"/>
-    <p:sldId id="280" r:id="rId11"/>
-    <p:sldId id="279" r:id="rId12"/>
-    <p:sldId id="271" r:id="rId13"/>
-    <p:sldId id="281" r:id="rId14"/>
-    <p:sldId id="273" r:id="rId15"/>
-    <p:sldId id="263" r:id="rId16"/>
+    <p:sldId id="273" r:id="rId11"/>
+    <p:sldId id="263" r:id="rId12"/>
   </p:sldIdLst>
   <p:sldSz cx="12192000" cy="6858000"/>
   <p:notesSz cx="6858000" cy="9144000"/>
@@ -227,7 +223,7 @@
           <a:p>
             <a:fld id="{D63D5444-F62C-42C3-A75A-D9DBA807730F}" type="datetimeFigureOut">
               <a:rPr lang="en-US" altLang="zh-CN" smtClean="0"/>
-              <a:t>12/24/2016</a:t>
+              <a:t>12/25/2016</a:t>
             </a:fld>
             <a:endParaRPr lang="zh-CN"/>
           </a:p>
@@ -391,7 +387,7 @@
           </a:lstStyle>
           <a:p>
             <a:fld id="{12CAA1FA-7B6A-47D2-8D61-F225D71B51FF}" type="datetimeFigureOut">
-              <a:t>2016/12/24</a:t>
+              <a:t>2016/12/25</a:t>
             </a:fld>
             <a:endParaRPr lang="zh-CN"/>
           </a:p>
@@ -1229,7 +1225,7 @@
           <a:lstStyle/>
           <a:p>
             <a:fld id="{A79A3335-6331-4872-A8B7-ECD55539F4D0}" type="datetimeFigureOut">
-              <a:t>2016/12/24</a:t>
+              <a:t>2016/12/25</a:t>
             </a:fld>
             <a:endParaRPr lang="zh-CN"/>
           </a:p>
@@ -1486,7 +1482,7 @@
           <a:lstStyle/>
           <a:p>
             <a:fld id="{A79A3335-6331-4872-A8B7-ECD55539F4D0}" type="datetimeFigureOut">
-              <a:t>2016/12/24</a:t>
+              <a:t>2016/12/25</a:t>
             </a:fld>
             <a:endParaRPr lang="zh-CN"/>
           </a:p>
@@ -2012,7 +2008,7 @@
           <a:lstStyle/>
           <a:p>
             <a:fld id="{A79A3335-6331-4872-A8B7-ECD55539F4D0}" type="datetimeFigureOut">
-              <a:t>2016/12/24</a:t>
+              <a:t>2016/12/25</a:t>
             </a:fld>
             <a:endParaRPr lang="zh-CN"/>
           </a:p>
@@ -2342,7 +2338,7 @@
           <a:lstStyle/>
           <a:p>
             <a:fld id="{A79A3335-6331-4872-A8B7-ECD55539F4D0}" type="datetimeFigureOut">
-              <a:t>2016/12/24</a:t>
+              <a:t>2016/12/25</a:t>
             </a:fld>
             <a:endParaRPr lang="zh-CN"/>
           </a:p>
@@ -2522,7 +2518,7 @@
           <a:lstStyle/>
           <a:p>
             <a:fld id="{A79A3335-6331-4872-A8B7-ECD55539F4D0}" type="datetimeFigureOut">
-              <a:t>2016/12/24</a:t>
+              <a:t>2016/12/25</a:t>
             </a:fld>
             <a:endParaRPr lang="zh-CN"/>
           </a:p>
@@ -3752,7 +3748,7 @@
           <a:lstStyle/>
           <a:p>
             <a:fld id="{A79A3335-6331-4872-A8B7-ECD55539F4D0}" type="datetimeFigureOut">
-              <a:t>2016/12/24</a:t>
+              <a:t>2016/12/25</a:t>
             </a:fld>
             <a:endParaRPr lang="zh-CN"/>
           </a:p>
@@ -4066,7 +4062,7 @@
           <a:lstStyle/>
           <a:p>
             <a:fld id="{A79A3335-6331-4872-A8B7-ECD55539F4D0}" type="datetimeFigureOut">
-              <a:t>2016/12/24</a:t>
+              <a:t>2016/12/25</a:t>
             </a:fld>
             <a:endParaRPr lang="zh-CN"/>
           </a:p>
@@ -4261,7 +4257,7 @@
           <a:lstStyle/>
           <a:p>
             <a:fld id="{A79A3335-6331-4872-A8B7-ECD55539F4D0}" type="datetimeFigureOut">
-              <a:t>2016/12/24</a:t>
+              <a:t>2016/12/25</a:t>
             </a:fld>
             <a:endParaRPr lang="zh-CN"/>
           </a:p>
@@ -4366,7 +4362,7 @@
           <a:lstStyle/>
           <a:p>
             <a:fld id="{A79A3335-6331-4872-A8B7-ECD55539F4D0}" type="datetimeFigureOut">
-              <a:t>2016/12/24</a:t>
+              <a:t>2016/12/25</a:t>
             </a:fld>
             <a:endParaRPr lang="zh-CN"/>
           </a:p>
@@ -4655,7 +4651,7 @@
           <a:lstStyle/>
           <a:p>
             <a:fld id="{A79A3335-6331-4872-A8B7-ECD55539F4D0}" type="datetimeFigureOut">
-              <a:t>2016/12/24</a:t>
+              <a:t>2016/12/25</a:t>
             </a:fld>
             <a:endParaRPr lang="zh-CN"/>
           </a:p>
@@ -5027,7 +5023,7 @@
             <a:fld id="{A79A3335-6331-4872-A8B7-ECD55539F4D0}" type="datetimeFigureOut">
               <a:rPr lang="en-US" altLang="zh-CN" smtClean="0"/>
               <a:pPr/>
-              <a:t>12/24/2016</a:t>
+              <a:t>12/25/2016</a:t>
             </a:fld>
             <a:endParaRPr lang="zh-CN" altLang="en-US"/>
           </a:p>
@@ -5600,625 +5596,6 @@
         </p:nvSpPr>
         <p:spPr/>
         <p:txBody>
-          <a:bodyPr/>
-          <a:lstStyle/>
-          <a:p>
-            <a:r>
-              <a:rPr lang="en-US" altLang="zh-CN" dirty="0"/>
-              <a:t>3. </a:t>
-            </a:r>
-            <a:r>
-              <a:rPr lang="en-US" altLang="zh-CN" dirty="0" smtClean="0"/>
-              <a:t>Request</a:t>
-            </a:r>
-            <a:endParaRPr lang="zh-CN" dirty="0">
-              <a:latin typeface="Microsoft YaHei UI" panose="020B0503020204020204" pitchFamily="34" charset="-122"/>
-              <a:ea typeface="Microsoft YaHei UI" panose="020B0503020204020204" pitchFamily="34" charset="-122"/>
-            </a:endParaRPr>
-          </a:p>
-        </p:txBody>
-      </p:sp>
-      <p:sp>
-        <p:nvSpPr>
-          <p:cNvPr id="3" name="内容占位符 2"/>
-          <p:cNvSpPr>
-            <a:spLocks noGrp="1"/>
-          </p:cNvSpPr>
-          <p:nvPr>
-            <p:ph idx="1"/>
-          </p:nvPr>
-        </p:nvSpPr>
-        <p:spPr/>
-        <p:txBody>
-          <a:bodyPr/>
-          <a:lstStyle/>
-          <a:p>
-            <a:endParaRPr lang="zh-CN" altLang="en-US" dirty="0"/>
-          </a:p>
-        </p:txBody>
-      </p:sp>
-    </p:spTree>
-    <p:extLst>
-      <p:ext uri="{BB962C8B-B14F-4D97-AF65-F5344CB8AC3E}">
-        <p14:creationId xmlns:p14="http://schemas.microsoft.com/office/powerpoint/2010/main" val="1937917601"/>
-      </p:ext>
-    </p:extLst>
-  </p:cSld>
-  <p:clrMapOvr>
-    <a:masterClrMapping/>
-  </p:clrMapOvr>
-  <mc:AlternateContent xmlns:mc="http://schemas.openxmlformats.org/markup-compatibility/2006" xmlns:p14="http://schemas.microsoft.com/office/powerpoint/2010/main">
-    <mc:Choice Requires="p14">
-      <p:transition spd="med" p14:dur="700">
-        <p:fade/>
-      </p:transition>
-    </mc:Choice>
-    <mc:Fallback xmlns="">
-      <p:transition spd="med">
-        <p:fade/>
-      </p:transition>
-    </mc:Fallback>
-  </mc:AlternateContent>
-</p:sld>
-</file>
-
-<file path=ppt/slides/slide11.xml><?xml version="1.0" encoding="utf-8"?>
-<p:sld xmlns:a="http://schemas.openxmlformats.org/drawingml/2006/main" xmlns:r="http://schemas.openxmlformats.org/officeDocument/2006/relationships" xmlns:p="http://schemas.openxmlformats.org/presentationml/2006/main">
-  <p:cSld>
-    <p:spTree>
-      <p:nvGrpSpPr>
-        <p:cNvPr id="1" name=""/>
-        <p:cNvGrpSpPr/>
-        <p:nvPr/>
-      </p:nvGrpSpPr>
-      <p:grpSpPr>
-        <a:xfrm>
-          <a:off x="0" y="0"/>
-          <a:ext cx="0" cy="0"/>
-          <a:chOff x="0" y="0"/>
-          <a:chExt cx="0" cy="0"/>
-        </a:xfrm>
-      </p:grpSpPr>
-      <p:sp>
-        <p:nvSpPr>
-          <p:cNvPr id="2" name="标题 1"/>
-          <p:cNvSpPr>
-            <a:spLocks noGrp="1"/>
-          </p:cNvSpPr>
-          <p:nvPr>
-            <p:ph type="title"/>
-          </p:nvPr>
-        </p:nvSpPr>
-        <p:spPr/>
-        <p:txBody>
-          <a:bodyPr/>
-          <a:lstStyle/>
-          <a:p>
-            <a:r>
-              <a:rPr lang="en-US" altLang="zh-CN" dirty="0"/>
-              <a:t>3. </a:t>
-            </a:r>
-            <a:r>
-              <a:rPr lang="en-US" altLang="zh-CN" dirty="0" smtClean="0"/>
-              <a:t>Request</a:t>
-            </a:r>
-            <a:endParaRPr lang="zh-CN" dirty="0">
-              <a:latin typeface="Microsoft YaHei UI" panose="020B0503020204020204" pitchFamily="34" charset="-122"/>
-              <a:ea typeface="Microsoft YaHei UI" panose="020B0503020204020204" pitchFamily="34" charset="-122"/>
-            </a:endParaRPr>
-          </a:p>
-        </p:txBody>
-      </p:sp>
-      <p:sp>
-        <p:nvSpPr>
-          <p:cNvPr id="3" name="内容占位符 2"/>
-          <p:cNvSpPr>
-            <a:spLocks noGrp="1"/>
-          </p:cNvSpPr>
-          <p:nvPr>
-            <p:ph idx="1"/>
-          </p:nvPr>
-        </p:nvSpPr>
-        <p:spPr/>
-        <p:txBody>
-          <a:bodyPr/>
-          <a:lstStyle/>
-          <a:p>
-            <a:endParaRPr lang="zh-CN" altLang="en-US" dirty="0"/>
-          </a:p>
-        </p:txBody>
-      </p:sp>
-    </p:spTree>
-    <p:extLst>
-      <p:ext uri="{BB962C8B-B14F-4D97-AF65-F5344CB8AC3E}">
-        <p14:creationId xmlns:p14="http://schemas.microsoft.com/office/powerpoint/2010/main" val="3647649655"/>
-      </p:ext>
-    </p:extLst>
-  </p:cSld>
-  <p:clrMapOvr>
-    <a:masterClrMapping/>
-  </p:clrMapOvr>
-  <mc:AlternateContent xmlns:mc="http://schemas.openxmlformats.org/markup-compatibility/2006" xmlns:p14="http://schemas.microsoft.com/office/powerpoint/2010/main">
-    <mc:Choice Requires="p14">
-      <p:transition spd="med" p14:dur="700">
-        <p:fade/>
-      </p:transition>
-    </mc:Choice>
-    <mc:Fallback xmlns="">
-      <p:transition spd="med">
-        <p:fade/>
-      </p:transition>
-    </mc:Fallback>
-  </mc:AlternateContent>
-</p:sld>
-</file>
-
-<file path=ppt/slides/slide12.xml><?xml version="1.0" encoding="utf-8"?>
-<p:sld xmlns:a="http://schemas.openxmlformats.org/drawingml/2006/main" xmlns:r="http://schemas.openxmlformats.org/officeDocument/2006/relationships" xmlns:p="http://schemas.openxmlformats.org/presentationml/2006/main">
-  <p:cSld>
-    <p:spTree>
-      <p:nvGrpSpPr>
-        <p:cNvPr id="1" name=""/>
-        <p:cNvGrpSpPr/>
-        <p:nvPr/>
-      </p:nvGrpSpPr>
-      <p:grpSpPr>
-        <a:xfrm>
-          <a:off x="0" y="0"/>
-          <a:ext cx="0" cy="0"/>
-          <a:chOff x="0" y="0"/>
-          <a:chExt cx="0" cy="0"/>
-        </a:xfrm>
-      </p:grpSpPr>
-      <p:sp>
-        <p:nvSpPr>
-          <p:cNvPr id="2" name="标题 1"/>
-          <p:cNvSpPr>
-            <a:spLocks noGrp="1"/>
-          </p:cNvSpPr>
-          <p:nvPr>
-            <p:ph type="title"/>
-          </p:nvPr>
-        </p:nvSpPr>
-        <p:spPr/>
-        <p:txBody>
-          <a:bodyPr/>
-          <a:lstStyle/>
-          <a:p>
-            <a:r>
-              <a:rPr lang="en-US" altLang="zh-CN" dirty="0"/>
-              <a:t>3. </a:t>
-            </a:r>
-            <a:r>
-              <a:rPr lang="en-US" altLang="zh-CN" dirty="0" smtClean="0"/>
-              <a:t>Request</a:t>
-            </a:r>
-            <a:endParaRPr lang="zh-CN" dirty="0">
-              <a:latin typeface="Microsoft YaHei UI" panose="020B0503020204020204" pitchFamily="34" charset="-122"/>
-              <a:ea typeface="Microsoft YaHei UI" panose="020B0503020204020204" pitchFamily="34" charset="-122"/>
-            </a:endParaRPr>
-          </a:p>
-        </p:txBody>
-      </p:sp>
-      <p:sp>
-        <p:nvSpPr>
-          <p:cNvPr id="3" name="内容占位符 2"/>
-          <p:cNvSpPr>
-            <a:spLocks noGrp="1"/>
-          </p:cNvSpPr>
-          <p:nvPr>
-            <p:ph idx="1"/>
-          </p:nvPr>
-        </p:nvSpPr>
-        <p:spPr/>
-        <p:txBody>
-          <a:bodyPr>
-            <a:normAutofit/>
-          </a:bodyPr>
-          <a:lstStyle/>
-          <a:p>
-            <a:pPr marL="0" indent="0">
-              <a:buNone/>
-            </a:pPr>
-            <a:endParaRPr lang="zh-CN" altLang="en-US" dirty="0"/>
-          </a:p>
-        </p:txBody>
-      </p:sp>
-    </p:spTree>
-    <p:extLst>
-      <p:ext uri="{BB962C8B-B14F-4D97-AF65-F5344CB8AC3E}">
-        <p14:creationId xmlns:p14="http://schemas.microsoft.com/office/powerpoint/2010/main" val="1256806001"/>
-      </p:ext>
-    </p:extLst>
-  </p:cSld>
-  <p:clrMapOvr>
-    <a:masterClrMapping/>
-  </p:clrMapOvr>
-  <mc:AlternateContent xmlns:mc="http://schemas.openxmlformats.org/markup-compatibility/2006" xmlns:p14="http://schemas.microsoft.com/office/powerpoint/2010/main">
-    <mc:Choice Requires="p14">
-      <p:transition spd="med" p14:dur="700">
-        <p:fade/>
-      </p:transition>
-    </mc:Choice>
-    <mc:Fallback xmlns="">
-      <p:transition spd="med">
-        <p:fade/>
-      </p:transition>
-    </mc:Fallback>
-  </mc:AlternateContent>
-</p:sld>
-</file>
-
-<file path=ppt/slides/slide13.xml><?xml version="1.0" encoding="utf-8"?>
-<p:sld xmlns:a="http://schemas.openxmlformats.org/drawingml/2006/main" xmlns:r="http://schemas.openxmlformats.org/officeDocument/2006/relationships" xmlns:p="http://schemas.openxmlformats.org/presentationml/2006/main">
-  <p:cSld>
-    <p:spTree>
-      <p:nvGrpSpPr>
-        <p:cNvPr id="1" name=""/>
-        <p:cNvGrpSpPr/>
-        <p:nvPr/>
-      </p:nvGrpSpPr>
-      <p:grpSpPr>
-        <a:xfrm>
-          <a:off x="0" y="0"/>
-          <a:ext cx="0" cy="0"/>
-          <a:chOff x="0" y="0"/>
-          <a:chExt cx="0" cy="0"/>
-        </a:xfrm>
-      </p:grpSpPr>
-      <p:sp>
-        <p:nvSpPr>
-          <p:cNvPr id="2" name="标题 1"/>
-          <p:cNvSpPr>
-            <a:spLocks noGrp="1"/>
-          </p:cNvSpPr>
-          <p:nvPr>
-            <p:ph type="title"/>
-          </p:nvPr>
-        </p:nvSpPr>
-        <p:spPr/>
-        <p:txBody>
-          <a:bodyPr/>
-          <a:lstStyle/>
-          <a:p>
-            <a:r>
-              <a:rPr lang="en-US" altLang="zh-CN" dirty="0">
-                <a:latin typeface="Microsoft YaHei UI" panose="020B0503020204020204" pitchFamily="34" charset="-122"/>
-                <a:ea typeface="Microsoft YaHei UI" panose="020B0503020204020204" pitchFamily="34" charset="-122"/>
-              </a:rPr>
-              <a:t>4. </a:t>
-            </a:r>
-            <a:r>
-              <a:rPr lang="en-US" altLang="zh-CN" dirty="0" smtClean="0">
-                <a:latin typeface="Microsoft YaHei UI" panose="020B0503020204020204" pitchFamily="34" charset="-122"/>
-                <a:ea typeface="Microsoft YaHei UI" panose="020B0503020204020204" pitchFamily="34" charset="-122"/>
-              </a:rPr>
-              <a:t>response</a:t>
-            </a:r>
-            <a:endParaRPr lang="zh-CN" dirty="0">
-              <a:latin typeface="Microsoft YaHei UI" panose="020B0503020204020204" pitchFamily="34" charset="-122"/>
-              <a:ea typeface="Microsoft YaHei UI" panose="020B0503020204020204" pitchFamily="34" charset="-122"/>
-            </a:endParaRPr>
-          </a:p>
-        </p:txBody>
-      </p:sp>
-      <p:sp>
-        <p:nvSpPr>
-          <p:cNvPr id="3" name="内容占位符 2"/>
-          <p:cNvSpPr>
-            <a:spLocks noGrp="1"/>
-          </p:cNvSpPr>
-          <p:nvPr>
-            <p:ph sz="half" idx="1"/>
-          </p:nvPr>
-        </p:nvSpPr>
-        <p:spPr/>
-        <p:txBody>
-          <a:bodyPr/>
-          <a:lstStyle/>
-          <a:p>
-            <a:r>
-              <a:rPr lang="zh-CN" altLang="en-US" dirty="0">
-                <a:latin typeface="Microsoft YaHei UI" panose="020B0503020204020204" pitchFamily="34" charset="-122"/>
-                <a:ea typeface="Microsoft YaHei UI" panose="020B0503020204020204" pitchFamily="34" charset="-122"/>
-              </a:rPr>
-              <a:t>获取和设置</a:t>
-            </a:r>
-            <a:r>
-              <a:rPr lang="en-US" altLang="zh-CN" dirty="0">
-                <a:latin typeface="Microsoft YaHei UI" panose="020B0503020204020204" pitchFamily="34" charset="-122"/>
-                <a:ea typeface="Microsoft YaHei UI" panose="020B0503020204020204" pitchFamily="34" charset="-122"/>
-              </a:rPr>
-              <a:t>HTML</a:t>
-            </a:r>
-            <a:r>
-              <a:rPr lang="zh-CN" altLang="en-US" dirty="0">
-                <a:latin typeface="Microsoft YaHei UI" panose="020B0503020204020204" pitchFamily="34" charset="-122"/>
-                <a:ea typeface="Microsoft YaHei UI" panose="020B0503020204020204" pitchFamily="34" charset="-122"/>
-              </a:rPr>
-              <a:t>属性</a:t>
-            </a:r>
-            <a:endParaRPr lang="en-US" altLang="zh-CN" dirty="0">
-              <a:latin typeface="Microsoft YaHei UI" panose="020B0503020204020204" pitchFamily="34" charset="-122"/>
-              <a:ea typeface="Microsoft YaHei UI" panose="020B0503020204020204" pitchFamily="34" charset="-122"/>
-            </a:endParaRPr>
-          </a:p>
-          <a:p>
-            <a:pPr marL="274320" lvl="1" indent="0">
-              <a:buNone/>
-            </a:pPr>
-            <a:r>
-              <a:rPr lang="en-US" altLang="zh-CN" dirty="0" err="1"/>
-              <a:t>attr</a:t>
-            </a:r>
-            <a:r>
-              <a:rPr lang="en-US" altLang="zh-CN" dirty="0"/>
-              <a:t>()</a:t>
-            </a:r>
-            <a:r>
-              <a:rPr lang="zh-CN" altLang="en-US" dirty="0"/>
-              <a:t>方法是</a:t>
-            </a:r>
-            <a:r>
-              <a:rPr lang="en-US" altLang="zh-CN" dirty="0"/>
-              <a:t>jQuery</a:t>
-            </a:r>
-            <a:r>
-              <a:rPr lang="zh-CN" altLang="en-US" dirty="0"/>
-              <a:t>中用于</a:t>
-            </a:r>
-            <a:r>
-              <a:rPr lang="en-US" altLang="zh-CN" dirty="0"/>
-              <a:t>HTML</a:t>
-            </a:r>
-            <a:r>
-              <a:rPr lang="zh-CN" altLang="en-US" dirty="0"/>
-              <a:t>属性的</a:t>
-            </a:r>
-            <a:r>
-              <a:rPr lang="en-US" altLang="zh-CN" dirty="0"/>
-              <a:t>getter/setter</a:t>
-            </a:r>
-            <a:r>
-              <a:rPr lang="zh-CN" altLang="en-US" dirty="0"/>
-              <a:t>。</a:t>
-            </a:r>
-            <a:endParaRPr lang="en-US" altLang="zh-CN" dirty="0"/>
-          </a:p>
-          <a:p>
-            <a:pPr marL="274320" lvl="1" indent="0">
-              <a:buNone/>
-            </a:pPr>
-            <a:endParaRPr lang="en-US" altLang="zh-CN" dirty="0"/>
-          </a:p>
-          <a:p>
-            <a:pPr marL="274320" lvl="1" indent="0">
-              <a:buNone/>
-            </a:pPr>
-            <a:r>
-              <a:rPr lang="en-US" altLang="zh-CN" dirty="0"/>
-              <a:t>$(“form</a:t>
-            </a:r>
-            <a:r>
-              <a:rPr lang="zh-CN" altLang="en-US" dirty="0"/>
-              <a:t>“</a:t>
-            </a:r>
-            <a:r>
-              <a:rPr lang="en-US" altLang="zh-CN" dirty="0"/>
-              <a:t>).</a:t>
-            </a:r>
-            <a:r>
-              <a:rPr lang="en-US" altLang="zh-CN" dirty="0" err="1"/>
-              <a:t>attr</a:t>
-            </a:r>
-            <a:r>
-              <a:rPr lang="en-US" altLang="zh-CN" dirty="0"/>
-              <a:t>(“action”);                    //</a:t>
-            </a:r>
-            <a:r>
-              <a:rPr lang="zh-CN" altLang="en-US" dirty="0"/>
-              <a:t>获取第一个</a:t>
-            </a:r>
-            <a:r>
-              <a:rPr lang="en-US" altLang="zh-CN" dirty="0"/>
-              <a:t>form</a:t>
-            </a:r>
-            <a:r>
-              <a:rPr lang="zh-CN" altLang="en-US" dirty="0"/>
-              <a:t>元素的</a:t>
-            </a:r>
-            <a:r>
-              <a:rPr lang="en-US" altLang="zh-CN" dirty="0"/>
-              <a:t>action</a:t>
-            </a:r>
-          </a:p>
-          <a:p>
-            <a:pPr marL="274320" lvl="1" indent="0">
-              <a:buNone/>
-            </a:pPr>
-            <a:r>
-              <a:rPr lang="en-US" altLang="zh-CN" dirty="0"/>
-              <a:t>$(“#icon”).</a:t>
-            </a:r>
-            <a:r>
-              <a:rPr lang="en-US" altLang="zh-CN" dirty="0" err="1"/>
-              <a:t>attr</a:t>
-            </a:r>
-            <a:r>
-              <a:rPr lang="en-US" altLang="zh-CN" dirty="0"/>
-              <a:t>(“</a:t>
-            </a:r>
-            <a:r>
-              <a:rPr lang="en-US" altLang="zh-CN" dirty="0" err="1"/>
-              <a:t>src</a:t>
-            </a:r>
-            <a:r>
-              <a:rPr lang="en-US" altLang="zh-CN" dirty="0"/>
-              <a:t>”, ”icon.gif”);       //</a:t>
-            </a:r>
-            <a:r>
-              <a:rPr lang="zh-CN" altLang="en-US" dirty="0"/>
-              <a:t>设置</a:t>
-            </a:r>
-            <a:r>
-              <a:rPr lang="en-US" altLang="zh-CN" dirty="0" err="1"/>
-              <a:t>src</a:t>
-            </a:r>
-            <a:r>
-              <a:rPr lang="zh-CN" altLang="en-US" dirty="0"/>
-              <a:t>属性</a:t>
-            </a:r>
-            <a:endParaRPr lang="en-US" altLang="zh-CN" dirty="0"/>
-          </a:p>
-          <a:p>
-            <a:pPr marL="274320" lvl="1" indent="0">
-              <a:buNone/>
-            </a:pPr>
-            <a:r>
-              <a:rPr lang="en-US" altLang="zh-CN" dirty="0"/>
-              <a:t>$(“#banner”).</a:t>
-            </a:r>
-            <a:r>
-              <a:rPr lang="en-US" altLang="zh-CN" dirty="0" err="1"/>
-              <a:t>attr</a:t>
-            </a:r>
-            <a:r>
-              <a:rPr lang="en-US" altLang="zh-CN" dirty="0"/>
-              <a:t>({</a:t>
-            </a:r>
-            <a:r>
-              <a:rPr lang="en-US" altLang="zh-CN" dirty="0" err="1"/>
-              <a:t>src</a:t>
-            </a:r>
-            <a:r>
-              <a:rPr lang="en-US" altLang="zh-CN" dirty="0"/>
-              <a:t>: ”icon.gif”,</a:t>
-            </a:r>
-          </a:p>
-          <a:p>
-            <a:pPr marL="274320" lvl="1" indent="0">
-              <a:buNone/>
-            </a:pPr>
-            <a:r>
-              <a:rPr lang="en-US" altLang="zh-CN" dirty="0"/>
-              <a:t>                              alt: “Advertisement”,</a:t>
-            </a:r>
-          </a:p>
-          <a:p>
-            <a:pPr marL="274320" lvl="1" indent="0">
-              <a:buNone/>
-            </a:pPr>
-            <a:r>
-              <a:rPr lang="en-US" altLang="zh-CN" dirty="0"/>
-              <a:t>                              width: 720, height: 64});       //</a:t>
-            </a:r>
-            <a:r>
-              <a:rPr lang="zh-CN" altLang="en-US" dirty="0"/>
-              <a:t>一次性设置</a:t>
-            </a:r>
-            <a:r>
-              <a:rPr lang="en-US" altLang="zh-CN" dirty="0"/>
-              <a:t>4</a:t>
-            </a:r>
-            <a:r>
-              <a:rPr lang="zh-CN" altLang="en-US" dirty="0"/>
-              <a:t>个属性</a:t>
-            </a:r>
-            <a:endParaRPr lang="en-US" altLang="zh-CN" dirty="0"/>
-          </a:p>
-          <a:p>
-            <a:pPr marL="274320" lvl="1" indent="0">
-              <a:buNone/>
-            </a:pPr>
-            <a:r>
-              <a:rPr lang="en-US" altLang="zh-CN" dirty="0"/>
-              <a:t>$(“a”).</a:t>
-            </a:r>
-            <a:r>
-              <a:rPr lang="en-US" altLang="zh-CN" dirty="0" err="1"/>
-              <a:t>attr</a:t>
-            </a:r>
-            <a:r>
-              <a:rPr lang="en-US" altLang="zh-CN" dirty="0"/>
-              <a:t>(“target”, ”_blank”);            //</a:t>
-            </a:r>
-            <a:r>
-              <a:rPr lang="zh-CN" altLang="en-US" dirty="0"/>
-              <a:t>使所有链接在新窗口中打开</a:t>
-            </a:r>
-            <a:endParaRPr lang="en-US" altLang="zh-CN" dirty="0"/>
-          </a:p>
-          <a:p>
-            <a:pPr marL="274320" lvl="1" indent="0">
-              <a:buNone/>
-            </a:pPr>
-            <a:endParaRPr lang="en-US" altLang="zh-CN" dirty="0"/>
-          </a:p>
-          <a:p>
-            <a:pPr marL="0" indent="0">
-              <a:buNone/>
-            </a:pPr>
-            <a:endParaRPr lang="en-US" altLang="zh-CN" dirty="0">
-              <a:latin typeface="Microsoft YaHei UI" panose="020B0503020204020204" pitchFamily="34" charset="-122"/>
-              <a:ea typeface="Microsoft YaHei UI" panose="020B0503020204020204" pitchFamily="34" charset="-122"/>
-            </a:endParaRPr>
-          </a:p>
-        </p:txBody>
-      </p:sp>
-    </p:spTree>
-    <p:extLst>
-      <p:ext uri="{BB962C8B-B14F-4D97-AF65-F5344CB8AC3E}">
-        <p14:creationId xmlns:p14="http://schemas.microsoft.com/office/powerpoint/2010/main" val="1533162458"/>
-      </p:ext>
-    </p:extLst>
-  </p:cSld>
-  <p:clrMapOvr>
-    <a:masterClrMapping/>
-  </p:clrMapOvr>
-  <mc:AlternateContent xmlns:mc="http://schemas.openxmlformats.org/markup-compatibility/2006" xmlns:p14="http://schemas.microsoft.com/office/powerpoint/2010/main">
-    <mc:Choice Requires="p14">
-      <p:transition spd="med" p14:dur="700">
-        <p:fade/>
-      </p:transition>
-    </mc:Choice>
-    <mc:Fallback xmlns="">
-      <p:transition spd="med">
-        <p:fade/>
-      </p:transition>
-    </mc:Fallback>
-  </mc:AlternateContent>
-</p:sld>
-</file>
-
-<file path=ppt/slides/slide14.xml><?xml version="1.0" encoding="utf-8"?>
-<p:sld xmlns:a="http://schemas.openxmlformats.org/drawingml/2006/main" xmlns:r="http://schemas.openxmlformats.org/officeDocument/2006/relationships" xmlns:p="http://schemas.openxmlformats.org/presentationml/2006/main">
-  <p:cSld>
-    <p:spTree>
-      <p:nvGrpSpPr>
-        <p:cNvPr id="1" name=""/>
-        <p:cNvGrpSpPr/>
-        <p:nvPr/>
-      </p:nvGrpSpPr>
-      <p:grpSpPr>
-        <a:xfrm>
-          <a:off x="0" y="0"/>
-          <a:ext cx="0" cy="0"/>
-          <a:chOff x="0" y="0"/>
-          <a:chExt cx="0" cy="0"/>
-        </a:xfrm>
-      </p:grpSpPr>
-      <p:sp>
-        <p:nvSpPr>
-          <p:cNvPr id="2" name="标题 1"/>
-          <p:cNvSpPr>
-            <a:spLocks noGrp="1"/>
-          </p:cNvSpPr>
-          <p:nvPr>
-            <p:ph type="title"/>
-          </p:nvPr>
-        </p:nvSpPr>
-        <p:spPr/>
-        <p:txBody>
           <a:bodyPr>
             <a:normAutofit/>
           </a:bodyPr>
@@ -6258,12 +5635,9 @@
           <a:lstStyle/>
           <a:p>
             <a:r>
-              <a:rPr lang="en-US" altLang="zh-CN" dirty="0"/>
-              <a:t/>
-            </a:r>
-            <a:br>
-              <a:rPr lang="en-US" altLang="zh-CN" dirty="0"/>
-            </a:br>
+              <a:rPr lang="en-US" altLang="zh-CN" smtClean="0"/>
+              <a:t>Postman</a:t>
+            </a:r>
             <a:endParaRPr lang="zh-CN" altLang="en-US" dirty="0"/>
           </a:p>
         </p:txBody>
@@ -6434,7 +5808,7 @@
             </a:r>
             <a:r>
               <a:rPr lang="en-US" altLang="zh-CN" dirty="0" smtClean="0"/>
-              <a:t>telnet</a:t>
+              <a:t>postman</a:t>
             </a:r>
             <a:r>
               <a:rPr lang="zh-CN" altLang="en-US" dirty="0" smtClean="0"/>
@@ -7009,7 +6383,7 @@
               <a:t> </a:t>
             </a:r>
             <a:r>
-              <a:rPr lang="en-US" altLang="zh-CN" sz="1600" dirty="0"/>
+              <a:rPr lang="en-US" altLang="zh-CN" sz="1600" dirty="0" smtClean="0"/>
               <a:t>Transfer </a:t>
             </a:r>
             <a:r>
@@ -7207,8 +6581,65 @@
             </a:r>
             <a:r>
               <a:rPr lang="zh-CN" altLang="en-US" dirty="0" smtClean="0"/>
-              <a:t>资源标识符</a:t>
-            </a:r>
+              <a:t>资源</a:t>
+            </a:r>
+            <a:r>
+              <a:rPr lang="zh-CN" altLang="en-US" dirty="0" smtClean="0"/>
+              <a:t>标识符</a:t>
+            </a:r>
+            <a:endParaRPr lang="en-US" altLang="zh-CN" dirty="0" smtClean="0"/>
+          </a:p>
+          <a:p>
+            <a:pPr marL="0" indent="0">
+              <a:buNone/>
+            </a:pPr>
+            <a:r>
+              <a:rPr lang="zh-CN" altLang="en-US" dirty="0"/>
+              <a:t>例如</a:t>
+            </a:r>
+            <a:r>
+              <a:rPr lang="zh-CN" altLang="en-US" dirty="0" smtClean="0"/>
+              <a:t>：</a:t>
+            </a:r>
+            <a:r>
+              <a:rPr lang="en-US" altLang="zh-CN" dirty="0" smtClean="0"/>
+              <a:t>1</a:t>
+            </a:r>
+            <a:r>
+              <a:rPr lang="zh-CN" altLang="en-US" dirty="0" smtClean="0"/>
+              <a:t>、</a:t>
+            </a:r>
+            <a:r>
+              <a:rPr lang="en-US" altLang="zh-CN" dirty="0" smtClean="0"/>
+              <a:t>/a/</a:t>
+            </a:r>
+            <a:r>
+              <a:rPr lang="en-US" altLang="zh-CN" dirty="0" err="1" smtClean="0"/>
+              <a:t>b.php#a</a:t>
+            </a:r>
+            <a:endParaRPr lang="en-US" altLang="zh-CN" dirty="0" smtClean="0"/>
+          </a:p>
+          <a:p>
+            <a:pPr marL="0" indent="0">
+              <a:buNone/>
+            </a:pPr>
+            <a:r>
+              <a:rPr lang="en-US" altLang="zh-CN" dirty="0" smtClean="0"/>
+              <a:t>2</a:t>
+            </a:r>
+            <a:r>
+              <a:rPr lang="zh-CN" altLang="en-US" dirty="0" smtClean="0"/>
+              <a:t>、</a:t>
+            </a:r>
+            <a:r>
+              <a:rPr lang="en-US" altLang="zh-CN" dirty="0" smtClean="0"/>
+              <a:t>http:www.baidu.com</a:t>
+            </a:r>
+          </a:p>
+          <a:p>
+            <a:pPr marL="0" indent="0">
+              <a:buNone/>
+            </a:pPr>
             <a:endParaRPr lang="en-US" altLang="zh-CN" dirty="0" smtClean="0"/>
           </a:p>
           <a:p>
@@ -7225,14 +6656,12 @@
             </a:r>
             <a:r>
               <a:rPr lang="zh-CN" altLang="en-US" dirty="0" smtClean="0"/>
-              <a:t>统一资源定位符</a:t>
-            </a:r>
-            <a:endParaRPr lang="en-US" altLang="zh-CN" dirty="0" smtClean="0"/>
-          </a:p>
-          <a:p>
-            <a:pPr marL="0" indent="0">
-              <a:buNone/>
-            </a:pPr>
+              <a:t>统一资源定位</a:t>
+            </a:r>
+            <a:r>
+              <a:rPr lang="zh-CN" altLang="en-US" dirty="0" smtClean="0"/>
+              <a:t>符</a:t>
+            </a:r>
             <a:endParaRPr lang="en-US" altLang="zh-CN" dirty="0" smtClean="0"/>
           </a:p>
           <a:p>
@@ -7495,7 +6924,55 @@
             </a:pPr>
             <a:r>
               <a:rPr lang="zh-CN" altLang="en-US" dirty="0" smtClean="0"/>
-              <a:t>请求行、请求头、请求正文</a:t>
+              <a:t>请求头  </a:t>
+            </a:r>
+            <a:r>
+              <a:rPr lang="en-US" altLang="zh-CN" dirty="0"/>
+              <a:t>http://</a:t>
+            </a:r>
+            <a:r>
+              <a:rPr lang="en-US" altLang="zh-CN" dirty="0" smtClean="0"/>
+              <a:t>tools.jb51.net/table/http_header  (</a:t>
+            </a:r>
+            <a:r>
+              <a:rPr lang="zh-CN" altLang="en-US" dirty="0" smtClean="0"/>
+              <a:t>参考资料</a:t>
+            </a:r>
+            <a:r>
+              <a:rPr lang="en-US" altLang="zh-CN" dirty="0" smtClean="0"/>
+              <a:t>)</a:t>
+            </a:r>
+            <a:endParaRPr lang="en-US" altLang="zh-CN" dirty="0"/>
+          </a:p>
+          <a:p>
+            <a:pPr marL="0" indent="0">
+              <a:buNone/>
+            </a:pPr>
+            <a:endParaRPr lang="en-US" altLang="zh-CN" dirty="0" smtClean="0"/>
+          </a:p>
+          <a:p>
+            <a:pPr marL="0" indent="0">
+              <a:buNone/>
+            </a:pPr>
+            <a:endParaRPr lang="en-US" altLang="zh-CN" dirty="0" smtClean="0"/>
+          </a:p>
+          <a:p>
+            <a:pPr marL="0" indent="0">
+              <a:buNone/>
+            </a:pPr>
+            <a:endParaRPr lang="en-US" altLang="zh-CN" dirty="0" smtClean="0"/>
+          </a:p>
+          <a:p>
+            <a:pPr marL="0" indent="0">
+              <a:buNone/>
+            </a:pPr>
+            <a:r>
+              <a:rPr lang="zh-CN" altLang="en-US" dirty="0" smtClean="0"/>
+              <a:t>请求正</a:t>
+            </a:r>
+            <a:r>
+              <a:rPr lang="zh-CN" altLang="en-US" dirty="0" smtClean="0"/>
+              <a:t>文</a:t>
             </a:r>
             <a:endParaRPr lang="en-US" altLang="zh-CN" dirty="0"/>
           </a:p>
@@ -7563,8 +7040,18 @@
           <a:lstStyle/>
           <a:p>
             <a:r>
-              <a:rPr lang="en-US" altLang="zh-CN" dirty="0" smtClean="0"/>
-              <a:t>3.Request </a:t>
+              <a:rPr lang="en-US" altLang="zh-CN" dirty="0">
+                <a:latin typeface="Microsoft YaHei UI" panose="020B0503020204020204" pitchFamily="34" charset="-122"/>
+                <a:ea typeface="Microsoft YaHei UI" panose="020B0503020204020204" pitchFamily="34" charset="-122"/>
+              </a:rPr>
+              <a:t>4. </a:t>
+            </a:r>
+            <a:r>
+              <a:rPr lang="en-US" altLang="zh-CN" dirty="0" smtClean="0">
+                <a:latin typeface="Microsoft YaHei UI" panose="020B0503020204020204" pitchFamily="34" charset="-122"/>
+                <a:ea typeface="Microsoft YaHei UI" panose="020B0503020204020204" pitchFamily="34" charset="-122"/>
+              </a:rPr>
+              <a:t>response</a:t>
             </a:r>
             <a:endParaRPr lang="zh-CN" dirty="0">
               <a:latin typeface="Microsoft YaHei UI" panose="020B0503020204020204" pitchFamily="34" charset="-122"/>
@@ -7588,14 +7075,39 @@
           <a:bodyPr/>
           <a:lstStyle/>
           <a:p>
-            <a:endParaRPr lang="zh-CN" altLang="en-US" dirty="0"/>
+            <a:r>
+              <a:rPr lang="zh-CN" altLang="en-US" dirty="0"/>
+              <a:t>状态码</a:t>
+            </a:r>
+            <a:endParaRPr lang="en-US" altLang="zh-CN" dirty="0"/>
+          </a:p>
+          <a:p>
+            <a:r>
+              <a:rPr lang="en-US" altLang="zh-CN" dirty="0"/>
+              <a:t>http://tool.oschina.net/commons?type=5</a:t>
+            </a:r>
+          </a:p>
+          <a:p>
+            <a:pPr marL="274320" lvl="1" indent="0">
+              <a:buNone/>
+            </a:pPr>
+            <a:endParaRPr lang="en-US" altLang="zh-CN" dirty="0"/>
+          </a:p>
+          <a:p>
+            <a:pPr marL="0" indent="0">
+              <a:buNone/>
+            </a:pPr>
+            <a:endParaRPr lang="en-US" altLang="zh-CN" dirty="0">
+              <a:latin typeface="Microsoft YaHei UI" panose="020B0503020204020204" pitchFamily="34" charset="-122"/>
+              <a:ea typeface="Microsoft YaHei UI" panose="020B0503020204020204" pitchFamily="34" charset="-122"/>
+            </a:endParaRPr>
           </a:p>
         </p:txBody>
       </p:sp>
     </p:spTree>
     <p:extLst>
       <p:ext uri="{BB962C8B-B14F-4D97-AF65-F5344CB8AC3E}">
-        <p14:creationId xmlns:p14="http://schemas.microsoft.com/office/powerpoint/2010/main" val="94664119"/>
+        <p14:creationId xmlns:p14="http://schemas.microsoft.com/office/powerpoint/2010/main" val="1533162458"/>
       </p:ext>
     </p:extLst>
   </p:cSld>

--- a/ppt/http.pptx
+++ b/ppt/http.pptx
@@ -223,7 +223,7 @@
           <a:p>
             <a:fld id="{D63D5444-F62C-42C3-A75A-D9DBA807730F}" type="datetimeFigureOut">
               <a:rPr lang="en-US" altLang="zh-CN" smtClean="0"/>
-              <a:t>12/25/2016</a:t>
+              <a:t>12/26/2016</a:t>
             </a:fld>
             <a:endParaRPr lang="zh-CN"/>
           </a:p>
@@ -387,7 +387,7 @@
           </a:lstStyle>
           <a:p>
             <a:fld id="{12CAA1FA-7B6A-47D2-8D61-F225D71B51FF}" type="datetimeFigureOut">
-              <a:t>2016/12/25</a:t>
+              <a:t>2016/12/26</a:t>
             </a:fld>
             <a:endParaRPr lang="zh-CN"/>
           </a:p>
@@ -1225,7 +1225,7 @@
           <a:lstStyle/>
           <a:p>
             <a:fld id="{A79A3335-6331-4872-A8B7-ECD55539F4D0}" type="datetimeFigureOut">
-              <a:t>2016/12/25</a:t>
+              <a:t>2016/12/26</a:t>
             </a:fld>
             <a:endParaRPr lang="zh-CN"/>
           </a:p>
@@ -1482,7 +1482,7 @@
           <a:lstStyle/>
           <a:p>
             <a:fld id="{A79A3335-6331-4872-A8B7-ECD55539F4D0}" type="datetimeFigureOut">
-              <a:t>2016/12/25</a:t>
+              <a:t>2016/12/26</a:t>
             </a:fld>
             <a:endParaRPr lang="zh-CN"/>
           </a:p>
@@ -2008,7 +2008,7 @@
           <a:lstStyle/>
           <a:p>
             <a:fld id="{A79A3335-6331-4872-A8B7-ECD55539F4D0}" type="datetimeFigureOut">
-              <a:t>2016/12/25</a:t>
+              <a:t>2016/12/26</a:t>
             </a:fld>
             <a:endParaRPr lang="zh-CN"/>
           </a:p>
@@ -2338,7 +2338,7 @@
           <a:lstStyle/>
           <a:p>
             <a:fld id="{A79A3335-6331-4872-A8B7-ECD55539F4D0}" type="datetimeFigureOut">
-              <a:t>2016/12/25</a:t>
+              <a:t>2016/12/26</a:t>
             </a:fld>
             <a:endParaRPr lang="zh-CN"/>
           </a:p>
@@ -2518,7 +2518,7 @@
           <a:lstStyle/>
           <a:p>
             <a:fld id="{A79A3335-6331-4872-A8B7-ECD55539F4D0}" type="datetimeFigureOut">
-              <a:t>2016/12/25</a:t>
+              <a:t>2016/12/26</a:t>
             </a:fld>
             <a:endParaRPr lang="zh-CN"/>
           </a:p>
@@ -3748,7 +3748,7 @@
           <a:lstStyle/>
           <a:p>
             <a:fld id="{A79A3335-6331-4872-A8B7-ECD55539F4D0}" type="datetimeFigureOut">
-              <a:t>2016/12/25</a:t>
+              <a:t>2016/12/26</a:t>
             </a:fld>
             <a:endParaRPr lang="zh-CN"/>
           </a:p>
@@ -4062,7 +4062,7 @@
           <a:lstStyle/>
           <a:p>
             <a:fld id="{A79A3335-6331-4872-A8B7-ECD55539F4D0}" type="datetimeFigureOut">
-              <a:t>2016/12/25</a:t>
+              <a:t>2016/12/26</a:t>
             </a:fld>
             <a:endParaRPr lang="zh-CN"/>
           </a:p>
@@ -4257,7 +4257,7 @@
           <a:lstStyle/>
           <a:p>
             <a:fld id="{A79A3335-6331-4872-A8B7-ECD55539F4D0}" type="datetimeFigureOut">
-              <a:t>2016/12/25</a:t>
+              <a:t>2016/12/26</a:t>
             </a:fld>
             <a:endParaRPr lang="zh-CN"/>
           </a:p>
@@ -4362,7 +4362,7 @@
           <a:lstStyle/>
           <a:p>
             <a:fld id="{A79A3335-6331-4872-A8B7-ECD55539F4D0}" type="datetimeFigureOut">
-              <a:t>2016/12/25</a:t>
+              <a:t>2016/12/26</a:t>
             </a:fld>
             <a:endParaRPr lang="zh-CN"/>
           </a:p>
@@ -4651,7 +4651,7 @@
           <a:lstStyle/>
           <a:p>
             <a:fld id="{A79A3335-6331-4872-A8B7-ECD55539F4D0}" type="datetimeFigureOut">
-              <a:t>2016/12/25</a:t>
+              <a:t>2016/12/26</a:t>
             </a:fld>
             <a:endParaRPr lang="zh-CN"/>
           </a:p>
@@ -5023,7 +5023,7 @@
             <a:fld id="{A79A3335-6331-4872-A8B7-ECD55539F4D0}" type="datetimeFigureOut">
               <a:rPr lang="en-US" altLang="zh-CN" smtClean="0"/>
               <a:pPr/>
-              <a:t>12/25/2016</a:t>
+              <a:t>12/26/2016</a:t>
             </a:fld>
             <a:endParaRPr lang="zh-CN" altLang="en-US"/>
           </a:p>
@@ -5635,7 +5635,7 @@
           <a:lstStyle/>
           <a:p>
             <a:r>
-              <a:rPr lang="en-US" altLang="zh-CN" smtClean="0"/>
+              <a:rPr lang="en-US" altLang="zh-CN" dirty="0" smtClean="0"/>
               <a:t>Postman</a:t>
             </a:r>
             <a:endParaRPr lang="zh-CN" altLang="en-US" dirty="0"/>
@@ -6380,15 +6380,7 @@
             </a:r>
             <a:r>
               <a:rPr lang="en-US" altLang="zh-CN" sz="1600" dirty="0" smtClean="0"/>
-              <a:t> </a:t>
-            </a:r>
-            <a:r>
-              <a:rPr lang="en-US" altLang="zh-CN" sz="1600" dirty="0" smtClean="0"/>
-              <a:t>Transfer </a:t>
-            </a:r>
-            <a:r>
-              <a:rPr lang="en-US" altLang="zh-CN" sz="1600" dirty="0" smtClean="0"/>
-              <a:t>Protocol</a:t>
+              <a:t> Transfer Protocol</a:t>
             </a:r>
           </a:p>
           <a:p>
@@ -6581,11 +6573,7 @@
             </a:r>
             <a:r>
               <a:rPr lang="zh-CN" altLang="en-US" dirty="0" smtClean="0"/>
-              <a:t>资源</a:t>
-            </a:r>
-            <a:r>
-              <a:rPr lang="zh-CN" altLang="en-US" dirty="0" smtClean="0"/>
-              <a:t>标识符</a:t>
+              <a:t>资源标识符</a:t>
             </a:r>
             <a:endParaRPr lang="en-US" altLang="zh-CN" dirty="0" smtClean="0"/>
           </a:p>
@@ -6656,11 +6644,7 @@
             </a:r>
             <a:r>
               <a:rPr lang="zh-CN" altLang="en-US" dirty="0" smtClean="0"/>
-              <a:t>统一资源定位</a:t>
-            </a:r>
-            <a:r>
-              <a:rPr lang="zh-CN" altLang="en-US" dirty="0" smtClean="0"/>
-              <a:t>符</a:t>
+              <a:t>统一资源定位符</a:t>
             </a:r>
             <a:endParaRPr lang="en-US" altLang="zh-CN" dirty="0" smtClean="0"/>
           </a:p>
@@ -6968,11 +6952,7 @@
             </a:pPr>
             <a:r>
               <a:rPr lang="zh-CN" altLang="en-US" dirty="0" smtClean="0"/>
-              <a:t>请求正</a:t>
-            </a:r>
-            <a:r>
-              <a:rPr lang="zh-CN" altLang="en-US" dirty="0" smtClean="0"/>
-              <a:t>文</a:t>
+              <a:t>请求正文</a:t>
             </a:r>
             <a:endParaRPr lang="en-US" altLang="zh-CN" dirty="0"/>
           </a:p>
